--- a/Beginner/Day 1/Intro to Rocketry.pptx
+++ b/Beginner/Day 1/Intro to Rocketry.pptx
@@ -5,7 +5,7 @@
     <p:sldMasterId id="2147483685" r:id="rId1"/>
   </p:sldMasterIdLst>
   <p:notesMasterIdLst>
-    <p:notesMasterId r:id="rId10"/>
+    <p:notesMasterId r:id="rId11"/>
   </p:notesMasterIdLst>
   <p:sldIdLst>
     <p:sldId id="256" r:id="rId2"/>
@@ -16,34 +16,35 @@
     <p:sldId id="293" r:id="rId7"/>
     <p:sldId id="263" r:id="rId8"/>
     <p:sldId id="264" r:id="rId9"/>
+    <p:sldId id="258" r:id="rId10"/>
   </p:sldIdLst>
   <p:sldSz cx="9144000" cy="5143500" type="screen16x9"/>
   <p:notesSz cx="6858000" cy="9144000"/>
   <p:embeddedFontLst>
     <p:embeddedFont>
       <p:font typeface="Anek Devanagari ExtraBold" panose="020B0604020202020204" charset="0"/>
-      <p:bold r:id="rId11"/>
+      <p:bold r:id="rId12"/>
     </p:embeddedFont>
     <p:embeddedFont>
       <p:font typeface="Chivo" panose="020B0604020202020204" charset="0"/>
-      <p:regular r:id="rId12"/>
-      <p:bold r:id="rId13"/>
-      <p:italic r:id="rId14"/>
-      <p:boldItalic r:id="rId15"/>
+      <p:regular r:id="rId13"/>
+      <p:bold r:id="rId14"/>
+      <p:italic r:id="rId15"/>
+      <p:boldItalic r:id="rId16"/>
     </p:embeddedFont>
     <p:embeddedFont>
       <p:font typeface="Fredoka One" panose="02000000000000000000" pitchFamily="2" charset="0"/>
-      <p:regular r:id="rId16"/>
+      <p:regular r:id="rId17"/>
     </p:embeddedFont>
     <p:embeddedFont>
       <p:font typeface="Palanquin Dark" panose="020B0604020202020204" charset="0"/>
-      <p:regular r:id="rId17"/>
-      <p:bold r:id="rId18"/>
+      <p:regular r:id="rId18"/>
+      <p:bold r:id="rId19"/>
     </p:embeddedFont>
     <p:embeddedFont>
       <p:font typeface="Roboto Condensed Light" panose="02000000000000000000" pitchFamily="2" charset="0"/>
-      <p:regular r:id="rId19"/>
-      <p:italic r:id="rId20"/>
+      <p:regular r:id="rId20"/>
+      <p:italic r:id="rId21"/>
     </p:embeddedFont>
   </p:embeddedFontLst>
   <p:defaultTextStyle>
@@ -1617,6 +1618,114 @@
             <a:r>
               <a:rPr lang="en-US" dirty="0"/>
               <a:t>Sounding rockets – Rockets carrying scientific instruments into the upper atmosphere to take measurements of things like air quality and radiation in the air</a:t>
+            </a:r>
+            <a:endParaRPr dirty="0"/>
+          </a:p>
+        </p:txBody>
+      </p:sp>
+    </p:spTree>
+  </p:cSld>
+  <p:clrMapOvr>
+    <a:masterClrMapping/>
+  </p:clrMapOvr>
+</p:notes>
+</file>
+
+<file path=ppt/notesSlides/notesSlide9.xml><?xml version="1.0" encoding="utf-8"?>
+<p:notes xmlns:a="http://schemas.openxmlformats.org/drawingml/2006/main" xmlns:r="http://schemas.openxmlformats.org/officeDocument/2006/relationships" xmlns:p="http://schemas.openxmlformats.org/presentationml/2006/main" showMasterSp="0" showMasterPhAnim="0">
+  <p:cSld>
+    <p:spTree>
+      <p:nvGrpSpPr>
+        <p:cNvPr id="1" name="Shape 1113"/>
+        <p:cNvGrpSpPr/>
+        <p:nvPr/>
+      </p:nvGrpSpPr>
+      <p:grpSpPr>
+        <a:xfrm>
+          <a:off x="0" y="0"/>
+          <a:ext cx="0" cy="0"/>
+          <a:chOff x="0" y="0"/>
+          <a:chExt cx="0" cy="0"/>
+        </a:xfrm>
+      </p:grpSpPr>
+      <p:sp>
+        <p:nvSpPr>
+          <p:cNvPr id="1114" name="Google Shape;1114;g877498f77e_1_19:notes"/>
+          <p:cNvSpPr>
+            <a:spLocks noGrp="1" noRot="1" noChangeAspect="1"/>
+          </p:cNvSpPr>
+          <p:nvPr>
+            <p:ph type="sldImg" idx="2"/>
+          </p:nvPr>
+        </p:nvSpPr>
+        <p:spPr>
+          <a:xfrm>
+            <a:off x="381000" y="685800"/>
+            <a:ext cx="6096000" cy="3429000"/>
+          </a:xfrm>
+          <a:custGeom>
+            <a:avLst/>
+            <a:gdLst/>
+            <a:ahLst/>
+            <a:cxnLst/>
+            <a:rect l="l" t="t" r="r" b="b"/>
+            <a:pathLst>
+              <a:path w="120000" h="120000" extrusionOk="0">
+                <a:moveTo>
+                  <a:pt x="0" y="0"/>
+                </a:moveTo>
+                <a:lnTo>
+                  <a:pt x="120000" y="0"/>
+                </a:lnTo>
+                <a:lnTo>
+                  <a:pt x="120000" y="120000"/>
+                </a:lnTo>
+                <a:lnTo>
+                  <a:pt x="0" y="120000"/>
+                </a:lnTo>
+                <a:close/>
+              </a:path>
+            </a:pathLst>
+          </a:custGeom>
+        </p:spPr>
+      </p:sp>
+      <p:sp>
+        <p:nvSpPr>
+          <p:cNvPr id="1115" name="Google Shape;1115;g877498f77e_1_19:notes"/>
+          <p:cNvSpPr txBox="1">
+            <a:spLocks noGrp="1"/>
+          </p:cNvSpPr>
+          <p:nvPr>
+            <p:ph type="body" idx="1"/>
+          </p:nvPr>
+        </p:nvSpPr>
+        <p:spPr>
+          <a:xfrm>
+            <a:off x="685800" y="4343400"/>
+            <a:ext cx="5486400" cy="4114800"/>
+          </a:xfrm>
+          <a:prstGeom prst="rect">
+            <a:avLst/>
+          </a:prstGeom>
+        </p:spPr>
+        <p:txBody>
+          <a:bodyPr spcFirstLastPara="1" wrap="square" lIns="91425" tIns="91425" rIns="91425" bIns="91425" anchor="t" anchorCtr="0">
+            <a:noAutofit/>
+          </a:bodyPr>
+          <a:lstStyle/>
+          <a:p>
+            <a:pPr marL="0" lvl="0" indent="0" algn="l" rtl="0">
+              <a:spcBef>
+                <a:spcPts val="0"/>
+              </a:spcBef>
+              <a:spcAft>
+                <a:spcPts val="0"/>
+              </a:spcAft>
+              <a:buNone/>
+            </a:pPr>
+            <a:r>
+              <a:rPr lang="en-US" dirty="0"/>
+              <a:t>Spin stabilization too</a:t>
             </a:r>
             <a:endParaRPr dirty="0"/>
           </a:p>
@@ -6703,6 +6812,3118 @@
         </p:sp>
       </p:grpSp>
     </p:spTree>
+  </p:cSld>
+  <p:clrMapOvr>
+    <a:masterClrMapping/>
+  </p:clrMapOvr>
+</p:sldLayout>
+</file>
+
+<file path=ppt/slideLayouts/slideLayout11.xml><?xml version="1.0" encoding="utf-8"?>
+<p:sldLayout xmlns:a="http://schemas.openxmlformats.org/drawingml/2006/main" xmlns:r="http://schemas.openxmlformats.org/officeDocument/2006/relationships" xmlns:p="http://schemas.openxmlformats.org/presentationml/2006/main" matchingName="Table of contents">
+  <p:cSld name="Table of contents">
+    <p:spTree>
+      <p:nvGrpSpPr>
+        <p:cNvPr id="1" name="Shape 241"/>
+        <p:cNvGrpSpPr/>
+        <p:nvPr/>
+      </p:nvGrpSpPr>
+      <p:grpSpPr>
+        <a:xfrm>
+          <a:off x="0" y="0"/>
+          <a:ext cx="0" cy="0"/>
+          <a:chOff x="0" y="0"/>
+          <a:chExt cx="0" cy="0"/>
+        </a:xfrm>
+      </p:grpSpPr>
+      <p:sp>
+        <p:nvSpPr>
+          <p:cNvPr id="242" name="Google Shape;242;p13"/>
+          <p:cNvSpPr/>
+          <p:nvPr/>
+        </p:nvSpPr>
+        <p:spPr>
+          <a:xfrm rot="8999956">
+            <a:off x="6811448" y="32421"/>
+            <a:ext cx="4119384" cy="886505"/>
+          </a:xfrm>
+          <a:custGeom>
+            <a:avLst/>
+            <a:gdLst/>
+            <a:ahLst/>
+            <a:cxnLst/>
+            <a:rect l="l" t="t" r="r" b="b"/>
+            <a:pathLst>
+              <a:path w="164779" h="35461" extrusionOk="0">
+                <a:moveTo>
+                  <a:pt x="97179" y="0"/>
+                </a:moveTo>
+                <a:cubicBezTo>
+                  <a:pt x="89454" y="0"/>
+                  <a:pt x="81464" y="2689"/>
+                  <a:pt x="74258" y="5973"/>
+                </a:cubicBezTo>
+                <a:cubicBezTo>
+                  <a:pt x="63340" y="10956"/>
+                  <a:pt x="52498" y="17347"/>
+                  <a:pt x="40591" y="17823"/>
+                </a:cubicBezTo>
+                <a:cubicBezTo>
+                  <a:pt x="40123" y="17840"/>
+                  <a:pt x="39655" y="17848"/>
+                  <a:pt x="39186" y="17848"/>
+                </a:cubicBezTo>
+                <a:cubicBezTo>
+                  <a:pt x="30995" y="17848"/>
+                  <a:pt x="22678" y="15315"/>
+                  <a:pt x="14627" y="15315"/>
+                </a:cubicBezTo>
+                <a:cubicBezTo>
+                  <a:pt x="11655" y="15315"/>
+                  <a:pt x="8719" y="15660"/>
+                  <a:pt x="5840" y="16605"/>
+                </a:cubicBezTo>
+                <a:cubicBezTo>
+                  <a:pt x="3082" y="17518"/>
+                  <a:pt x="1" y="20105"/>
+                  <a:pt x="1009" y="22939"/>
+                </a:cubicBezTo>
+                <a:cubicBezTo>
+                  <a:pt x="1579" y="24556"/>
+                  <a:pt x="3348" y="25431"/>
+                  <a:pt x="5003" y="25488"/>
+                </a:cubicBezTo>
+                <a:cubicBezTo>
+                  <a:pt x="5054" y="25489"/>
+                  <a:pt x="5105" y="25490"/>
+                  <a:pt x="5156" y="25490"/>
+                </a:cubicBezTo>
+                <a:cubicBezTo>
+                  <a:pt x="6757" y="25490"/>
+                  <a:pt x="8305" y="24922"/>
+                  <a:pt x="9853" y="24461"/>
+                </a:cubicBezTo>
+                <a:cubicBezTo>
+                  <a:pt x="13187" y="23454"/>
+                  <a:pt x="16658" y="22957"/>
+                  <a:pt x="20129" y="22957"/>
+                </a:cubicBezTo>
+                <a:cubicBezTo>
+                  <a:pt x="25254" y="22957"/>
+                  <a:pt x="30381" y="24041"/>
+                  <a:pt x="35075" y="26173"/>
+                </a:cubicBezTo>
+                <a:cubicBezTo>
+                  <a:pt x="42421" y="29528"/>
+                  <a:pt x="49282" y="35460"/>
+                  <a:pt x="57192" y="35460"/>
+                </a:cubicBezTo>
+                <a:cubicBezTo>
+                  <a:pt x="57578" y="35460"/>
+                  <a:pt x="57966" y="35446"/>
+                  <a:pt x="58357" y="35417"/>
+                </a:cubicBezTo>
+                <a:cubicBezTo>
+                  <a:pt x="65851" y="34865"/>
+                  <a:pt x="71918" y="28779"/>
+                  <a:pt x="79184" y="26762"/>
+                </a:cubicBezTo>
+                <a:cubicBezTo>
+                  <a:pt x="81143" y="26220"/>
+                  <a:pt x="83136" y="25987"/>
+                  <a:pt x="85141" y="25987"/>
+                </a:cubicBezTo>
+                <a:cubicBezTo>
+                  <a:pt x="90243" y="25987"/>
+                  <a:pt x="95422" y="27498"/>
+                  <a:pt x="100298" y="29273"/>
+                </a:cubicBezTo>
+                <a:cubicBezTo>
+                  <a:pt x="107088" y="31727"/>
+                  <a:pt x="113897" y="34713"/>
+                  <a:pt x="121087" y="34884"/>
+                </a:cubicBezTo>
+                <a:cubicBezTo>
+                  <a:pt x="121255" y="34888"/>
+                  <a:pt x="121423" y="34890"/>
+                  <a:pt x="121592" y="34890"/>
+                </a:cubicBezTo>
+                <a:cubicBezTo>
+                  <a:pt x="128642" y="34890"/>
+                  <a:pt x="136213" y="31393"/>
+                  <a:pt x="138777" y="24575"/>
+                </a:cubicBezTo>
+                <a:lnTo>
+                  <a:pt x="164778" y="3062"/>
+                </a:lnTo>
+                <a:cubicBezTo>
+                  <a:pt x="163189" y="2082"/>
+                  <a:pt x="161456" y="1669"/>
+                  <a:pt x="159676" y="1669"/>
+                </a:cubicBezTo>
+                <a:cubicBezTo>
+                  <a:pt x="155791" y="1669"/>
+                  <a:pt x="151678" y="3638"/>
+                  <a:pt x="148325" y="5973"/>
+                </a:cubicBezTo>
+                <a:cubicBezTo>
+                  <a:pt x="143437" y="9396"/>
+                  <a:pt x="138644" y="13733"/>
+                  <a:pt x="132785" y="14152"/>
+                </a:cubicBezTo>
+                <a:cubicBezTo>
+                  <a:pt x="132469" y="14174"/>
+                  <a:pt x="132156" y="14184"/>
+                  <a:pt x="131846" y="14184"/>
+                </a:cubicBezTo>
+                <a:cubicBezTo>
+                  <a:pt x="123345" y="14184"/>
+                  <a:pt x="116728" y="6124"/>
+                  <a:pt x="108819" y="2454"/>
+                </a:cubicBezTo>
+                <a:cubicBezTo>
+                  <a:pt x="105107" y="721"/>
+                  <a:pt x="101179" y="0"/>
+                  <a:pt x="97179" y="0"/>
+                </a:cubicBezTo>
+                <a:close/>
+              </a:path>
+            </a:pathLst>
+          </a:custGeom>
+          <a:gradFill>
+            <a:gsLst>
+              <a:gs pos="0">
+                <a:srgbClr val="FF3FEA">
+                  <a:alpha val="16862"/>
+                </a:srgbClr>
+              </a:gs>
+              <a:gs pos="100000">
+                <a:srgbClr val="FF3FEA">
+                  <a:alpha val="0"/>
+                </a:srgbClr>
+              </a:gs>
+            </a:gsLst>
+            <a:lin ang="0" scaled="0"/>
+          </a:gradFill>
+          <a:ln>
+            <a:noFill/>
+          </a:ln>
+        </p:spPr>
+        <p:txBody>
+          <a:bodyPr spcFirstLastPara="1" wrap="square" lIns="91425" tIns="91425" rIns="91425" bIns="91425" anchor="ctr" anchorCtr="0">
+            <a:noAutofit/>
+          </a:bodyPr>
+          <a:lstStyle/>
+          <a:p>
+            <a:pPr marL="0" lvl="0" indent="0" algn="l" rtl="0">
+              <a:spcBef>
+                <a:spcPts val="0"/>
+              </a:spcBef>
+              <a:spcAft>
+                <a:spcPts val="0"/>
+              </a:spcAft>
+              <a:buNone/>
+            </a:pPr>
+            <a:endParaRPr/>
+          </a:p>
+        </p:txBody>
+      </p:sp>
+      <p:sp>
+        <p:nvSpPr>
+          <p:cNvPr id="243" name="Google Shape;243;p13"/>
+          <p:cNvSpPr/>
+          <p:nvPr/>
+        </p:nvSpPr>
+        <p:spPr>
+          <a:xfrm rot="9000006" flipH="1">
+            <a:off x="8252562" y="2989462"/>
+            <a:ext cx="1967565" cy="2103010"/>
+          </a:xfrm>
+          <a:custGeom>
+            <a:avLst/>
+            <a:gdLst/>
+            <a:ahLst/>
+            <a:cxnLst/>
+            <a:rect l="l" t="t" r="r" b="b"/>
+            <a:pathLst>
+              <a:path w="8471" h="9054" extrusionOk="0">
+                <a:moveTo>
+                  <a:pt x="5733" y="1"/>
+                </a:moveTo>
+                <a:cubicBezTo>
+                  <a:pt x="5650" y="1"/>
+                  <a:pt x="5565" y="5"/>
+                  <a:pt x="5478" y="14"/>
+                </a:cubicBezTo>
+                <a:cubicBezTo>
+                  <a:pt x="4470" y="128"/>
+                  <a:pt x="3443" y="946"/>
+                  <a:pt x="2930" y="2068"/>
+                </a:cubicBezTo>
+                <a:cubicBezTo>
+                  <a:pt x="2435" y="3152"/>
+                  <a:pt x="2378" y="4522"/>
+                  <a:pt x="1560" y="5320"/>
+                </a:cubicBezTo>
+                <a:cubicBezTo>
+                  <a:pt x="1180" y="5682"/>
+                  <a:pt x="685" y="5872"/>
+                  <a:pt x="419" y="6329"/>
+                </a:cubicBezTo>
+                <a:cubicBezTo>
+                  <a:pt x="0" y="7032"/>
+                  <a:pt x="324" y="7907"/>
+                  <a:pt x="799" y="8364"/>
+                </a:cubicBezTo>
+                <a:cubicBezTo>
+                  <a:pt x="1300" y="8841"/>
+                  <a:pt x="1936" y="9053"/>
+                  <a:pt x="2614" y="9053"/>
+                </a:cubicBezTo>
+                <a:cubicBezTo>
+                  <a:pt x="3638" y="9053"/>
+                  <a:pt x="4757" y="8571"/>
+                  <a:pt x="5650" y="7793"/>
+                </a:cubicBezTo>
+                <a:cubicBezTo>
+                  <a:pt x="6525" y="7032"/>
+                  <a:pt x="7247" y="6024"/>
+                  <a:pt x="7666" y="4883"/>
+                </a:cubicBezTo>
+                <a:lnTo>
+                  <a:pt x="7666" y="4864"/>
+                </a:lnTo>
+                <a:cubicBezTo>
+                  <a:pt x="8471" y="2705"/>
+                  <a:pt x="7815" y="1"/>
+                  <a:pt x="5733" y="1"/>
+                </a:cubicBezTo>
+                <a:close/>
+              </a:path>
+            </a:pathLst>
+          </a:custGeom>
+          <a:gradFill>
+            <a:gsLst>
+              <a:gs pos="0">
+                <a:srgbClr val="FF3FEA">
+                  <a:alpha val="16862"/>
+                </a:srgbClr>
+              </a:gs>
+              <a:gs pos="100000">
+                <a:srgbClr val="FF3FEA">
+                  <a:alpha val="0"/>
+                </a:srgbClr>
+              </a:gs>
+            </a:gsLst>
+            <a:lin ang="5400012" scaled="0"/>
+          </a:gradFill>
+          <a:ln>
+            <a:noFill/>
+          </a:ln>
+        </p:spPr>
+        <p:txBody>
+          <a:bodyPr spcFirstLastPara="1" wrap="square" lIns="91425" tIns="91425" rIns="91425" bIns="91425" anchor="ctr" anchorCtr="0">
+            <a:noAutofit/>
+          </a:bodyPr>
+          <a:lstStyle/>
+          <a:p>
+            <a:pPr marL="0" lvl="0" indent="0" algn="l" rtl="0">
+              <a:spcBef>
+                <a:spcPts val="0"/>
+              </a:spcBef>
+              <a:spcAft>
+                <a:spcPts val="0"/>
+              </a:spcAft>
+              <a:buNone/>
+            </a:pPr>
+            <a:endParaRPr/>
+          </a:p>
+        </p:txBody>
+      </p:sp>
+      <p:sp>
+        <p:nvSpPr>
+          <p:cNvPr id="244" name="Google Shape;244;p13"/>
+          <p:cNvSpPr/>
+          <p:nvPr/>
+        </p:nvSpPr>
+        <p:spPr>
+          <a:xfrm>
+            <a:off x="7634874" y="4375353"/>
+            <a:ext cx="1374300" cy="1374300"/>
+          </a:xfrm>
+          <a:prstGeom prst="ellipse">
+            <a:avLst/>
+          </a:prstGeom>
+          <a:gradFill>
+            <a:gsLst>
+              <a:gs pos="0">
+                <a:srgbClr val="44CAFF">
+                  <a:alpha val="0"/>
+                </a:srgbClr>
+              </a:gs>
+              <a:gs pos="100000">
+                <a:srgbClr val="44CAFF">
+                  <a:alpha val="56078"/>
+                </a:srgbClr>
+              </a:gs>
+            </a:gsLst>
+            <a:lin ang="18900044" scaled="0"/>
+          </a:gradFill>
+          <a:ln>
+            <a:noFill/>
+          </a:ln>
+        </p:spPr>
+        <p:txBody>
+          <a:bodyPr spcFirstLastPara="1" wrap="square" lIns="91425" tIns="91425" rIns="91425" bIns="91425" anchor="ctr" anchorCtr="0">
+            <a:noAutofit/>
+          </a:bodyPr>
+          <a:lstStyle/>
+          <a:p>
+            <a:pPr marL="0" lvl="0" indent="0" algn="l" rtl="0">
+              <a:spcBef>
+                <a:spcPts val="0"/>
+              </a:spcBef>
+              <a:spcAft>
+                <a:spcPts val="0"/>
+              </a:spcAft>
+              <a:buNone/>
+            </a:pPr>
+            <a:endParaRPr/>
+          </a:p>
+        </p:txBody>
+      </p:sp>
+      <p:sp>
+        <p:nvSpPr>
+          <p:cNvPr id="245" name="Google Shape;245;p13"/>
+          <p:cNvSpPr txBox="1">
+            <a:spLocks noGrp="1"/>
+          </p:cNvSpPr>
+          <p:nvPr>
+            <p:ph type="title" hasCustomPrompt="1"/>
+          </p:nvPr>
+        </p:nvSpPr>
+        <p:spPr>
+          <a:xfrm>
+            <a:off x="1526335" y="1840325"/>
+            <a:ext cx="804600" cy="804600"/>
+          </a:xfrm>
+          <a:prstGeom prst="rect">
+            <a:avLst/>
+          </a:prstGeom>
+          <a:gradFill>
+            <a:gsLst>
+              <a:gs pos="0">
+                <a:srgbClr val="FF3FEA">
+                  <a:alpha val="58431"/>
+                </a:srgbClr>
+              </a:gs>
+              <a:gs pos="100000">
+                <a:srgbClr val="FF3FEA">
+                  <a:alpha val="0"/>
+                </a:srgbClr>
+              </a:gs>
+            </a:gsLst>
+            <a:lin ang="0" scaled="0"/>
+          </a:gradFill>
+        </p:spPr>
+        <p:txBody>
+          <a:bodyPr spcFirstLastPara="1" wrap="square" lIns="91425" tIns="91425" rIns="91425" bIns="91425" anchor="ctr" anchorCtr="0">
+            <a:noAutofit/>
+          </a:bodyPr>
+          <a:lstStyle>
+            <a:lvl1pPr lvl="0" algn="ctr" rtl="0">
+              <a:lnSpc>
+                <a:spcPct val="100000"/>
+              </a:lnSpc>
+              <a:spcBef>
+                <a:spcPts val="0"/>
+              </a:spcBef>
+              <a:spcAft>
+                <a:spcPts val="0"/>
+              </a:spcAft>
+              <a:buSzPts val="3200"/>
+              <a:buNone/>
+              <a:defRPr/>
+            </a:lvl1pPr>
+            <a:lvl2pPr lvl="1" algn="ctr" rtl="0">
+              <a:lnSpc>
+                <a:spcPct val="100000"/>
+              </a:lnSpc>
+              <a:spcBef>
+                <a:spcPts val="0"/>
+              </a:spcBef>
+              <a:spcAft>
+                <a:spcPts val="0"/>
+              </a:spcAft>
+              <a:buClr>
+                <a:schemeClr val="dk2"/>
+              </a:buClr>
+              <a:buSzPts val="3200"/>
+              <a:buNone/>
+              <a:defRPr sz="3200">
+                <a:solidFill>
+                  <a:schemeClr val="dk2"/>
+                </a:solidFill>
+              </a:defRPr>
+            </a:lvl2pPr>
+            <a:lvl3pPr lvl="2" algn="ctr" rtl="0">
+              <a:lnSpc>
+                <a:spcPct val="100000"/>
+              </a:lnSpc>
+              <a:spcBef>
+                <a:spcPts val="0"/>
+              </a:spcBef>
+              <a:spcAft>
+                <a:spcPts val="0"/>
+              </a:spcAft>
+              <a:buClr>
+                <a:schemeClr val="dk2"/>
+              </a:buClr>
+              <a:buSzPts val="3200"/>
+              <a:buNone/>
+              <a:defRPr sz="3200">
+                <a:solidFill>
+                  <a:schemeClr val="dk2"/>
+                </a:solidFill>
+              </a:defRPr>
+            </a:lvl3pPr>
+            <a:lvl4pPr lvl="3" algn="ctr" rtl="0">
+              <a:lnSpc>
+                <a:spcPct val="100000"/>
+              </a:lnSpc>
+              <a:spcBef>
+                <a:spcPts val="0"/>
+              </a:spcBef>
+              <a:spcAft>
+                <a:spcPts val="0"/>
+              </a:spcAft>
+              <a:buClr>
+                <a:schemeClr val="dk2"/>
+              </a:buClr>
+              <a:buSzPts val="3200"/>
+              <a:buNone/>
+              <a:defRPr sz="3200">
+                <a:solidFill>
+                  <a:schemeClr val="dk2"/>
+                </a:solidFill>
+              </a:defRPr>
+            </a:lvl4pPr>
+            <a:lvl5pPr lvl="4" algn="ctr" rtl="0">
+              <a:lnSpc>
+                <a:spcPct val="100000"/>
+              </a:lnSpc>
+              <a:spcBef>
+                <a:spcPts val="0"/>
+              </a:spcBef>
+              <a:spcAft>
+                <a:spcPts val="0"/>
+              </a:spcAft>
+              <a:buClr>
+                <a:schemeClr val="dk2"/>
+              </a:buClr>
+              <a:buSzPts val="3200"/>
+              <a:buNone/>
+              <a:defRPr sz="3200">
+                <a:solidFill>
+                  <a:schemeClr val="dk2"/>
+                </a:solidFill>
+              </a:defRPr>
+            </a:lvl5pPr>
+            <a:lvl6pPr lvl="5" algn="ctr" rtl="0">
+              <a:lnSpc>
+                <a:spcPct val="100000"/>
+              </a:lnSpc>
+              <a:spcBef>
+                <a:spcPts val="0"/>
+              </a:spcBef>
+              <a:spcAft>
+                <a:spcPts val="0"/>
+              </a:spcAft>
+              <a:buClr>
+                <a:schemeClr val="dk2"/>
+              </a:buClr>
+              <a:buSzPts val="3200"/>
+              <a:buNone/>
+              <a:defRPr sz="3200">
+                <a:solidFill>
+                  <a:schemeClr val="dk2"/>
+                </a:solidFill>
+              </a:defRPr>
+            </a:lvl6pPr>
+            <a:lvl7pPr lvl="6" algn="ctr" rtl="0">
+              <a:lnSpc>
+                <a:spcPct val="100000"/>
+              </a:lnSpc>
+              <a:spcBef>
+                <a:spcPts val="0"/>
+              </a:spcBef>
+              <a:spcAft>
+                <a:spcPts val="0"/>
+              </a:spcAft>
+              <a:buClr>
+                <a:schemeClr val="dk2"/>
+              </a:buClr>
+              <a:buSzPts val="3200"/>
+              <a:buNone/>
+              <a:defRPr sz="3200">
+                <a:solidFill>
+                  <a:schemeClr val="dk2"/>
+                </a:solidFill>
+              </a:defRPr>
+            </a:lvl7pPr>
+            <a:lvl8pPr lvl="7" algn="ctr" rtl="0">
+              <a:lnSpc>
+                <a:spcPct val="100000"/>
+              </a:lnSpc>
+              <a:spcBef>
+                <a:spcPts val="0"/>
+              </a:spcBef>
+              <a:spcAft>
+                <a:spcPts val="0"/>
+              </a:spcAft>
+              <a:buClr>
+                <a:schemeClr val="dk2"/>
+              </a:buClr>
+              <a:buSzPts val="3200"/>
+              <a:buNone/>
+              <a:defRPr sz="3200">
+                <a:solidFill>
+                  <a:schemeClr val="dk2"/>
+                </a:solidFill>
+              </a:defRPr>
+            </a:lvl8pPr>
+            <a:lvl9pPr lvl="8" algn="ctr" rtl="0">
+              <a:lnSpc>
+                <a:spcPct val="100000"/>
+              </a:lnSpc>
+              <a:spcBef>
+                <a:spcPts val="0"/>
+              </a:spcBef>
+              <a:spcAft>
+                <a:spcPts val="0"/>
+              </a:spcAft>
+              <a:buClr>
+                <a:schemeClr val="dk2"/>
+              </a:buClr>
+              <a:buSzPts val="3200"/>
+              <a:buNone/>
+              <a:defRPr sz="3200">
+                <a:solidFill>
+                  <a:schemeClr val="dk2"/>
+                </a:solidFill>
+              </a:defRPr>
+            </a:lvl9pPr>
+          </a:lstStyle>
+          <a:p>
+            <a:r>
+              <a:t>xx%</a:t>
+            </a:r>
+          </a:p>
+        </p:txBody>
+      </p:sp>
+      <p:sp>
+        <p:nvSpPr>
+          <p:cNvPr id="246" name="Google Shape;246;p13"/>
+          <p:cNvSpPr txBox="1">
+            <a:spLocks noGrp="1"/>
+          </p:cNvSpPr>
+          <p:nvPr>
+            <p:ph type="subTitle" idx="1"/>
+          </p:nvPr>
+        </p:nvSpPr>
+        <p:spPr>
+          <a:xfrm>
+            <a:off x="827035" y="2758686"/>
+            <a:ext cx="2203200" cy="530400"/>
+          </a:xfrm>
+          <a:prstGeom prst="rect">
+            <a:avLst/>
+          </a:prstGeom>
+        </p:spPr>
+        <p:txBody>
+          <a:bodyPr spcFirstLastPara="1" wrap="square" lIns="91425" tIns="91425" rIns="91425" bIns="91425" anchor="b" anchorCtr="0">
+            <a:noAutofit/>
+          </a:bodyPr>
+          <a:lstStyle>
+            <a:lvl1pPr lvl="0" algn="ctr">
+              <a:lnSpc>
+                <a:spcPct val="100000"/>
+              </a:lnSpc>
+              <a:spcBef>
+                <a:spcPts val="0"/>
+              </a:spcBef>
+              <a:spcAft>
+                <a:spcPts val="0"/>
+              </a:spcAft>
+              <a:buNone/>
+              <a:defRPr sz="2200">
+                <a:latin typeface="Anek Devanagari ExtraBold"/>
+                <a:ea typeface="Anek Devanagari ExtraBold"/>
+                <a:cs typeface="Anek Devanagari ExtraBold"/>
+                <a:sym typeface="Anek Devanagari ExtraBold"/>
+              </a:defRPr>
+            </a:lvl1pPr>
+            <a:lvl2pPr lvl="1">
+              <a:lnSpc>
+                <a:spcPct val="100000"/>
+              </a:lnSpc>
+              <a:spcBef>
+                <a:spcPts val="0"/>
+              </a:spcBef>
+              <a:spcAft>
+                <a:spcPts val="0"/>
+              </a:spcAft>
+              <a:buNone/>
+              <a:defRPr sz="2200">
+                <a:latin typeface="Anek Devanagari ExtraBold"/>
+                <a:ea typeface="Anek Devanagari ExtraBold"/>
+                <a:cs typeface="Anek Devanagari ExtraBold"/>
+                <a:sym typeface="Anek Devanagari ExtraBold"/>
+              </a:defRPr>
+            </a:lvl2pPr>
+            <a:lvl3pPr lvl="2">
+              <a:lnSpc>
+                <a:spcPct val="100000"/>
+              </a:lnSpc>
+              <a:spcBef>
+                <a:spcPts val="0"/>
+              </a:spcBef>
+              <a:spcAft>
+                <a:spcPts val="0"/>
+              </a:spcAft>
+              <a:buNone/>
+              <a:defRPr sz="2200">
+                <a:latin typeface="Anek Devanagari ExtraBold"/>
+                <a:ea typeface="Anek Devanagari ExtraBold"/>
+                <a:cs typeface="Anek Devanagari ExtraBold"/>
+                <a:sym typeface="Anek Devanagari ExtraBold"/>
+              </a:defRPr>
+            </a:lvl3pPr>
+            <a:lvl4pPr lvl="3">
+              <a:lnSpc>
+                <a:spcPct val="100000"/>
+              </a:lnSpc>
+              <a:spcBef>
+                <a:spcPts val="0"/>
+              </a:spcBef>
+              <a:spcAft>
+                <a:spcPts val="0"/>
+              </a:spcAft>
+              <a:buNone/>
+              <a:defRPr sz="2200">
+                <a:latin typeface="Anek Devanagari ExtraBold"/>
+                <a:ea typeface="Anek Devanagari ExtraBold"/>
+                <a:cs typeface="Anek Devanagari ExtraBold"/>
+                <a:sym typeface="Anek Devanagari ExtraBold"/>
+              </a:defRPr>
+            </a:lvl4pPr>
+            <a:lvl5pPr lvl="4">
+              <a:lnSpc>
+                <a:spcPct val="100000"/>
+              </a:lnSpc>
+              <a:spcBef>
+                <a:spcPts val="0"/>
+              </a:spcBef>
+              <a:spcAft>
+                <a:spcPts val="0"/>
+              </a:spcAft>
+              <a:buNone/>
+              <a:defRPr sz="2200">
+                <a:latin typeface="Anek Devanagari ExtraBold"/>
+                <a:ea typeface="Anek Devanagari ExtraBold"/>
+                <a:cs typeface="Anek Devanagari ExtraBold"/>
+                <a:sym typeface="Anek Devanagari ExtraBold"/>
+              </a:defRPr>
+            </a:lvl5pPr>
+            <a:lvl6pPr lvl="5">
+              <a:lnSpc>
+                <a:spcPct val="100000"/>
+              </a:lnSpc>
+              <a:spcBef>
+                <a:spcPts val="0"/>
+              </a:spcBef>
+              <a:spcAft>
+                <a:spcPts val="0"/>
+              </a:spcAft>
+              <a:buNone/>
+              <a:defRPr sz="2200">
+                <a:latin typeface="Anek Devanagari ExtraBold"/>
+                <a:ea typeface="Anek Devanagari ExtraBold"/>
+                <a:cs typeface="Anek Devanagari ExtraBold"/>
+                <a:sym typeface="Anek Devanagari ExtraBold"/>
+              </a:defRPr>
+            </a:lvl6pPr>
+            <a:lvl7pPr lvl="6">
+              <a:lnSpc>
+                <a:spcPct val="100000"/>
+              </a:lnSpc>
+              <a:spcBef>
+                <a:spcPts val="0"/>
+              </a:spcBef>
+              <a:spcAft>
+                <a:spcPts val="0"/>
+              </a:spcAft>
+              <a:buNone/>
+              <a:defRPr sz="2200">
+                <a:latin typeface="Anek Devanagari ExtraBold"/>
+                <a:ea typeface="Anek Devanagari ExtraBold"/>
+                <a:cs typeface="Anek Devanagari ExtraBold"/>
+                <a:sym typeface="Anek Devanagari ExtraBold"/>
+              </a:defRPr>
+            </a:lvl7pPr>
+            <a:lvl8pPr lvl="7">
+              <a:lnSpc>
+                <a:spcPct val="100000"/>
+              </a:lnSpc>
+              <a:spcBef>
+                <a:spcPts val="0"/>
+              </a:spcBef>
+              <a:spcAft>
+                <a:spcPts val="0"/>
+              </a:spcAft>
+              <a:buNone/>
+              <a:defRPr sz="2200">
+                <a:latin typeface="Anek Devanagari ExtraBold"/>
+                <a:ea typeface="Anek Devanagari ExtraBold"/>
+                <a:cs typeface="Anek Devanagari ExtraBold"/>
+                <a:sym typeface="Anek Devanagari ExtraBold"/>
+              </a:defRPr>
+            </a:lvl8pPr>
+            <a:lvl9pPr lvl="8">
+              <a:lnSpc>
+                <a:spcPct val="100000"/>
+              </a:lnSpc>
+              <a:spcBef>
+                <a:spcPts val="0"/>
+              </a:spcBef>
+              <a:spcAft>
+                <a:spcPts val="0"/>
+              </a:spcAft>
+              <a:buNone/>
+              <a:defRPr sz="2200">
+                <a:latin typeface="Anek Devanagari ExtraBold"/>
+                <a:ea typeface="Anek Devanagari ExtraBold"/>
+                <a:cs typeface="Anek Devanagari ExtraBold"/>
+                <a:sym typeface="Anek Devanagari ExtraBold"/>
+              </a:defRPr>
+            </a:lvl9pPr>
+          </a:lstStyle>
+          <a:p>
+            <a:endParaRPr/>
+          </a:p>
+        </p:txBody>
+      </p:sp>
+      <p:sp>
+        <p:nvSpPr>
+          <p:cNvPr id="247" name="Google Shape;247;p13"/>
+          <p:cNvSpPr txBox="1">
+            <a:spLocks noGrp="1"/>
+          </p:cNvSpPr>
+          <p:nvPr>
+            <p:ph type="subTitle" idx="2"/>
+          </p:nvPr>
+        </p:nvSpPr>
+        <p:spPr>
+          <a:xfrm>
+            <a:off x="827035" y="3282487"/>
+            <a:ext cx="2203200" cy="888000"/>
+          </a:xfrm>
+          <a:prstGeom prst="rect">
+            <a:avLst/>
+          </a:prstGeom>
+        </p:spPr>
+        <p:txBody>
+          <a:bodyPr spcFirstLastPara="1" wrap="square" lIns="91425" tIns="91425" rIns="91425" bIns="91425" anchor="t" anchorCtr="0">
+            <a:noAutofit/>
+          </a:bodyPr>
+          <a:lstStyle>
+            <a:lvl1pPr lvl="0" algn="ctr" rtl="0">
+              <a:lnSpc>
+                <a:spcPct val="100000"/>
+              </a:lnSpc>
+              <a:spcBef>
+                <a:spcPts val="0"/>
+              </a:spcBef>
+              <a:spcAft>
+                <a:spcPts val="0"/>
+              </a:spcAft>
+              <a:buNone/>
+              <a:defRPr/>
+            </a:lvl1pPr>
+            <a:lvl2pPr lvl="1" rtl="0">
+              <a:lnSpc>
+                <a:spcPct val="100000"/>
+              </a:lnSpc>
+              <a:spcBef>
+                <a:spcPts val="0"/>
+              </a:spcBef>
+              <a:spcAft>
+                <a:spcPts val="0"/>
+              </a:spcAft>
+              <a:buNone/>
+              <a:defRPr/>
+            </a:lvl2pPr>
+            <a:lvl3pPr lvl="2" rtl="0">
+              <a:lnSpc>
+                <a:spcPct val="100000"/>
+              </a:lnSpc>
+              <a:spcBef>
+                <a:spcPts val="0"/>
+              </a:spcBef>
+              <a:spcAft>
+                <a:spcPts val="0"/>
+              </a:spcAft>
+              <a:buNone/>
+              <a:defRPr/>
+            </a:lvl3pPr>
+            <a:lvl4pPr lvl="3" rtl="0">
+              <a:lnSpc>
+                <a:spcPct val="100000"/>
+              </a:lnSpc>
+              <a:spcBef>
+                <a:spcPts val="0"/>
+              </a:spcBef>
+              <a:spcAft>
+                <a:spcPts val="0"/>
+              </a:spcAft>
+              <a:buNone/>
+              <a:defRPr/>
+            </a:lvl4pPr>
+            <a:lvl5pPr lvl="4" rtl="0">
+              <a:lnSpc>
+                <a:spcPct val="100000"/>
+              </a:lnSpc>
+              <a:spcBef>
+                <a:spcPts val="0"/>
+              </a:spcBef>
+              <a:spcAft>
+                <a:spcPts val="0"/>
+              </a:spcAft>
+              <a:buNone/>
+              <a:defRPr/>
+            </a:lvl5pPr>
+            <a:lvl6pPr lvl="5" rtl="0">
+              <a:lnSpc>
+                <a:spcPct val="100000"/>
+              </a:lnSpc>
+              <a:spcBef>
+                <a:spcPts val="0"/>
+              </a:spcBef>
+              <a:spcAft>
+                <a:spcPts val="0"/>
+              </a:spcAft>
+              <a:buNone/>
+              <a:defRPr/>
+            </a:lvl6pPr>
+            <a:lvl7pPr lvl="6" rtl="0">
+              <a:lnSpc>
+                <a:spcPct val="100000"/>
+              </a:lnSpc>
+              <a:spcBef>
+                <a:spcPts val="0"/>
+              </a:spcBef>
+              <a:spcAft>
+                <a:spcPts val="0"/>
+              </a:spcAft>
+              <a:buNone/>
+              <a:defRPr/>
+            </a:lvl7pPr>
+            <a:lvl8pPr lvl="7" rtl="0">
+              <a:lnSpc>
+                <a:spcPct val="100000"/>
+              </a:lnSpc>
+              <a:spcBef>
+                <a:spcPts val="0"/>
+              </a:spcBef>
+              <a:spcAft>
+                <a:spcPts val="0"/>
+              </a:spcAft>
+              <a:buNone/>
+              <a:defRPr/>
+            </a:lvl8pPr>
+            <a:lvl9pPr lvl="8" rtl="0">
+              <a:lnSpc>
+                <a:spcPct val="100000"/>
+              </a:lnSpc>
+              <a:spcBef>
+                <a:spcPts val="0"/>
+              </a:spcBef>
+              <a:spcAft>
+                <a:spcPts val="0"/>
+              </a:spcAft>
+              <a:buNone/>
+              <a:defRPr/>
+            </a:lvl9pPr>
+          </a:lstStyle>
+          <a:p>
+            <a:endParaRPr/>
+          </a:p>
+        </p:txBody>
+      </p:sp>
+      <p:sp>
+        <p:nvSpPr>
+          <p:cNvPr id="248" name="Google Shape;248;p13"/>
+          <p:cNvSpPr txBox="1">
+            <a:spLocks noGrp="1"/>
+          </p:cNvSpPr>
+          <p:nvPr>
+            <p:ph type="title" idx="3" hasCustomPrompt="1"/>
+          </p:nvPr>
+        </p:nvSpPr>
+        <p:spPr>
+          <a:xfrm>
+            <a:off x="4260624" y="1840325"/>
+            <a:ext cx="804600" cy="804600"/>
+          </a:xfrm>
+          <a:prstGeom prst="rect">
+            <a:avLst/>
+          </a:prstGeom>
+          <a:gradFill>
+            <a:gsLst>
+              <a:gs pos="0">
+                <a:srgbClr val="6372D4">
+                  <a:alpha val="57647"/>
+                </a:srgbClr>
+              </a:gs>
+              <a:gs pos="100000">
+                <a:srgbClr val="FFFFFF">
+                  <a:alpha val="0"/>
+                </a:srgbClr>
+              </a:gs>
+            </a:gsLst>
+            <a:lin ang="0" scaled="0"/>
+          </a:gradFill>
+        </p:spPr>
+        <p:txBody>
+          <a:bodyPr spcFirstLastPara="1" wrap="square" lIns="91425" tIns="91425" rIns="91425" bIns="91425" anchor="ctr" anchorCtr="0">
+            <a:noAutofit/>
+          </a:bodyPr>
+          <a:lstStyle>
+            <a:lvl1pPr lvl="0" algn="ctr" rtl="0">
+              <a:lnSpc>
+                <a:spcPct val="100000"/>
+              </a:lnSpc>
+              <a:spcBef>
+                <a:spcPts val="0"/>
+              </a:spcBef>
+              <a:spcAft>
+                <a:spcPts val="0"/>
+              </a:spcAft>
+              <a:buSzPts val="3200"/>
+              <a:buNone/>
+              <a:defRPr/>
+            </a:lvl1pPr>
+            <a:lvl2pPr lvl="1" algn="ctr" rtl="0">
+              <a:lnSpc>
+                <a:spcPct val="100000"/>
+              </a:lnSpc>
+              <a:spcBef>
+                <a:spcPts val="0"/>
+              </a:spcBef>
+              <a:spcAft>
+                <a:spcPts val="0"/>
+              </a:spcAft>
+              <a:buClr>
+                <a:schemeClr val="dk2"/>
+              </a:buClr>
+              <a:buSzPts val="3200"/>
+              <a:buNone/>
+              <a:defRPr sz="3200">
+                <a:solidFill>
+                  <a:schemeClr val="dk2"/>
+                </a:solidFill>
+              </a:defRPr>
+            </a:lvl2pPr>
+            <a:lvl3pPr lvl="2" algn="ctr" rtl="0">
+              <a:lnSpc>
+                <a:spcPct val="100000"/>
+              </a:lnSpc>
+              <a:spcBef>
+                <a:spcPts val="0"/>
+              </a:spcBef>
+              <a:spcAft>
+                <a:spcPts val="0"/>
+              </a:spcAft>
+              <a:buClr>
+                <a:schemeClr val="dk2"/>
+              </a:buClr>
+              <a:buSzPts val="3200"/>
+              <a:buNone/>
+              <a:defRPr sz="3200">
+                <a:solidFill>
+                  <a:schemeClr val="dk2"/>
+                </a:solidFill>
+              </a:defRPr>
+            </a:lvl3pPr>
+            <a:lvl4pPr lvl="3" algn="ctr" rtl="0">
+              <a:lnSpc>
+                <a:spcPct val="100000"/>
+              </a:lnSpc>
+              <a:spcBef>
+                <a:spcPts val="0"/>
+              </a:spcBef>
+              <a:spcAft>
+                <a:spcPts val="0"/>
+              </a:spcAft>
+              <a:buClr>
+                <a:schemeClr val="dk2"/>
+              </a:buClr>
+              <a:buSzPts val="3200"/>
+              <a:buNone/>
+              <a:defRPr sz="3200">
+                <a:solidFill>
+                  <a:schemeClr val="dk2"/>
+                </a:solidFill>
+              </a:defRPr>
+            </a:lvl4pPr>
+            <a:lvl5pPr lvl="4" algn="ctr" rtl="0">
+              <a:lnSpc>
+                <a:spcPct val="100000"/>
+              </a:lnSpc>
+              <a:spcBef>
+                <a:spcPts val="0"/>
+              </a:spcBef>
+              <a:spcAft>
+                <a:spcPts val="0"/>
+              </a:spcAft>
+              <a:buClr>
+                <a:schemeClr val="dk2"/>
+              </a:buClr>
+              <a:buSzPts val="3200"/>
+              <a:buNone/>
+              <a:defRPr sz="3200">
+                <a:solidFill>
+                  <a:schemeClr val="dk2"/>
+                </a:solidFill>
+              </a:defRPr>
+            </a:lvl5pPr>
+            <a:lvl6pPr lvl="5" algn="ctr" rtl="0">
+              <a:lnSpc>
+                <a:spcPct val="100000"/>
+              </a:lnSpc>
+              <a:spcBef>
+                <a:spcPts val="0"/>
+              </a:spcBef>
+              <a:spcAft>
+                <a:spcPts val="0"/>
+              </a:spcAft>
+              <a:buClr>
+                <a:schemeClr val="dk2"/>
+              </a:buClr>
+              <a:buSzPts val="3200"/>
+              <a:buNone/>
+              <a:defRPr sz="3200">
+                <a:solidFill>
+                  <a:schemeClr val="dk2"/>
+                </a:solidFill>
+              </a:defRPr>
+            </a:lvl6pPr>
+            <a:lvl7pPr lvl="6" algn="ctr" rtl="0">
+              <a:lnSpc>
+                <a:spcPct val="100000"/>
+              </a:lnSpc>
+              <a:spcBef>
+                <a:spcPts val="0"/>
+              </a:spcBef>
+              <a:spcAft>
+                <a:spcPts val="0"/>
+              </a:spcAft>
+              <a:buClr>
+                <a:schemeClr val="dk2"/>
+              </a:buClr>
+              <a:buSzPts val="3200"/>
+              <a:buNone/>
+              <a:defRPr sz="3200">
+                <a:solidFill>
+                  <a:schemeClr val="dk2"/>
+                </a:solidFill>
+              </a:defRPr>
+            </a:lvl7pPr>
+            <a:lvl8pPr lvl="7" algn="ctr" rtl="0">
+              <a:lnSpc>
+                <a:spcPct val="100000"/>
+              </a:lnSpc>
+              <a:spcBef>
+                <a:spcPts val="0"/>
+              </a:spcBef>
+              <a:spcAft>
+                <a:spcPts val="0"/>
+              </a:spcAft>
+              <a:buClr>
+                <a:schemeClr val="dk2"/>
+              </a:buClr>
+              <a:buSzPts val="3200"/>
+              <a:buNone/>
+              <a:defRPr sz="3200">
+                <a:solidFill>
+                  <a:schemeClr val="dk2"/>
+                </a:solidFill>
+              </a:defRPr>
+            </a:lvl8pPr>
+            <a:lvl9pPr lvl="8" algn="ctr" rtl="0">
+              <a:lnSpc>
+                <a:spcPct val="100000"/>
+              </a:lnSpc>
+              <a:spcBef>
+                <a:spcPts val="0"/>
+              </a:spcBef>
+              <a:spcAft>
+                <a:spcPts val="0"/>
+              </a:spcAft>
+              <a:buClr>
+                <a:schemeClr val="dk2"/>
+              </a:buClr>
+              <a:buSzPts val="3200"/>
+              <a:buNone/>
+              <a:defRPr sz="3200">
+                <a:solidFill>
+                  <a:schemeClr val="dk2"/>
+                </a:solidFill>
+              </a:defRPr>
+            </a:lvl9pPr>
+          </a:lstStyle>
+          <a:p>
+            <a:r>
+              <a:t>xx%</a:t>
+            </a:r>
+          </a:p>
+        </p:txBody>
+      </p:sp>
+      <p:sp>
+        <p:nvSpPr>
+          <p:cNvPr id="249" name="Google Shape;249;p13"/>
+          <p:cNvSpPr txBox="1">
+            <a:spLocks noGrp="1"/>
+          </p:cNvSpPr>
+          <p:nvPr>
+            <p:ph type="subTitle" idx="4"/>
+          </p:nvPr>
+        </p:nvSpPr>
+        <p:spPr>
+          <a:xfrm>
+            <a:off x="3561324" y="2758686"/>
+            <a:ext cx="2203200" cy="530400"/>
+          </a:xfrm>
+          <a:prstGeom prst="rect">
+            <a:avLst/>
+          </a:prstGeom>
+        </p:spPr>
+        <p:txBody>
+          <a:bodyPr spcFirstLastPara="1" wrap="square" lIns="91425" tIns="91425" rIns="91425" bIns="91425" anchor="b" anchorCtr="0">
+            <a:noAutofit/>
+          </a:bodyPr>
+          <a:lstStyle>
+            <a:lvl1pPr lvl="0" algn="ctr" rtl="0">
+              <a:lnSpc>
+                <a:spcPct val="100000"/>
+              </a:lnSpc>
+              <a:spcBef>
+                <a:spcPts val="0"/>
+              </a:spcBef>
+              <a:spcAft>
+                <a:spcPts val="0"/>
+              </a:spcAft>
+              <a:buNone/>
+              <a:defRPr sz="2200">
+                <a:latin typeface="Anek Devanagari ExtraBold"/>
+                <a:ea typeface="Anek Devanagari ExtraBold"/>
+                <a:cs typeface="Anek Devanagari ExtraBold"/>
+                <a:sym typeface="Anek Devanagari ExtraBold"/>
+              </a:defRPr>
+            </a:lvl1pPr>
+            <a:lvl2pPr lvl="1" rtl="0">
+              <a:lnSpc>
+                <a:spcPct val="100000"/>
+              </a:lnSpc>
+              <a:spcBef>
+                <a:spcPts val="0"/>
+              </a:spcBef>
+              <a:spcAft>
+                <a:spcPts val="0"/>
+              </a:spcAft>
+              <a:buNone/>
+              <a:defRPr sz="2200">
+                <a:latin typeface="Anek Devanagari ExtraBold"/>
+                <a:ea typeface="Anek Devanagari ExtraBold"/>
+                <a:cs typeface="Anek Devanagari ExtraBold"/>
+                <a:sym typeface="Anek Devanagari ExtraBold"/>
+              </a:defRPr>
+            </a:lvl2pPr>
+            <a:lvl3pPr lvl="2" rtl="0">
+              <a:lnSpc>
+                <a:spcPct val="100000"/>
+              </a:lnSpc>
+              <a:spcBef>
+                <a:spcPts val="0"/>
+              </a:spcBef>
+              <a:spcAft>
+                <a:spcPts val="0"/>
+              </a:spcAft>
+              <a:buNone/>
+              <a:defRPr sz="2200">
+                <a:latin typeface="Anek Devanagari ExtraBold"/>
+                <a:ea typeface="Anek Devanagari ExtraBold"/>
+                <a:cs typeface="Anek Devanagari ExtraBold"/>
+                <a:sym typeface="Anek Devanagari ExtraBold"/>
+              </a:defRPr>
+            </a:lvl3pPr>
+            <a:lvl4pPr lvl="3" rtl="0">
+              <a:lnSpc>
+                <a:spcPct val="100000"/>
+              </a:lnSpc>
+              <a:spcBef>
+                <a:spcPts val="0"/>
+              </a:spcBef>
+              <a:spcAft>
+                <a:spcPts val="0"/>
+              </a:spcAft>
+              <a:buNone/>
+              <a:defRPr sz="2200">
+                <a:latin typeface="Anek Devanagari ExtraBold"/>
+                <a:ea typeface="Anek Devanagari ExtraBold"/>
+                <a:cs typeface="Anek Devanagari ExtraBold"/>
+                <a:sym typeface="Anek Devanagari ExtraBold"/>
+              </a:defRPr>
+            </a:lvl4pPr>
+            <a:lvl5pPr lvl="4" rtl="0">
+              <a:lnSpc>
+                <a:spcPct val="100000"/>
+              </a:lnSpc>
+              <a:spcBef>
+                <a:spcPts val="0"/>
+              </a:spcBef>
+              <a:spcAft>
+                <a:spcPts val="0"/>
+              </a:spcAft>
+              <a:buNone/>
+              <a:defRPr sz="2200">
+                <a:latin typeface="Anek Devanagari ExtraBold"/>
+                <a:ea typeface="Anek Devanagari ExtraBold"/>
+                <a:cs typeface="Anek Devanagari ExtraBold"/>
+                <a:sym typeface="Anek Devanagari ExtraBold"/>
+              </a:defRPr>
+            </a:lvl5pPr>
+            <a:lvl6pPr lvl="5" rtl="0">
+              <a:lnSpc>
+                <a:spcPct val="100000"/>
+              </a:lnSpc>
+              <a:spcBef>
+                <a:spcPts val="0"/>
+              </a:spcBef>
+              <a:spcAft>
+                <a:spcPts val="0"/>
+              </a:spcAft>
+              <a:buNone/>
+              <a:defRPr sz="2200">
+                <a:latin typeface="Anek Devanagari ExtraBold"/>
+                <a:ea typeface="Anek Devanagari ExtraBold"/>
+                <a:cs typeface="Anek Devanagari ExtraBold"/>
+                <a:sym typeface="Anek Devanagari ExtraBold"/>
+              </a:defRPr>
+            </a:lvl6pPr>
+            <a:lvl7pPr lvl="6" rtl="0">
+              <a:lnSpc>
+                <a:spcPct val="100000"/>
+              </a:lnSpc>
+              <a:spcBef>
+                <a:spcPts val="0"/>
+              </a:spcBef>
+              <a:spcAft>
+                <a:spcPts val="0"/>
+              </a:spcAft>
+              <a:buNone/>
+              <a:defRPr sz="2200">
+                <a:latin typeface="Anek Devanagari ExtraBold"/>
+                <a:ea typeface="Anek Devanagari ExtraBold"/>
+                <a:cs typeface="Anek Devanagari ExtraBold"/>
+                <a:sym typeface="Anek Devanagari ExtraBold"/>
+              </a:defRPr>
+            </a:lvl7pPr>
+            <a:lvl8pPr lvl="7" rtl="0">
+              <a:lnSpc>
+                <a:spcPct val="100000"/>
+              </a:lnSpc>
+              <a:spcBef>
+                <a:spcPts val="0"/>
+              </a:spcBef>
+              <a:spcAft>
+                <a:spcPts val="0"/>
+              </a:spcAft>
+              <a:buNone/>
+              <a:defRPr sz="2200">
+                <a:latin typeface="Anek Devanagari ExtraBold"/>
+                <a:ea typeface="Anek Devanagari ExtraBold"/>
+                <a:cs typeface="Anek Devanagari ExtraBold"/>
+                <a:sym typeface="Anek Devanagari ExtraBold"/>
+              </a:defRPr>
+            </a:lvl8pPr>
+            <a:lvl9pPr lvl="8" rtl="0">
+              <a:lnSpc>
+                <a:spcPct val="100000"/>
+              </a:lnSpc>
+              <a:spcBef>
+                <a:spcPts val="0"/>
+              </a:spcBef>
+              <a:spcAft>
+                <a:spcPts val="0"/>
+              </a:spcAft>
+              <a:buNone/>
+              <a:defRPr sz="2200">
+                <a:latin typeface="Anek Devanagari ExtraBold"/>
+                <a:ea typeface="Anek Devanagari ExtraBold"/>
+                <a:cs typeface="Anek Devanagari ExtraBold"/>
+                <a:sym typeface="Anek Devanagari ExtraBold"/>
+              </a:defRPr>
+            </a:lvl9pPr>
+          </a:lstStyle>
+          <a:p>
+            <a:endParaRPr/>
+          </a:p>
+        </p:txBody>
+      </p:sp>
+      <p:sp>
+        <p:nvSpPr>
+          <p:cNvPr id="250" name="Google Shape;250;p13"/>
+          <p:cNvSpPr txBox="1">
+            <a:spLocks noGrp="1"/>
+          </p:cNvSpPr>
+          <p:nvPr>
+            <p:ph type="subTitle" idx="5"/>
+          </p:nvPr>
+        </p:nvSpPr>
+        <p:spPr>
+          <a:xfrm>
+            <a:off x="3561324" y="3282486"/>
+            <a:ext cx="2203200" cy="888000"/>
+          </a:xfrm>
+          <a:prstGeom prst="rect">
+            <a:avLst/>
+          </a:prstGeom>
+        </p:spPr>
+        <p:txBody>
+          <a:bodyPr spcFirstLastPara="1" wrap="square" lIns="91425" tIns="91425" rIns="91425" bIns="91425" anchor="t" anchorCtr="0">
+            <a:noAutofit/>
+          </a:bodyPr>
+          <a:lstStyle>
+            <a:lvl1pPr lvl="0" algn="ctr" rtl="0">
+              <a:lnSpc>
+                <a:spcPct val="100000"/>
+              </a:lnSpc>
+              <a:spcBef>
+                <a:spcPts val="0"/>
+              </a:spcBef>
+              <a:spcAft>
+                <a:spcPts val="0"/>
+              </a:spcAft>
+              <a:buNone/>
+              <a:defRPr/>
+            </a:lvl1pPr>
+            <a:lvl2pPr lvl="1" rtl="0">
+              <a:lnSpc>
+                <a:spcPct val="100000"/>
+              </a:lnSpc>
+              <a:spcBef>
+                <a:spcPts val="0"/>
+              </a:spcBef>
+              <a:spcAft>
+                <a:spcPts val="0"/>
+              </a:spcAft>
+              <a:buNone/>
+              <a:defRPr/>
+            </a:lvl2pPr>
+            <a:lvl3pPr lvl="2" rtl="0">
+              <a:lnSpc>
+                <a:spcPct val="100000"/>
+              </a:lnSpc>
+              <a:spcBef>
+                <a:spcPts val="0"/>
+              </a:spcBef>
+              <a:spcAft>
+                <a:spcPts val="0"/>
+              </a:spcAft>
+              <a:buNone/>
+              <a:defRPr/>
+            </a:lvl3pPr>
+            <a:lvl4pPr lvl="3" rtl="0">
+              <a:lnSpc>
+                <a:spcPct val="100000"/>
+              </a:lnSpc>
+              <a:spcBef>
+                <a:spcPts val="0"/>
+              </a:spcBef>
+              <a:spcAft>
+                <a:spcPts val="0"/>
+              </a:spcAft>
+              <a:buNone/>
+              <a:defRPr/>
+            </a:lvl4pPr>
+            <a:lvl5pPr lvl="4" rtl="0">
+              <a:lnSpc>
+                <a:spcPct val="100000"/>
+              </a:lnSpc>
+              <a:spcBef>
+                <a:spcPts val="0"/>
+              </a:spcBef>
+              <a:spcAft>
+                <a:spcPts val="0"/>
+              </a:spcAft>
+              <a:buNone/>
+              <a:defRPr/>
+            </a:lvl5pPr>
+            <a:lvl6pPr lvl="5" rtl="0">
+              <a:lnSpc>
+                <a:spcPct val="100000"/>
+              </a:lnSpc>
+              <a:spcBef>
+                <a:spcPts val="0"/>
+              </a:spcBef>
+              <a:spcAft>
+                <a:spcPts val="0"/>
+              </a:spcAft>
+              <a:buNone/>
+              <a:defRPr/>
+            </a:lvl6pPr>
+            <a:lvl7pPr lvl="6" rtl="0">
+              <a:lnSpc>
+                <a:spcPct val="100000"/>
+              </a:lnSpc>
+              <a:spcBef>
+                <a:spcPts val="0"/>
+              </a:spcBef>
+              <a:spcAft>
+                <a:spcPts val="0"/>
+              </a:spcAft>
+              <a:buNone/>
+              <a:defRPr/>
+            </a:lvl7pPr>
+            <a:lvl8pPr lvl="7" rtl="0">
+              <a:lnSpc>
+                <a:spcPct val="100000"/>
+              </a:lnSpc>
+              <a:spcBef>
+                <a:spcPts val="0"/>
+              </a:spcBef>
+              <a:spcAft>
+                <a:spcPts val="0"/>
+              </a:spcAft>
+              <a:buNone/>
+              <a:defRPr/>
+            </a:lvl8pPr>
+            <a:lvl9pPr lvl="8" rtl="0">
+              <a:lnSpc>
+                <a:spcPct val="100000"/>
+              </a:lnSpc>
+              <a:spcBef>
+                <a:spcPts val="0"/>
+              </a:spcBef>
+              <a:spcAft>
+                <a:spcPts val="0"/>
+              </a:spcAft>
+              <a:buNone/>
+              <a:defRPr/>
+            </a:lvl9pPr>
+          </a:lstStyle>
+          <a:p>
+            <a:endParaRPr/>
+          </a:p>
+        </p:txBody>
+      </p:sp>
+      <p:sp>
+        <p:nvSpPr>
+          <p:cNvPr id="251" name="Google Shape;251;p13"/>
+          <p:cNvSpPr txBox="1">
+            <a:spLocks noGrp="1"/>
+          </p:cNvSpPr>
+          <p:nvPr>
+            <p:ph type="title" idx="6" hasCustomPrompt="1"/>
+          </p:nvPr>
+        </p:nvSpPr>
+        <p:spPr>
+          <a:xfrm>
+            <a:off x="6813065" y="1840325"/>
+            <a:ext cx="804600" cy="804600"/>
+          </a:xfrm>
+          <a:prstGeom prst="rect">
+            <a:avLst/>
+          </a:prstGeom>
+          <a:gradFill>
+            <a:gsLst>
+              <a:gs pos="0">
+                <a:srgbClr val="FFAB0C">
+                  <a:alpha val="58039"/>
+                </a:srgbClr>
+              </a:gs>
+              <a:gs pos="100000">
+                <a:srgbClr val="FFDD9D">
+                  <a:alpha val="7450"/>
+                </a:srgbClr>
+              </a:gs>
+            </a:gsLst>
+            <a:lin ang="0" scaled="0"/>
+          </a:gradFill>
+        </p:spPr>
+        <p:txBody>
+          <a:bodyPr spcFirstLastPara="1" wrap="square" lIns="91425" tIns="91425" rIns="91425" bIns="91425" anchor="ctr" anchorCtr="0">
+            <a:noAutofit/>
+          </a:bodyPr>
+          <a:lstStyle>
+            <a:lvl1pPr lvl="0" algn="ctr" rtl="0">
+              <a:lnSpc>
+                <a:spcPct val="100000"/>
+              </a:lnSpc>
+              <a:spcBef>
+                <a:spcPts val="0"/>
+              </a:spcBef>
+              <a:spcAft>
+                <a:spcPts val="0"/>
+              </a:spcAft>
+              <a:buSzPts val="3200"/>
+              <a:buNone/>
+              <a:defRPr/>
+            </a:lvl1pPr>
+            <a:lvl2pPr lvl="1" algn="ctr" rtl="0">
+              <a:lnSpc>
+                <a:spcPct val="100000"/>
+              </a:lnSpc>
+              <a:spcBef>
+                <a:spcPts val="0"/>
+              </a:spcBef>
+              <a:spcAft>
+                <a:spcPts val="0"/>
+              </a:spcAft>
+              <a:buClr>
+                <a:schemeClr val="dk2"/>
+              </a:buClr>
+              <a:buSzPts val="3200"/>
+              <a:buNone/>
+              <a:defRPr sz="3200">
+                <a:solidFill>
+                  <a:schemeClr val="dk2"/>
+                </a:solidFill>
+              </a:defRPr>
+            </a:lvl2pPr>
+            <a:lvl3pPr lvl="2" algn="ctr" rtl="0">
+              <a:lnSpc>
+                <a:spcPct val="100000"/>
+              </a:lnSpc>
+              <a:spcBef>
+                <a:spcPts val="0"/>
+              </a:spcBef>
+              <a:spcAft>
+                <a:spcPts val="0"/>
+              </a:spcAft>
+              <a:buClr>
+                <a:schemeClr val="dk2"/>
+              </a:buClr>
+              <a:buSzPts val="3200"/>
+              <a:buNone/>
+              <a:defRPr sz="3200">
+                <a:solidFill>
+                  <a:schemeClr val="dk2"/>
+                </a:solidFill>
+              </a:defRPr>
+            </a:lvl3pPr>
+            <a:lvl4pPr lvl="3" algn="ctr" rtl="0">
+              <a:lnSpc>
+                <a:spcPct val="100000"/>
+              </a:lnSpc>
+              <a:spcBef>
+                <a:spcPts val="0"/>
+              </a:spcBef>
+              <a:spcAft>
+                <a:spcPts val="0"/>
+              </a:spcAft>
+              <a:buClr>
+                <a:schemeClr val="dk2"/>
+              </a:buClr>
+              <a:buSzPts val="3200"/>
+              <a:buNone/>
+              <a:defRPr sz="3200">
+                <a:solidFill>
+                  <a:schemeClr val="dk2"/>
+                </a:solidFill>
+              </a:defRPr>
+            </a:lvl4pPr>
+            <a:lvl5pPr lvl="4" algn="ctr" rtl="0">
+              <a:lnSpc>
+                <a:spcPct val="100000"/>
+              </a:lnSpc>
+              <a:spcBef>
+                <a:spcPts val="0"/>
+              </a:spcBef>
+              <a:spcAft>
+                <a:spcPts val="0"/>
+              </a:spcAft>
+              <a:buClr>
+                <a:schemeClr val="dk2"/>
+              </a:buClr>
+              <a:buSzPts val="3200"/>
+              <a:buNone/>
+              <a:defRPr sz="3200">
+                <a:solidFill>
+                  <a:schemeClr val="dk2"/>
+                </a:solidFill>
+              </a:defRPr>
+            </a:lvl5pPr>
+            <a:lvl6pPr lvl="5" algn="ctr" rtl="0">
+              <a:lnSpc>
+                <a:spcPct val="100000"/>
+              </a:lnSpc>
+              <a:spcBef>
+                <a:spcPts val="0"/>
+              </a:spcBef>
+              <a:spcAft>
+                <a:spcPts val="0"/>
+              </a:spcAft>
+              <a:buClr>
+                <a:schemeClr val="dk2"/>
+              </a:buClr>
+              <a:buSzPts val="3200"/>
+              <a:buNone/>
+              <a:defRPr sz="3200">
+                <a:solidFill>
+                  <a:schemeClr val="dk2"/>
+                </a:solidFill>
+              </a:defRPr>
+            </a:lvl6pPr>
+            <a:lvl7pPr lvl="6" algn="ctr" rtl="0">
+              <a:lnSpc>
+                <a:spcPct val="100000"/>
+              </a:lnSpc>
+              <a:spcBef>
+                <a:spcPts val="0"/>
+              </a:spcBef>
+              <a:spcAft>
+                <a:spcPts val="0"/>
+              </a:spcAft>
+              <a:buClr>
+                <a:schemeClr val="dk2"/>
+              </a:buClr>
+              <a:buSzPts val="3200"/>
+              <a:buNone/>
+              <a:defRPr sz="3200">
+                <a:solidFill>
+                  <a:schemeClr val="dk2"/>
+                </a:solidFill>
+              </a:defRPr>
+            </a:lvl7pPr>
+            <a:lvl8pPr lvl="7" algn="ctr" rtl="0">
+              <a:lnSpc>
+                <a:spcPct val="100000"/>
+              </a:lnSpc>
+              <a:spcBef>
+                <a:spcPts val="0"/>
+              </a:spcBef>
+              <a:spcAft>
+                <a:spcPts val="0"/>
+              </a:spcAft>
+              <a:buClr>
+                <a:schemeClr val="dk2"/>
+              </a:buClr>
+              <a:buSzPts val="3200"/>
+              <a:buNone/>
+              <a:defRPr sz="3200">
+                <a:solidFill>
+                  <a:schemeClr val="dk2"/>
+                </a:solidFill>
+              </a:defRPr>
+            </a:lvl8pPr>
+            <a:lvl9pPr lvl="8" algn="ctr" rtl="0">
+              <a:lnSpc>
+                <a:spcPct val="100000"/>
+              </a:lnSpc>
+              <a:spcBef>
+                <a:spcPts val="0"/>
+              </a:spcBef>
+              <a:spcAft>
+                <a:spcPts val="0"/>
+              </a:spcAft>
+              <a:buClr>
+                <a:schemeClr val="dk2"/>
+              </a:buClr>
+              <a:buSzPts val="3200"/>
+              <a:buNone/>
+              <a:defRPr sz="3200">
+                <a:solidFill>
+                  <a:schemeClr val="dk2"/>
+                </a:solidFill>
+              </a:defRPr>
+            </a:lvl9pPr>
+          </a:lstStyle>
+          <a:p>
+            <a:r>
+              <a:t>xx%</a:t>
+            </a:r>
+          </a:p>
+        </p:txBody>
+      </p:sp>
+      <p:sp>
+        <p:nvSpPr>
+          <p:cNvPr id="252" name="Google Shape;252;p13"/>
+          <p:cNvSpPr txBox="1">
+            <a:spLocks noGrp="1"/>
+          </p:cNvSpPr>
+          <p:nvPr>
+            <p:ph type="subTitle" idx="7"/>
+          </p:nvPr>
+        </p:nvSpPr>
+        <p:spPr>
+          <a:xfrm>
+            <a:off x="6113765" y="2758686"/>
+            <a:ext cx="2203200" cy="530400"/>
+          </a:xfrm>
+          <a:prstGeom prst="rect">
+            <a:avLst/>
+          </a:prstGeom>
+        </p:spPr>
+        <p:txBody>
+          <a:bodyPr spcFirstLastPara="1" wrap="square" lIns="91425" tIns="91425" rIns="91425" bIns="91425" anchor="b" anchorCtr="0">
+            <a:noAutofit/>
+          </a:bodyPr>
+          <a:lstStyle>
+            <a:lvl1pPr lvl="0" algn="ctr" rtl="0">
+              <a:lnSpc>
+                <a:spcPct val="100000"/>
+              </a:lnSpc>
+              <a:spcBef>
+                <a:spcPts val="0"/>
+              </a:spcBef>
+              <a:spcAft>
+                <a:spcPts val="0"/>
+              </a:spcAft>
+              <a:buNone/>
+              <a:defRPr sz="2200">
+                <a:latin typeface="Anek Devanagari ExtraBold"/>
+                <a:ea typeface="Anek Devanagari ExtraBold"/>
+                <a:cs typeface="Anek Devanagari ExtraBold"/>
+                <a:sym typeface="Anek Devanagari ExtraBold"/>
+              </a:defRPr>
+            </a:lvl1pPr>
+            <a:lvl2pPr lvl="1" rtl="0">
+              <a:lnSpc>
+                <a:spcPct val="100000"/>
+              </a:lnSpc>
+              <a:spcBef>
+                <a:spcPts val="0"/>
+              </a:spcBef>
+              <a:spcAft>
+                <a:spcPts val="0"/>
+              </a:spcAft>
+              <a:buNone/>
+              <a:defRPr sz="2200">
+                <a:latin typeface="Anek Devanagari ExtraBold"/>
+                <a:ea typeface="Anek Devanagari ExtraBold"/>
+                <a:cs typeface="Anek Devanagari ExtraBold"/>
+                <a:sym typeface="Anek Devanagari ExtraBold"/>
+              </a:defRPr>
+            </a:lvl2pPr>
+            <a:lvl3pPr lvl="2" rtl="0">
+              <a:lnSpc>
+                <a:spcPct val="100000"/>
+              </a:lnSpc>
+              <a:spcBef>
+                <a:spcPts val="0"/>
+              </a:spcBef>
+              <a:spcAft>
+                <a:spcPts val="0"/>
+              </a:spcAft>
+              <a:buNone/>
+              <a:defRPr sz="2200">
+                <a:latin typeface="Anek Devanagari ExtraBold"/>
+                <a:ea typeface="Anek Devanagari ExtraBold"/>
+                <a:cs typeface="Anek Devanagari ExtraBold"/>
+                <a:sym typeface="Anek Devanagari ExtraBold"/>
+              </a:defRPr>
+            </a:lvl3pPr>
+            <a:lvl4pPr lvl="3" rtl="0">
+              <a:lnSpc>
+                <a:spcPct val="100000"/>
+              </a:lnSpc>
+              <a:spcBef>
+                <a:spcPts val="0"/>
+              </a:spcBef>
+              <a:spcAft>
+                <a:spcPts val="0"/>
+              </a:spcAft>
+              <a:buNone/>
+              <a:defRPr sz="2200">
+                <a:latin typeface="Anek Devanagari ExtraBold"/>
+                <a:ea typeface="Anek Devanagari ExtraBold"/>
+                <a:cs typeface="Anek Devanagari ExtraBold"/>
+                <a:sym typeface="Anek Devanagari ExtraBold"/>
+              </a:defRPr>
+            </a:lvl4pPr>
+            <a:lvl5pPr lvl="4" rtl="0">
+              <a:lnSpc>
+                <a:spcPct val="100000"/>
+              </a:lnSpc>
+              <a:spcBef>
+                <a:spcPts val="0"/>
+              </a:spcBef>
+              <a:spcAft>
+                <a:spcPts val="0"/>
+              </a:spcAft>
+              <a:buNone/>
+              <a:defRPr sz="2200">
+                <a:latin typeface="Anek Devanagari ExtraBold"/>
+                <a:ea typeface="Anek Devanagari ExtraBold"/>
+                <a:cs typeface="Anek Devanagari ExtraBold"/>
+                <a:sym typeface="Anek Devanagari ExtraBold"/>
+              </a:defRPr>
+            </a:lvl5pPr>
+            <a:lvl6pPr lvl="5" rtl="0">
+              <a:lnSpc>
+                <a:spcPct val="100000"/>
+              </a:lnSpc>
+              <a:spcBef>
+                <a:spcPts val="0"/>
+              </a:spcBef>
+              <a:spcAft>
+                <a:spcPts val="0"/>
+              </a:spcAft>
+              <a:buNone/>
+              <a:defRPr sz="2200">
+                <a:latin typeface="Anek Devanagari ExtraBold"/>
+                <a:ea typeface="Anek Devanagari ExtraBold"/>
+                <a:cs typeface="Anek Devanagari ExtraBold"/>
+                <a:sym typeface="Anek Devanagari ExtraBold"/>
+              </a:defRPr>
+            </a:lvl6pPr>
+            <a:lvl7pPr lvl="6" rtl="0">
+              <a:lnSpc>
+                <a:spcPct val="100000"/>
+              </a:lnSpc>
+              <a:spcBef>
+                <a:spcPts val="0"/>
+              </a:spcBef>
+              <a:spcAft>
+                <a:spcPts val="0"/>
+              </a:spcAft>
+              <a:buNone/>
+              <a:defRPr sz="2200">
+                <a:latin typeface="Anek Devanagari ExtraBold"/>
+                <a:ea typeface="Anek Devanagari ExtraBold"/>
+                <a:cs typeface="Anek Devanagari ExtraBold"/>
+                <a:sym typeface="Anek Devanagari ExtraBold"/>
+              </a:defRPr>
+            </a:lvl7pPr>
+            <a:lvl8pPr lvl="7" rtl="0">
+              <a:lnSpc>
+                <a:spcPct val="100000"/>
+              </a:lnSpc>
+              <a:spcBef>
+                <a:spcPts val="0"/>
+              </a:spcBef>
+              <a:spcAft>
+                <a:spcPts val="0"/>
+              </a:spcAft>
+              <a:buNone/>
+              <a:defRPr sz="2200">
+                <a:latin typeface="Anek Devanagari ExtraBold"/>
+                <a:ea typeface="Anek Devanagari ExtraBold"/>
+                <a:cs typeface="Anek Devanagari ExtraBold"/>
+                <a:sym typeface="Anek Devanagari ExtraBold"/>
+              </a:defRPr>
+            </a:lvl8pPr>
+            <a:lvl9pPr lvl="8" rtl="0">
+              <a:lnSpc>
+                <a:spcPct val="100000"/>
+              </a:lnSpc>
+              <a:spcBef>
+                <a:spcPts val="0"/>
+              </a:spcBef>
+              <a:spcAft>
+                <a:spcPts val="0"/>
+              </a:spcAft>
+              <a:buNone/>
+              <a:defRPr sz="2200">
+                <a:latin typeface="Anek Devanagari ExtraBold"/>
+                <a:ea typeface="Anek Devanagari ExtraBold"/>
+                <a:cs typeface="Anek Devanagari ExtraBold"/>
+                <a:sym typeface="Anek Devanagari ExtraBold"/>
+              </a:defRPr>
+            </a:lvl9pPr>
+          </a:lstStyle>
+          <a:p>
+            <a:endParaRPr/>
+          </a:p>
+        </p:txBody>
+      </p:sp>
+      <p:sp>
+        <p:nvSpPr>
+          <p:cNvPr id="253" name="Google Shape;253;p13"/>
+          <p:cNvSpPr txBox="1">
+            <a:spLocks noGrp="1"/>
+          </p:cNvSpPr>
+          <p:nvPr>
+            <p:ph type="subTitle" idx="8"/>
+          </p:nvPr>
+        </p:nvSpPr>
+        <p:spPr>
+          <a:xfrm>
+            <a:off x="6113765" y="3282487"/>
+            <a:ext cx="2203200" cy="888000"/>
+          </a:xfrm>
+          <a:prstGeom prst="rect">
+            <a:avLst/>
+          </a:prstGeom>
+        </p:spPr>
+        <p:txBody>
+          <a:bodyPr spcFirstLastPara="1" wrap="square" lIns="91425" tIns="91425" rIns="91425" bIns="91425" anchor="t" anchorCtr="0">
+            <a:noAutofit/>
+          </a:bodyPr>
+          <a:lstStyle>
+            <a:lvl1pPr lvl="0" algn="ctr" rtl="0">
+              <a:lnSpc>
+                <a:spcPct val="100000"/>
+              </a:lnSpc>
+              <a:spcBef>
+                <a:spcPts val="0"/>
+              </a:spcBef>
+              <a:spcAft>
+                <a:spcPts val="0"/>
+              </a:spcAft>
+              <a:buNone/>
+              <a:defRPr/>
+            </a:lvl1pPr>
+            <a:lvl2pPr lvl="1" rtl="0">
+              <a:lnSpc>
+                <a:spcPct val="100000"/>
+              </a:lnSpc>
+              <a:spcBef>
+                <a:spcPts val="0"/>
+              </a:spcBef>
+              <a:spcAft>
+                <a:spcPts val="0"/>
+              </a:spcAft>
+              <a:buNone/>
+              <a:defRPr/>
+            </a:lvl2pPr>
+            <a:lvl3pPr lvl="2" rtl="0">
+              <a:lnSpc>
+                <a:spcPct val="100000"/>
+              </a:lnSpc>
+              <a:spcBef>
+                <a:spcPts val="0"/>
+              </a:spcBef>
+              <a:spcAft>
+                <a:spcPts val="0"/>
+              </a:spcAft>
+              <a:buNone/>
+              <a:defRPr/>
+            </a:lvl3pPr>
+            <a:lvl4pPr lvl="3" rtl="0">
+              <a:lnSpc>
+                <a:spcPct val="100000"/>
+              </a:lnSpc>
+              <a:spcBef>
+                <a:spcPts val="0"/>
+              </a:spcBef>
+              <a:spcAft>
+                <a:spcPts val="0"/>
+              </a:spcAft>
+              <a:buNone/>
+              <a:defRPr/>
+            </a:lvl4pPr>
+            <a:lvl5pPr lvl="4" rtl="0">
+              <a:lnSpc>
+                <a:spcPct val="100000"/>
+              </a:lnSpc>
+              <a:spcBef>
+                <a:spcPts val="0"/>
+              </a:spcBef>
+              <a:spcAft>
+                <a:spcPts val="0"/>
+              </a:spcAft>
+              <a:buNone/>
+              <a:defRPr/>
+            </a:lvl5pPr>
+            <a:lvl6pPr lvl="5" rtl="0">
+              <a:lnSpc>
+                <a:spcPct val="100000"/>
+              </a:lnSpc>
+              <a:spcBef>
+                <a:spcPts val="0"/>
+              </a:spcBef>
+              <a:spcAft>
+                <a:spcPts val="0"/>
+              </a:spcAft>
+              <a:buNone/>
+              <a:defRPr/>
+            </a:lvl6pPr>
+            <a:lvl7pPr lvl="6" rtl="0">
+              <a:lnSpc>
+                <a:spcPct val="100000"/>
+              </a:lnSpc>
+              <a:spcBef>
+                <a:spcPts val="0"/>
+              </a:spcBef>
+              <a:spcAft>
+                <a:spcPts val="0"/>
+              </a:spcAft>
+              <a:buNone/>
+              <a:defRPr/>
+            </a:lvl7pPr>
+            <a:lvl8pPr lvl="7" rtl="0">
+              <a:lnSpc>
+                <a:spcPct val="100000"/>
+              </a:lnSpc>
+              <a:spcBef>
+                <a:spcPts val="0"/>
+              </a:spcBef>
+              <a:spcAft>
+                <a:spcPts val="0"/>
+              </a:spcAft>
+              <a:buNone/>
+              <a:defRPr/>
+            </a:lvl8pPr>
+            <a:lvl9pPr lvl="8" rtl="0">
+              <a:lnSpc>
+                <a:spcPct val="100000"/>
+              </a:lnSpc>
+              <a:spcBef>
+                <a:spcPts val="0"/>
+              </a:spcBef>
+              <a:spcAft>
+                <a:spcPts val="0"/>
+              </a:spcAft>
+              <a:buNone/>
+              <a:defRPr/>
+            </a:lvl9pPr>
+          </a:lstStyle>
+          <a:p>
+            <a:endParaRPr/>
+          </a:p>
+        </p:txBody>
+      </p:sp>
+      <p:sp>
+        <p:nvSpPr>
+          <p:cNvPr id="254" name="Google Shape;254;p13"/>
+          <p:cNvSpPr txBox="1">
+            <a:spLocks noGrp="1"/>
+          </p:cNvSpPr>
+          <p:nvPr>
+            <p:ph type="title" idx="9"/>
+          </p:nvPr>
+        </p:nvSpPr>
+        <p:spPr>
+          <a:xfrm>
+            <a:off x="720000" y="387600"/>
+            <a:ext cx="7704000" cy="592200"/>
+          </a:xfrm>
+          <a:prstGeom prst="rect">
+            <a:avLst/>
+          </a:prstGeom>
+          <a:noFill/>
+        </p:spPr>
+        <p:txBody>
+          <a:bodyPr spcFirstLastPara="1" wrap="square" lIns="91425" tIns="91425" rIns="91425" bIns="91425" anchor="t" anchorCtr="0">
+            <a:noAutofit/>
+          </a:bodyPr>
+          <a:lstStyle>
+            <a:lvl1pPr lvl="0" rtl="0">
+              <a:spcBef>
+                <a:spcPts val="0"/>
+              </a:spcBef>
+              <a:spcAft>
+                <a:spcPts val="0"/>
+              </a:spcAft>
+              <a:buClr>
+                <a:schemeClr val="dk2"/>
+              </a:buClr>
+              <a:buSzPts val="3200"/>
+              <a:buFont typeface="Fredoka One"/>
+              <a:buNone/>
+              <a:defRPr sz="3200"/>
+            </a:lvl1pPr>
+            <a:lvl2pPr lvl="1" algn="ctr" rtl="0">
+              <a:spcBef>
+                <a:spcPts val="0"/>
+              </a:spcBef>
+              <a:spcAft>
+                <a:spcPts val="0"/>
+              </a:spcAft>
+              <a:buClr>
+                <a:schemeClr val="dk1"/>
+              </a:buClr>
+              <a:buSzPts val="3600"/>
+              <a:buFont typeface="Fredoka One"/>
+              <a:buNone/>
+              <a:defRPr sz="3600">
+                <a:solidFill>
+                  <a:schemeClr val="dk1"/>
+                </a:solidFill>
+                <a:latin typeface="Fredoka One"/>
+                <a:ea typeface="Fredoka One"/>
+                <a:cs typeface="Fredoka One"/>
+                <a:sym typeface="Fredoka One"/>
+              </a:defRPr>
+            </a:lvl2pPr>
+            <a:lvl3pPr lvl="2" algn="ctr" rtl="0">
+              <a:spcBef>
+                <a:spcPts val="0"/>
+              </a:spcBef>
+              <a:spcAft>
+                <a:spcPts val="0"/>
+              </a:spcAft>
+              <a:buClr>
+                <a:schemeClr val="dk1"/>
+              </a:buClr>
+              <a:buSzPts val="3600"/>
+              <a:buFont typeface="Fredoka One"/>
+              <a:buNone/>
+              <a:defRPr sz="3600">
+                <a:solidFill>
+                  <a:schemeClr val="dk1"/>
+                </a:solidFill>
+                <a:latin typeface="Fredoka One"/>
+                <a:ea typeface="Fredoka One"/>
+                <a:cs typeface="Fredoka One"/>
+                <a:sym typeface="Fredoka One"/>
+              </a:defRPr>
+            </a:lvl3pPr>
+            <a:lvl4pPr lvl="3" algn="ctr" rtl="0">
+              <a:spcBef>
+                <a:spcPts val="0"/>
+              </a:spcBef>
+              <a:spcAft>
+                <a:spcPts val="0"/>
+              </a:spcAft>
+              <a:buClr>
+                <a:schemeClr val="dk1"/>
+              </a:buClr>
+              <a:buSzPts val="3600"/>
+              <a:buFont typeface="Fredoka One"/>
+              <a:buNone/>
+              <a:defRPr sz="3600">
+                <a:solidFill>
+                  <a:schemeClr val="dk1"/>
+                </a:solidFill>
+                <a:latin typeface="Fredoka One"/>
+                <a:ea typeface="Fredoka One"/>
+                <a:cs typeface="Fredoka One"/>
+                <a:sym typeface="Fredoka One"/>
+              </a:defRPr>
+            </a:lvl4pPr>
+            <a:lvl5pPr lvl="4" algn="ctr" rtl="0">
+              <a:spcBef>
+                <a:spcPts val="0"/>
+              </a:spcBef>
+              <a:spcAft>
+                <a:spcPts val="0"/>
+              </a:spcAft>
+              <a:buClr>
+                <a:schemeClr val="dk1"/>
+              </a:buClr>
+              <a:buSzPts val="3600"/>
+              <a:buFont typeface="Fredoka One"/>
+              <a:buNone/>
+              <a:defRPr sz="3600">
+                <a:solidFill>
+                  <a:schemeClr val="dk1"/>
+                </a:solidFill>
+                <a:latin typeface="Fredoka One"/>
+                <a:ea typeface="Fredoka One"/>
+                <a:cs typeface="Fredoka One"/>
+                <a:sym typeface="Fredoka One"/>
+              </a:defRPr>
+            </a:lvl5pPr>
+            <a:lvl6pPr lvl="5" algn="ctr" rtl="0">
+              <a:spcBef>
+                <a:spcPts val="0"/>
+              </a:spcBef>
+              <a:spcAft>
+                <a:spcPts val="0"/>
+              </a:spcAft>
+              <a:buClr>
+                <a:schemeClr val="dk1"/>
+              </a:buClr>
+              <a:buSzPts val="3600"/>
+              <a:buFont typeface="Fredoka One"/>
+              <a:buNone/>
+              <a:defRPr sz="3600">
+                <a:solidFill>
+                  <a:schemeClr val="dk1"/>
+                </a:solidFill>
+                <a:latin typeface="Fredoka One"/>
+                <a:ea typeface="Fredoka One"/>
+                <a:cs typeface="Fredoka One"/>
+                <a:sym typeface="Fredoka One"/>
+              </a:defRPr>
+            </a:lvl6pPr>
+            <a:lvl7pPr lvl="6" algn="ctr" rtl="0">
+              <a:spcBef>
+                <a:spcPts val="0"/>
+              </a:spcBef>
+              <a:spcAft>
+                <a:spcPts val="0"/>
+              </a:spcAft>
+              <a:buClr>
+                <a:schemeClr val="dk1"/>
+              </a:buClr>
+              <a:buSzPts val="3600"/>
+              <a:buFont typeface="Fredoka One"/>
+              <a:buNone/>
+              <a:defRPr sz="3600">
+                <a:solidFill>
+                  <a:schemeClr val="dk1"/>
+                </a:solidFill>
+                <a:latin typeface="Fredoka One"/>
+                <a:ea typeface="Fredoka One"/>
+                <a:cs typeface="Fredoka One"/>
+                <a:sym typeface="Fredoka One"/>
+              </a:defRPr>
+            </a:lvl7pPr>
+            <a:lvl8pPr lvl="7" algn="ctr" rtl="0">
+              <a:spcBef>
+                <a:spcPts val="0"/>
+              </a:spcBef>
+              <a:spcAft>
+                <a:spcPts val="0"/>
+              </a:spcAft>
+              <a:buClr>
+                <a:schemeClr val="dk1"/>
+              </a:buClr>
+              <a:buSzPts val="3600"/>
+              <a:buFont typeface="Fredoka One"/>
+              <a:buNone/>
+              <a:defRPr sz="3600">
+                <a:solidFill>
+                  <a:schemeClr val="dk1"/>
+                </a:solidFill>
+                <a:latin typeface="Fredoka One"/>
+                <a:ea typeface="Fredoka One"/>
+                <a:cs typeface="Fredoka One"/>
+                <a:sym typeface="Fredoka One"/>
+              </a:defRPr>
+            </a:lvl8pPr>
+            <a:lvl9pPr lvl="8" algn="ctr" rtl="0">
+              <a:spcBef>
+                <a:spcPts val="0"/>
+              </a:spcBef>
+              <a:spcAft>
+                <a:spcPts val="0"/>
+              </a:spcAft>
+              <a:buClr>
+                <a:schemeClr val="dk1"/>
+              </a:buClr>
+              <a:buSzPts val="3600"/>
+              <a:buFont typeface="Fredoka One"/>
+              <a:buNone/>
+              <a:defRPr sz="3600">
+                <a:solidFill>
+                  <a:schemeClr val="dk1"/>
+                </a:solidFill>
+                <a:latin typeface="Fredoka One"/>
+                <a:ea typeface="Fredoka One"/>
+                <a:cs typeface="Fredoka One"/>
+                <a:sym typeface="Fredoka One"/>
+              </a:defRPr>
+            </a:lvl9pPr>
+          </a:lstStyle>
+          <a:p>
+            <a:endParaRPr/>
+          </a:p>
+        </p:txBody>
+      </p:sp>
+      <p:grpSp>
+        <p:nvGrpSpPr>
+          <p:cNvPr id="255" name="Google Shape;255;p13"/>
+          <p:cNvGrpSpPr/>
+          <p:nvPr/>
+        </p:nvGrpSpPr>
+        <p:grpSpPr>
+          <a:xfrm>
+            <a:off x="208358" y="467838"/>
+            <a:ext cx="8727302" cy="4433851"/>
+            <a:chOff x="208358" y="467838"/>
+            <a:chExt cx="8727302" cy="4433851"/>
+          </a:xfrm>
+        </p:grpSpPr>
+        <p:grpSp>
+          <p:nvGrpSpPr>
+            <p:cNvPr id="256" name="Google Shape;256;p13"/>
+            <p:cNvGrpSpPr/>
+            <p:nvPr/>
+          </p:nvGrpSpPr>
+          <p:grpSpPr>
+            <a:xfrm>
+              <a:off x="646875" y="467838"/>
+              <a:ext cx="8288784" cy="4433851"/>
+              <a:chOff x="646875" y="467838"/>
+              <a:chExt cx="8288784" cy="4433851"/>
+            </a:xfrm>
+          </p:grpSpPr>
+          <p:grpSp>
+            <p:nvGrpSpPr>
+              <p:cNvPr id="257" name="Google Shape;257;p13"/>
+              <p:cNvGrpSpPr/>
+              <p:nvPr/>
+            </p:nvGrpSpPr>
+            <p:grpSpPr>
+              <a:xfrm rot="10800000">
+                <a:off x="646875" y="4668495"/>
+                <a:ext cx="2408157" cy="233194"/>
+                <a:chOff x="1846466" y="4091661"/>
+                <a:chExt cx="2408157" cy="233194"/>
+              </a:xfrm>
+            </p:grpSpPr>
+            <p:grpSp>
+              <p:nvGrpSpPr>
+                <p:cNvPr id="258" name="Google Shape;258;p13"/>
+                <p:cNvGrpSpPr/>
+                <p:nvPr/>
+              </p:nvGrpSpPr>
+              <p:grpSpPr>
+                <a:xfrm rot="10800000">
+                  <a:off x="1846466" y="4091661"/>
+                  <a:ext cx="1390157" cy="189730"/>
+                  <a:chOff x="5955622" y="757244"/>
+                  <a:chExt cx="936196" cy="127781"/>
+                </a:xfrm>
+              </p:grpSpPr>
+              <p:sp>
+                <p:nvSpPr>
+                  <p:cNvPr id="259" name="Google Shape;259;p13"/>
+                  <p:cNvSpPr/>
+                  <p:nvPr/>
+                </p:nvSpPr>
+                <p:spPr>
+                  <a:xfrm>
+                    <a:off x="6809792" y="802994"/>
+                    <a:ext cx="82026" cy="82031"/>
+                  </a:xfrm>
+                  <a:custGeom>
+                    <a:avLst/>
+                    <a:gdLst/>
+                    <a:ahLst/>
+                    <a:cxnLst/>
+                    <a:rect l="l" t="t" r="r" b="b"/>
+                    <a:pathLst>
+                      <a:path w="724" h="724" extrusionOk="0">
+                        <a:moveTo>
+                          <a:pt x="362" y="0"/>
+                        </a:moveTo>
+                        <a:lnTo>
+                          <a:pt x="248" y="248"/>
+                        </a:lnTo>
+                        <a:lnTo>
+                          <a:pt x="1" y="362"/>
+                        </a:lnTo>
+                        <a:lnTo>
+                          <a:pt x="248" y="495"/>
+                        </a:lnTo>
+                        <a:lnTo>
+                          <a:pt x="362" y="723"/>
+                        </a:lnTo>
+                        <a:lnTo>
+                          <a:pt x="495" y="495"/>
+                        </a:lnTo>
+                        <a:lnTo>
+                          <a:pt x="723" y="362"/>
+                        </a:lnTo>
+                        <a:lnTo>
+                          <a:pt x="495" y="248"/>
+                        </a:lnTo>
+                        <a:lnTo>
+                          <a:pt x="362" y="0"/>
+                        </a:lnTo>
+                        <a:close/>
+                      </a:path>
+                    </a:pathLst>
+                  </a:custGeom>
+                  <a:solidFill>
+                    <a:srgbClr val="F9FBFC"/>
+                  </a:solidFill>
+                  <a:ln>
+                    <a:noFill/>
+                  </a:ln>
+                </p:spPr>
+                <p:txBody>
+                  <a:bodyPr spcFirstLastPara="1" wrap="square" lIns="91425" tIns="91425" rIns="91425" bIns="91425" anchor="ctr" anchorCtr="0">
+                    <a:noAutofit/>
+                  </a:bodyPr>
+                  <a:lstStyle/>
+                  <a:p>
+                    <a:pPr marL="0" lvl="0" indent="0" algn="l" rtl="0">
+                      <a:spcBef>
+                        <a:spcPts val="0"/>
+                      </a:spcBef>
+                      <a:spcAft>
+                        <a:spcPts val="0"/>
+                      </a:spcAft>
+                      <a:buNone/>
+                    </a:pPr>
+                    <a:endParaRPr/>
+                  </a:p>
+                </p:txBody>
+              </p:sp>
+              <p:sp>
+                <p:nvSpPr>
+                  <p:cNvPr id="260" name="Google Shape;260;p13"/>
+                  <p:cNvSpPr/>
+                  <p:nvPr/>
+                </p:nvSpPr>
+                <p:spPr>
+                  <a:xfrm>
+                    <a:off x="5955622" y="757244"/>
+                    <a:ext cx="52672" cy="52716"/>
+                  </a:xfrm>
+                  <a:custGeom>
+                    <a:avLst/>
+                    <a:gdLst/>
+                    <a:ahLst/>
+                    <a:cxnLst/>
+                    <a:rect l="l" t="t" r="r" b="b"/>
+                    <a:pathLst>
+                      <a:path w="1199" h="1200" extrusionOk="0">
+                        <a:moveTo>
+                          <a:pt x="609" y="1"/>
+                        </a:moveTo>
+                        <a:lnTo>
+                          <a:pt x="400" y="381"/>
+                        </a:lnTo>
+                        <a:lnTo>
+                          <a:pt x="1" y="591"/>
+                        </a:lnTo>
+                        <a:lnTo>
+                          <a:pt x="400" y="800"/>
+                        </a:lnTo>
+                        <a:lnTo>
+                          <a:pt x="609" y="1199"/>
+                        </a:lnTo>
+                        <a:lnTo>
+                          <a:pt x="818" y="800"/>
+                        </a:lnTo>
+                        <a:lnTo>
+                          <a:pt x="1199" y="591"/>
+                        </a:lnTo>
+                        <a:lnTo>
+                          <a:pt x="818" y="381"/>
+                        </a:lnTo>
+                        <a:lnTo>
+                          <a:pt x="609" y="1"/>
+                        </a:lnTo>
+                        <a:close/>
+                      </a:path>
+                    </a:pathLst>
+                  </a:custGeom>
+                  <a:solidFill>
+                    <a:srgbClr val="F9FBFC"/>
+                  </a:solidFill>
+                  <a:ln>
+                    <a:noFill/>
+                  </a:ln>
+                </p:spPr>
+                <p:txBody>
+                  <a:bodyPr spcFirstLastPara="1" wrap="square" lIns="91425" tIns="91425" rIns="91425" bIns="91425" anchor="ctr" anchorCtr="0">
+                    <a:noAutofit/>
+                  </a:bodyPr>
+                  <a:lstStyle/>
+                  <a:p>
+                    <a:pPr marL="0" lvl="0" indent="0" algn="l" rtl="0">
+                      <a:spcBef>
+                        <a:spcPts val="0"/>
+                      </a:spcBef>
+                      <a:spcAft>
+                        <a:spcPts val="0"/>
+                      </a:spcAft>
+                      <a:buNone/>
+                    </a:pPr>
+                    <a:endParaRPr/>
+                  </a:p>
+                </p:txBody>
+              </p:sp>
+            </p:grpSp>
+            <p:sp>
+              <p:nvSpPr>
+                <p:cNvPr id="261" name="Google Shape;261;p13"/>
+                <p:cNvSpPr/>
+                <p:nvPr/>
+              </p:nvSpPr>
+              <p:spPr>
+                <a:xfrm>
+                  <a:off x="4132835" y="4203124"/>
+                  <a:ext cx="121788" cy="121732"/>
+                </a:xfrm>
+                <a:custGeom>
+                  <a:avLst/>
+                  <a:gdLst/>
+                  <a:ahLst/>
+                  <a:cxnLst/>
+                  <a:rect l="l" t="t" r="r" b="b"/>
+                  <a:pathLst>
+                    <a:path w="2893" h="2892" extrusionOk="0">
+                      <a:moveTo>
+                        <a:pt x="1446" y="0"/>
+                      </a:moveTo>
+                      <a:lnTo>
+                        <a:pt x="933" y="932"/>
+                      </a:lnTo>
+                      <a:lnTo>
+                        <a:pt x="1" y="1446"/>
+                      </a:lnTo>
+                      <a:lnTo>
+                        <a:pt x="933" y="1959"/>
+                      </a:lnTo>
+                      <a:lnTo>
+                        <a:pt x="1446" y="2891"/>
+                      </a:lnTo>
+                      <a:lnTo>
+                        <a:pt x="1960" y="1959"/>
+                      </a:lnTo>
+                      <a:lnTo>
+                        <a:pt x="2892" y="1446"/>
+                      </a:lnTo>
+                      <a:lnTo>
+                        <a:pt x="1960" y="932"/>
+                      </a:lnTo>
+                      <a:lnTo>
+                        <a:pt x="1446" y="0"/>
+                      </a:lnTo>
+                      <a:close/>
+                    </a:path>
+                  </a:pathLst>
+                </a:custGeom>
+                <a:solidFill>
+                  <a:srgbClr val="F9FBFC"/>
+                </a:solidFill>
+                <a:ln>
+                  <a:noFill/>
+                </a:ln>
+              </p:spPr>
+              <p:txBody>
+                <a:bodyPr spcFirstLastPara="1" wrap="square" lIns="91425" tIns="91425" rIns="91425" bIns="91425" anchor="ctr" anchorCtr="0">
+                  <a:noAutofit/>
+                </a:bodyPr>
+                <a:lstStyle/>
+                <a:p>
+                  <a:pPr marL="0" lvl="0" indent="0" algn="l" rtl="0">
+                    <a:spcBef>
+                      <a:spcPts val="0"/>
+                    </a:spcBef>
+                    <a:spcAft>
+                      <a:spcPts val="0"/>
+                    </a:spcAft>
+                    <a:buNone/>
+                  </a:pPr>
+                  <a:endParaRPr/>
+                </a:p>
+              </p:txBody>
+            </p:sp>
+          </p:grpSp>
+          <p:grpSp>
+            <p:nvGrpSpPr>
+              <p:cNvPr id="262" name="Google Shape;262;p13"/>
+              <p:cNvGrpSpPr/>
+              <p:nvPr/>
+            </p:nvGrpSpPr>
+            <p:grpSpPr>
+              <a:xfrm rot="5400000">
+                <a:off x="7353518" y="3277475"/>
+                <a:ext cx="1221998" cy="1942285"/>
+                <a:chOff x="7043896" y="441152"/>
+                <a:chExt cx="822949" cy="1308112"/>
+              </a:xfrm>
+            </p:grpSpPr>
+            <p:sp>
+              <p:nvSpPr>
+                <p:cNvPr id="263" name="Google Shape;263;p13"/>
+                <p:cNvSpPr/>
+                <p:nvPr/>
+              </p:nvSpPr>
+              <p:spPr>
+                <a:xfrm>
+                  <a:off x="7791925" y="1674337"/>
+                  <a:ext cx="74921" cy="74927"/>
+                </a:xfrm>
+                <a:custGeom>
+                  <a:avLst/>
+                  <a:gdLst/>
+                  <a:ahLst/>
+                  <a:cxnLst/>
+                  <a:rect l="l" t="t" r="r" b="b"/>
+                  <a:pathLst>
+                    <a:path w="724" h="724" extrusionOk="0">
+                      <a:moveTo>
+                        <a:pt x="362" y="0"/>
+                      </a:moveTo>
+                      <a:lnTo>
+                        <a:pt x="248" y="248"/>
+                      </a:lnTo>
+                      <a:lnTo>
+                        <a:pt x="1" y="362"/>
+                      </a:lnTo>
+                      <a:lnTo>
+                        <a:pt x="248" y="495"/>
+                      </a:lnTo>
+                      <a:lnTo>
+                        <a:pt x="362" y="723"/>
+                      </a:lnTo>
+                      <a:lnTo>
+                        <a:pt x="495" y="495"/>
+                      </a:lnTo>
+                      <a:lnTo>
+                        <a:pt x="723" y="362"/>
+                      </a:lnTo>
+                      <a:lnTo>
+                        <a:pt x="495" y="248"/>
+                      </a:lnTo>
+                      <a:lnTo>
+                        <a:pt x="362" y="0"/>
+                      </a:lnTo>
+                      <a:close/>
+                    </a:path>
+                  </a:pathLst>
+                </a:custGeom>
+                <a:solidFill>
+                  <a:srgbClr val="F9FBFC"/>
+                </a:solidFill>
+                <a:ln>
+                  <a:noFill/>
+                </a:ln>
+              </p:spPr>
+              <p:txBody>
+                <a:bodyPr spcFirstLastPara="1" wrap="square" lIns="91425" tIns="91425" rIns="91425" bIns="91425" anchor="ctr" anchorCtr="0">
+                  <a:noAutofit/>
+                </a:bodyPr>
+                <a:lstStyle/>
+                <a:p>
+                  <a:pPr marL="0" lvl="0" indent="0" algn="l" rtl="0">
+                    <a:spcBef>
+                      <a:spcPts val="0"/>
+                    </a:spcBef>
+                    <a:spcAft>
+                      <a:spcPts val="0"/>
+                    </a:spcAft>
+                    <a:buNone/>
+                  </a:pPr>
+                  <a:endParaRPr/>
+                </a:p>
+              </p:txBody>
+            </p:sp>
+            <p:sp>
+              <p:nvSpPr>
+                <p:cNvPr id="264" name="Google Shape;264;p13"/>
+                <p:cNvSpPr/>
+                <p:nvPr/>
+              </p:nvSpPr>
+              <p:spPr>
+                <a:xfrm>
+                  <a:off x="7043896" y="441152"/>
+                  <a:ext cx="51837" cy="51837"/>
+                </a:xfrm>
+                <a:custGeom>
+                  <a:avLst/>
+                  <a:gdLst/>
+                  <a:ahLst/>
+                  <a:cxnLst/>
+                  <a:rect l="l" t="t" r="r" b="b"/>
+                  <a:pathLst>
+                    <a:path w="1180" h="1180" extrusionOk="0">
+                      <a:moveTo>
+                        <a:pt x="590" y="1"/>
+                      </a:moveTo>
+                      <a:lnTo>
+                        <a:pt x="381" y="381"/>
+                      </a:lnTo>
+                      <a:lnTo>
+                        <a:pt x="0" y="590"/>
+                      </a:lnTo>
+                      <a:lnTo>
+                        <a:pt x="381" y="799"/>
+                      </a:lnTo>
+                      <a:lnTo>
+                        <a:pt x="590" y="1180"/>
+                      </a:lnTo>
+                      <a:lnTo>
+                        <a:pt x="799" y="799"/>
+                      </a:lnTo>
+                      <a:lnTo>
+                        <a:pt x="1180" y="590"/>
+                      </a:lnTo>
+                      <a:lnTo>
+                        <a:pt x="799" y="381"/>
+                      </a:lnTo>
+                      <a:lnTo>
+                        <a:pt x="590" y="1"/>
+                      </a:lnTo>
+                      <a:close/>
+                    </a:path>
+                  </a:pathLst>
+                </a:custGeom>
+                <a:solidFill>
+                  <a:srgbClr val="F9FBFC"/>
+                </a:solidFill>
+                <a:ln>
+                  <a:noFill/>
+                </a:ln>
+              </p:spPr>
+              <p:txBody>
+                <a:bodyPr spcFirstLastPara="1" wrap="square" lIns="91425" tIns="91425" rIns="91425" bIns="91425" anchor="ctr" anchorCtr="0">
+                  <a:noAutofit/>
+                </a:bodyPr>
+                <a:lstStyle/>
+                <a:p>
+                  <a:pPr marL="0" lvl="0" indent="0" algn="l" rtl="0">
+                    <a:spcBef>
+                      <a:spcPts val="0"/>
+                    </a:spcBef>
+                    <a:spcAft>
+                      <a:spcPts val="0"/>
+                    </a:spcAft>
+                    <a:buNone/>
+                  </a:pPr>
+                  <a:endParaRPr/>
+                </a:p>
+              </p:txBody>
+            </p:sp>
+          </p:grpSp>
+          <p:grpSp>
+            <p:nvGrpSpPr>
+              <p:cNvPr id="265" name="Google Shape;265;p13"/>
+              <p:cNvGrpSpPr/>
+              <p:nvPr/>
+            </p:nvGrpSpPr>
+            <p:grpSpPr>
+              <a:xfrm>
+                <a:off x="7101431" y="467838"/>
+                <a:ext cx="1519888" cy="1172640"/>
+                <a:chOff x="6633364" y="441152"/>
+                <a:chExt cx="1023563" cy="789763"/>
+              </a:xfrm>
+            </p:grpSpPr>
+            <p:sp>
+              <p:nvSpPr>
+                <p:cNvPr id="266" name="Google Shape;266;p13"/>
+                <p:cNvSpPr/>
+                <p:nvPr/>
+              </p:nvSpPr>
+              <p:spPr>
+                <a:xfrm>
+                  <a:off x="7582009" y="1155997"/>
+                  <a:ext cx="74917" cy="74917"/>
+                </a:xfrm>
+                <a:custGeom>
+                  <a:avLst/>
+                  <a:gdLst/>
+                  <a:ahLst/>
+                  <a:cxnLst/>
+                  <a:rect l="l" t="t" r="r" b="b"/>
+                  <a:pathLst>
+                    <a:path w="2892" h="2892" extrusionOk="0">
+                      <a:moveTo>
+                        <a:pt x="1446" y="0"/>
+                      </a:moveTo>
+                      <a:lnTo>
+                        <a:pt x="932" y="932"/>
+                      </a:lnTo>
+                      <a:lnTo>
+                        <a:pt x="0" y="1446"/>
+                      </a:lnTo>
+                      <a:lnTo>
+                        <a:pt x="932" y="1959"/>
+                      </a:lnTo>
+                      <a:lnTo>
+                        <a:pt x="1446" y="2891"/>
+                      </a:lnTo>
+                      <a:lnTo>
+                        <a:pt x="1959" y="1959"/>
+                      </a:lnTo>
+                      <a:lnTo>
+                        <a:pt x="2891" y="1446"/>
+                      </a:lnTo>
+                      <a:lnTo>
+                        <a:pt x="1959" y="932"/>
+                      </a:lnTo>
+                      <a:lnTo>
+                        <a:pt x="1446" y="0"/>
+                      </a:lnTo>
+                      <a:close/>
+                    </a:path>
+                  </a:pathLst>
+                </a:custGeom>
+                <a:solidFill>
+                  <a:srgbClr val="F9FBFC"/>
+                </a:solidFill>
+                <a:ln>
+                  <a:noFill/>
+                </a:ln>
+              </p:spPr>
+              <p:txBody>
+                <a:bodyPr spcFirstLastPara="1" wrap="square" lIns="91425" tIns="91425" rIns="91425" bIns="91425" anchor="ctr" anchorCtr="0">
+                  <a:noAutofit/>
+                </a:bodyPr>
+                <a:lstStyle/>
+                <a:p>
+                  <a:pPr marL="0" lvl="0" indent="0" algn="l" rtl="0">
+                    <a:spcBef>
+                      <a:spcPts val="0"/>
+                    </a:spcBef>
+                    <a:spcAft>
+                      <a:spcPts val="0"/>
+                    </a:spcAft>
+                    <a:buNone/>
+                  </a:pPr>
+                  <a:endParaRPr/>
+                </a:p>
+              </p:txBody>
+            </p:sp>
+            <p:sp>
+              <p:nvSpPr>
+                <p:cNvPr id="267" name="Google Shape;267;p13"/>
+                <p:cNvSpPr/>
+                <p:nvPr/>
+              </p:nvSpPr>
+              <p:spPr>
+                <a:xfrm>
+                  <a:off x="6633364" y="441152"/>
+                  <a:ext cx="51837" cy="51837"/>
+                </a:xfrm>
+                <a:custGeom>
+                  <a:avLst/>
+                  <a:gdLst/>
+                  <a:ahLst/>
+                  <a:cxnLst/>
+                  <a:rect l="l" t="t" r="r" b="b"/>
+                  <a:pathLst>
+                    <a:path w="1180" h="1180" extrusionOk="0">
+                      <a:moveTo>
+                        <a:pt x="590" y="1"/>
+                      </a:moveTo>
+                      <a:lnTo>
+                        <a:pt x="381" y="381"/>
+                      </a:lnTo>
+                      <a:lnTo>
+                        <a:pt x="0" y="590"/>
+                      </a:lnTo>
+                      <a:lnTo>
+                        <a:pt x="381" y="799"/>
+                      </a:lnTo>
+                      <a:lnTo>
+                        <a:pt x="590" y="1180"/>
+                      </a:lnTo>
+                      <a:lnTo>
+                        <a:pt x="799" y="799"/>
+                      </a:lnTo>
+                      <a:lnTo>
+                        <a:pt x="1180" y="590"/>
+                      </a:lnTo>
+                      <a:lnTo>
+                        <a:pt x="799" y="381"/>
+                      </a:lnTo>
+                      <a:lnTo>
+                        <a:pt x="590" y="1"/>
+                      </a:lnTo>
+                      <a:close/>
+                    </a:path>
+                  </a:pathLst>
+                </a:custGeom>
+                <a:solidFill>
+                  <a:srgbClr val="F9FBFC"/>
+                </a:solidFill>
+                <a:ln>
+                  <a:noFill/>
+                </a:ln>
+              </p:spPr>
+              <p:txBody>
+                <a:bodyPr spcFirstLastPara="1" wrap="square" lIns="91425" tIns="91425" rIns="91425" bIns="91425" anchor="ctr" anchorCtr="0">
+                  <a:noAutofit/>
+                </a:bodyPr>
+                <a:lstStyle/>
+                <a:p>
+                  <a:pPr marL="0" lvl="0" indent="0" algn="l" rtl="0">
+                    <a:spcBef>
+                      <a:spcPts val="0"/>
+                    </a:spcBef>
+                    <a:spcAft>
+                      <a:spcPts val="0"/>
+                    </a:spcAft>
+                    <a:buNone/>
+                  </a:pPr>
+                  <a:endParaRPr/>
+                </a:p>
+              </p:txBody>
+            </p:sp>
+          </p:grpSp>
+        </p:grpSp>
+        <p:sp>
+          <p:nvSpPr>
+            <p:cNvPr id="268" name="Google Shape;268;p13"/>
+            <p:cNvSpPr/>
+            <p:nvPr/>
+          </p:nvSpPr>
+          <p:spPr>
+            <a:xfrm>
+              <a:off x="208358" y="3649400"/>
+              <a:ext cx="162425" cy="154151"/>
+            </a:xfrm>
+            <a:custGeom>
+              <a:avLst/>
+              <a:gdLst/>
+              <a:ahLst/>
+              <a:cxnLst/>
+              <a:rect l="l" t="t" r="r" b="b"/>
+              <a:pathLst>
+                <a:path w="1077" h="1022" extrusionOk="0">
+                  <a:moveTo>
+                    <a:pt x="543" y="1"/>
+                  </a:moveTo>
+                  <a:lnTo>
+                    <a:pt x="375" y="338"/>
+                  </a:lnTo>
+                  <a:lnTo>
+                    <a:pt x="0" y="394"/>
+                  </a:lnTo>
+                  <a:lnTo>
+                    <a:pt x="272" y="656"/>
+                  </a:lnTo>
+                  <a:lnTo>
+                    <a:pt x="206" y="1021"/>
+                  </a:lnTo>
+                  <a:lnTo>
+                    <a:pt x="543" y="853"/>
+                  </a:lnTo>
+                  <a:lnTo>
+                    <a:pt x="871" y="1021"/>
+                  </a:lnTo>
+                  <a:lnTo>
+                    <a:pt x="871" y="1021"/>
+                  </a:lnTo>
+                  <a:lnTo>
+                    <a:pt x="805" y="656"/>
+                  </a:lnTo>
+                  <a:lnTo>
+                    <a:pt x="1077" y="394"/>
+                  </a:lnTo>
+                  <a:lnTo>
+                    <a:pt x="702" y="338"/>
+                  </a:lnTo>
+                  <a:lnTo>
+                    <a:pt x="543" y="1"/>
+                  </a:lnTo>
+                  <a:close/>
+                </a:path>
+              </a:pathLst>
+            </a:custGeom>
+            <a:solidFill>
+              <a:schemeClr val="lt1"/>
+            </a:solidFill>
+            <a:ln>
+              <a:noFill/>
+            </a:ln>
+          </p:spPr>
+          <p:txBody>
+            <a:bodyPr spcFirstLastPara="1" wrap="square" lIns="91425" tIns="91425" rIns="91425" bIns="91425" anchor="ctr" anchorCtr="0">
+              <a:noAutofit/>
+            </a:bodyPr>
+            <a:lstStyle/>
+            <a:p>
+              <a:pPr marL="0" lvl="0" indent="0" algn="l" rtl="0">
+                <a:spcBef>
+                  <a:spcPts val="0"/>
+                </a:spcBef>
+                <a:spcAft>
+                  <a:spcPts val="0"/>
+                </a:spcAft>
+                <a:buNone/>
+              </a:pPr>
+              <a:endParaRPr/>
+            </a:p>
+          </p:txBody>
+        </p:sp>
+        <p:sp>
+          <p:nvSpPr>
+            <p:cNvPr id="269" name="Google Shape;269;p13"/>
+            <p:cNvSpPr/>
+            <p:nvPr/>
+          </p:nvSpPr>
+          <p:spPr>
+            <a:xfrm>
+              <a:off x="8340420" y="4608575"/>
+              <a:ext cx="162425" cy="154151"/>
+            </a:xfrm>
+            <a:custGeom>
+              <a:avLst/>
+              <a:gdLst/>
+              <a:ahLst/>
+              <a:cxnLst/>
+              <a:rect l="l" t="t" r="r" b="b"/>
+              <a:pathLst>
+                <a:path w="1077" h="1022" extrusionOk="0">
+                  <a:moveTo>
+                    <a:pt x="543" y="1"/>
+                  </a:moveTo>
+                  <a:lnTo>
+                    <a:pt x="375" y="338"/>
+                  </a:lnTo>
+                  <a:lnTo>
+                    <a:pt x="0" y="394"/>
+                  </a:lnTo>
+                  <a:lnTo>
+                    <a:pt x="272" y="656"/>
+                  </a:lnTo>
+                  <a:lnTo>
+                    <a:pt x="206" y="1021"/>
+                  </a:lnTo>
+                  <a:lnTo>
+                    <a:pt x="543" y="853"/>
+                  </a:lnTo>
+                  <a:lnTo>
+                    <a:pt x="871" y="1021"/>
+                  </a:lnTo>
+                  <a:lnTo>
+                    <a:pt x="871" y="1021"/>
+                  </a:lnTo>
+                  <a:lnTo>
+                    <a:pt x="805" y="656"/>
+                  </a:lnTo>
+                  <a:lnTo>
+                    <a:pt x="1077" y="394"/>
+                  </a:lnTo>
+                  <a:lnTo>
+                    <a:pt x="702" y="338"/>
+                  </a:lnTo>
+                  <a:lnTo>
+                    <a:pt x="543" y="1"/>
+                  </a:lnTo>
+                  <a:close/>
+                </a:path>
+              </a:pathLst>
+            </a:custGeom>
+            <a:solidFill>
+              <a:schemeClr val="lt1"/>
+            </a:solidFill>
+            <a:ln>
+              <a:noFill/>
+            </a:ln>
+          </p:spPr>
+          <p:txBody>
+            <a:bodyPr spcFirstLastPara="1" wrap="square" lIns="91425" tIns="91425" rIns="91425" bIns="91425" anchor="ctr" anchorCtr="0">
+              <a:noAutofit/>
+            </a:bodyPr>
+            <a:lstStyle/>
+            <a:p>
+              <a:pPr marL="0" lvl="0" indent="0" algn="l" rtl="0">
+                <a:spcBef>
+                  <a:spcPts val="0"/>
+                </a:spcBef>
+                <a:spcAft>
+                  <a:spcPts val="0"/>
+                </a:spcAft>
+                <a:buNone/>
+              </a:pPr>
+              <a:endParaRPr/>
+            </a:p>
+          </p:txBody>
+        </p:sp>
+      </p:grpSp>
+    </p:spTree>
+    <p:extLst>
+      <p:ext uri="{BB962C8B-B14F-4D97-AF65-F5344CB8AC3E}">
+        <p14:creationId xmlns:p14="http://schemas.microsoft.com/office/powerpoint/2010/main" val="718063121"/>
+      </p:ext>
+    </p:extLst>
   </p:cSld>
   <p:clrMapOvr>
     <a:masterClrMapping/>
@@ -24305,6 +27526,7 @@
     <p:sldLayoutId id="2147483674" r:id="rId8"/>
     <p:sldLayoutId id="2147483681" r:id="rId9"/>
     <p:sldLayoutId id="2147483682" r:id="rId10"/>
+    <p:sldLayoutId id="2147483686" r:id="rId11"/>
   </p:sldLayoutIdLst>
   <p:hf sldNum="0" hdr="0" ftr="0" dt="0"/>
   <p:txStyles>
@@ -34609,6 +37831,1105 @@
 </p:sld>
 </file>
 
+<file path=ppt/slides/slide9.xml><?xml version="1.0" encoding="utf-8"?>
+<p:sld xmlns:a="http://schemas.openxmlformats.org/drawingml/2006/main" xmlns:r="http://schemas.openxmlformats.org/officeDocument/2006/relationships" xmlns:p="http://schemas.openxmlformats.org/presentationml/2006/main">
+  <p:cSld>
+    <p:spTree>
+      <p:nvGrpSpPr>
+        <p:cNvPr id="1" name="Shape 1116"/>
+        <p:cNvGrpSpPr/>
+        <p:nvPr/>
+      </p:nvGrpSpPr>
+      <p:grpSpPr>
+        <a:xfrm>
+          <a:off x="0" y="0"/>
+          <a:ext cx="0" cy="0"/>
+          <a:chOff x="0" y="0"/>
+          <a:chExt cx="0" cy="0"/>
+        </a:xfrm>
+      </p:grpSpPr>
+      <p:sp>
+        <p:nvSpPr>
+          <p:cNvPr id="1117" name="Google Shape;1117;p42"/>
+          <p:cNvSpPr txBox="1">
+            <a:spLocks noGrp="1"/>
+          </p:cNvSpPr>
+          <p:nvPr>
+            <p:ph type="title" idx="9"/>
+          </p:nvPr>
+        </p:nvSpPr>
+        <p:spPr>
+          <a:xfrm>
+            <a:off x="720000" y="387600"/>
+            <a:ext cx="7704000" cy="592200"/>
+          </a:xfrm>
+          <a:prstGeom prst="rect">
+            <a:avLst/>
+          </a:prstGeom>
+        </p:spPr>
+        <p:txBody>
+          <a:bodyPr spcFirstLastPara="1" wrap="square" lIns="91425" tIns="91425" rIns="91425" bIns="91425" anchor="t" anchorCtr="0">
+            <a:noAutofit/>
+          </a:bodyPr>
+          <a:lstStyle/>
+          <a:p>
+            <a:pPr marL="0" lvl="0" indent="0" algn="l" rtl="0">
+              <a:spcBef>
+                <a:spcPts val="0"/>
+              </a:spcBef>
+              <a:spcAft>
+                <a:spcPts val="0"/>
+              </a:spcAft>
+              <a:buNone/>
+            </a:pPr>
+            <a:r>
+              <a:rPr lang="en" dirty="0"/>
+              <a:t>Rocket Stability</a:t>
+            </a:r>
+            <a:endParaRPr dirty="0"/>
+          </a:p>
+        </p:txBody>
+      </p:sp>
+      <p:sp>
+        <p:nvSpPr>
+          <p:cNvPr id="1127" name="Google Shape;1127;p42"/>
+          <p:cNvSpPr/>
+          <p:nvPr/>
+        </p:nvSpPr>
+        <p:spPr>
+          <a:xfrm>
+            <a:off x="825075" y="1021550"/>
+            <a:ext cx="3180300" cy="78600"/>
+          </a:xfrm>
+          <a:prstGeom prst="roundRect">
+            <a:avLst>
+              <a:gd name="adj" fmla="val 50000"/>
+            </a:avLst>
+          </a:prstGeom>
+          <a:gradFill>
+            <a:gsLst>
+              <a:gs pos="0">
+                <a:srgbClr val="FFFFFF">
+                  <a:alpha val="0"/>
+                </a:srgbClr>
+              </a:gs>
+              <a:gs pos="100000">
+                <a:srgbClr val="FFFFFF">
+                  <a:alpha val="56078"/>
+                </a:srgbClr>
+              </a:gs>
+            </a:gsLst>
+            <a:lin ang="0" scaled="0"/>
+          </a:gradFill>
+          <a:ln>
+            <a:noFill/>
+          </a:ln>
+        </p:spPr>
+        <p:txBody>
+          <a:bodyPr spcFirstLastPara="1" wrap="square" lIns="91425" tIns="91425" rIns="91425" bIns="91425" anchor="ctr" anchorCtr="0">
+            <a:noAutofit/>
+          </a:bodyPr>
+          <a:lstStyle/>
+          <a:p>
+            <a:pPr marL="0" lvl="0" indent="0" algn="l" rtl="0">
+              <a:spcBef>
+                <a:spcPts val="0"/>
+              </a:spcBef>
+              <a:spcAft>
+                <a:spcPts val="0"/>
+              </a:spcAft>
+              <a:buNone/>
+            </a:pPr>
+            <a:endParaRPr/>
+          </a:p>
+        </p:txBody>
+      </p:sp>
+      <p:grpSp>
+        <p:nvGrpSpPr>
+          <p:cNvPr id="1128" name="Google Shape;1128;p42"/>
+          <p:cNvGrpSpPr/>
+          <p:nvPr/>
+        </p:nvGrpSpPr>
+        <p:grpSpPr>
+          <a:xfrm>
+            <a:off x="7507154" y="182008"/>
+            <a:ext cx="1114164" cy="1020775"/>
+            <a:chOff x="2972050" y="2772000"/>
+            <a:chExt cx="907300" cy="831250"/>
+          </a:xfrm>
+        </p:grpSpPr>
+        <p:sp>
+          <p:nvSpPr>
+            <p:cNvPr id="1129" name="Google Shape;1129;p42"/>
+            <p:cNvSpPr/>
+            <p:nvPr/>
+          </p:nvSpPr>
+          <p:spPr>
+            <a:xfrm>
+              <a:off x="3425675" y="2772000"/>
+              <a:ext cx="453675" cy="465250"/>
+            </a:xfrm>
+            <a:custGeom>
+              <a:avLst/>
+              <a:gdLst/>
+              <a:ahLst/>
+              <a:cxnLst/>
+              <a:rect l="l" t="t" r="r" b="b"/>
+              <a:pathLst>
+                <a:path w="18147" h="18610" extrusionOk="0">
+                  <a:moveTo>
+                    <a:pt x="18147" y="405"/>
+                  </a:moveTo>
+                  <a:cubicBezTo>
+                    <a:pt x="17877" y="3218"/>
+                    <a:pt x="17588" y="6049"/>
+                    <a:pt x="16587" y="8688"/>
+                  </a:cubicBezTo>
+                  <a:cubicBezTo>
+                    <a:pt x="14294" y="14679"/>
+                    <a:pt x="6069" y="18609"/>
+                    <a:pt x="3295" y="10807"/>
+                  </a:cubicBezTo>
+                  <a:cubicBezTo>
+                    <a:pt x="1" y="1542"/>
+                    <a:pt x="11809" y="1"/>
+                    <a:pt x="18147" y="405"/>
+                  </a:cubicBezTo>
+                  <a:close/>
+                </a:path>
+              </a:pathLst>
+            </a:custGeom>
+            <a:gradFill>
+              <a:gsLst>
+                <a:gs pos="0">
+                  <a:schemeClr val="accent2"/>
+                </a:gs>
+                <a:gs pos="100000">
+                  <a:srgbClr val="FFFFFF">
+                    <a:alpha val="0"/>
+                  </a:srgbClr>
+                </a:gs>
+              </a:gsLst>
+              <a:lin ang="0" scaled="0"/>
+            </a:gradFill>
+            <a:ln>
+              <a:noFill/>
+            </a:ln>
+          </p:spPr>
+          <p:txBody>
+            <a:bodyPr spcFirstLastPara="1" wrap="square" lIns="91425" tIns="91425" rIns="91425" bIns="91425" anchor="ctr" anchorCtr="0">
+              <a:noAutofit/>
+            </a:bodyPr>
+            <a:lstStyle/>
+            <a:p>
+              <a:pPr marL="0" lvl="0" indent="0" algn="l" rtl="0">
+                <a:spcBef>
+                  <a:spcPts val="0"/>
+                </a:spcBef>
+                <a:spcAft>
+                  <a:spcPts val="0"/>
+                </a:spcAft>
+                <a:buNone/>
+              </a:pPr>
+              <a:endParaRPr/>
+            </a:p>
+          </p:txBody>
+        </p:sp>
+        <p:sp>
+          <p:nvSpPr>
+            <p:cNvPr id="1130" name="Google Shape;1130;p42"/>
+            <p:cNvSpPr/>
+            <p:nvPr/>
+          </p:nvSpPr>
+          <p:spPr>
+            <a:xfrm>
+              <a:off x="3472875" y="2865425"/>
+              <a:ext cx="307275" cy="314975"/>
+            </a:xfrm>
+            <a:custGeom>
+              <a:avLst/>
+              <a:gdLst/>
+              <a:ahLst/>
+              <a:cxnLst/>
+              <a:rect l="l" t="t" r="r" b="b"/>
+              <a:pathLst>
+                <a:path w="12291" h="12599" extrusionOk="0">
+                  <a:moveTo>
+                    <a:pt x="12291" y="271"/>
+                  </a:moveTo>
+                  <a:cubicBezTo>
+                    <a:pt x="12098" y="2178"/>
+                    <a:pt x="11905" y="4104"/>
+                    <a:pt x="11231" y="5876"/>
+                  </a:cubicBezTo>
+                  <a:cubicBezTo>
+                    <a:pt x="9690" y="9941"/>
+                    <a:pt x="4104" y="12599"/>
+                    <a:pt x="2235" y="7321"/>
+                  </a:cubicBezTo>
+                  <a:cubicBezTo>
+                    <a:pt x="1" y="1041"/>
+                    <a:pt x="8014" y="1"/>
+                    <a:pt x="12291" y="271"/>
+                  </a:cubicBezTo>
+                  <a:close/>
+                </a:path>
+              </a:pathLst>
+            </a:custGeom>
+            <a:gradFill>
+              <a:gsLst>
+                <a:gs pos="0">
+                  <a:schemeClr val="accent2"/>
+                </a:gs>
+                <a:gs pos="100000">
+                  <a:schemeClr val="accent6"/>
+                </a:gs>
+              </a:gsLst>
+              <a:lin ang="0" scaled="0"/>
+            </a:gradFill>
+            <a:ln>
+              <a:noFill/>
+            </a:ln>
+          </p:spPr>
+          <p:txBody>
+            <a:bodyPr spcFirstLastPara="1" wrap="square" lIns="91425" tIns="91425" rIns="91425" bIns="91425" anchor="ctr" anchorCtr="0">
+              <a:noAutofit/>
+            </a:bodyPr>
+            <a:lstStyle/>
+            <a:p>
+              <a:pPr marL="0" lvl="0" indent="0" algn="l" rtl="0">
+                <a:spcBef>
+                  <a:spcPts val="0"/>
+                </a:spcBef>
+                <a:spcAft>
+                  <a:spcPts val="0"/>
+                </a:spcAft>
+                <a:buNone/>
+              </a:pPr>
+              <a:endParaRPr/>
+            </a:p>
+          </p:txBody>
+        </p:sp>
+        <p:sp>
+          <p:nvSpPr>
+            <p:cNvPr id="1131" name="Google Shape;1131;p42"/>
+            <p:cNvSpPr/>
+            <p:nvPr/>
+          </p:nvSpPr>
+          <p:spPr>
+            <a:xfrm>
+              <a:off x="3321175" y="2860125"/>
+              <a:ext cx="400700" cy="419975"/>
+            </a:xfrm>
+            <a:custGeom>
+              <a:avLst/>
+              <a:gdLst/>
+              <a:ahLst/>
+              <a:cxnLst/>
+              <a:rect l="l" t="t" r="r" b="b"/>
+              <a:pathLst>
+                <a:path w="16028" h="16799" extrusionOk="0">
+                  <a:moveTo>
+                    <a:pt x="9478" y="16741"/>
+                  </a:moveTo>
+                  <a:cubicBezTo>
+                    <a:pt x="9498" y="16760"/>
+                    <a:pt x="9498" y="16779"/>
+                    <a:pt x="9498" y="16798"/>
+                  </a:cubicBezTo>
+                  <a:cubicBezTo>
+                    <a:pt x="12464" y="15527"/>
+                    <a:pt x="16028" y="15257"/>
+                    <a:pt x="15989" y="11694"/>
+                  </a:cubicBezTo>
+                  <a:cubicBezTo>
+                    <a:pt x="15970" y="9093"/>
+                    <a:pt x="14545" y="6300"/>
+                    <a:pt x="12753" y="4470"/>
+                  </a:cubicBezTo>
+                  <a:cubicBezTo>
+                    <a:pt x="11193" y="2871"/>
+                    <a:pt x="6820" y="1"/>
+                    <a:pt x="4393" y="1137"/>
+                  </a:cubicBezTo>
+                  <a:cubicBezTo>
+                    <a:pt x="3237" y="1696"/>
+                    <a:pt x="1" y="6589"/>
+                    <a:pt x="579" y="7937"/>
+                  </a:cubicBezTo>
+                  <a:cubicBezTo>
+                    <a:pt x="1041" y="8939"/>
+                    <a:pt x="5029" y="10307"/>
+                    <a:pt x="6050" y="11270"/>
+                  </a:cubicBezTo>
+                  <a:cubicBezTo>
+                    <a:pt x="7629" y="12772"/>
+                    <a:pt x="8843" y="14660"/>
+                    <a:pt x="9478" y="16741"/>
+                  </a:cubicBezTo>
+                  <a:close/>
+                </a:path>
+              </a:pathLst>
+            </a:custGeom>
+            <a:gradFill>
+              <a:gsLst>
+                <a:gs pos="0">
+                  <a:schemeClr val="dk2"/>
+                </a:gs>
+                <a:gs pos="100000">
+                  <a:schemeClr val="lt2"/>
+                </a:gs>
+              </a:gsLst>
+              <a:lin ang="0" scaled="0"/>
+            </a:gradFill>
+            <a:ln>
+              <a:noFill/>
+            </a:ln>
+          </p:spPr>
+          <p:txBody>
+            <a:bodyPr spcFirstLastPara="1" wrap="square" lIns="91425" tIns="91425" rIns="91425" bIns="91425" anchor="ctr" anchorCtr="0">
+              <a:noAutofit/>
+            </a:bodyPr>
+            <a:lstStyle/>
+            <a:p>
+              <a:pPr marL="0" lvl="0" indent="0" algn="l" rtl="0">
+                <a:spcBef>
+                  <a:spcPts val="0"/>
+                </a:spcBef>
+                <a:spcAft>
+                  <a:spcPts val="0"/>
+                </a:spcAft>
+                <a:buNone/>
+              </a:pPr>
+              <a:endParaRPr/>
+            </a:p>
+          </p:txBody>
+        </p:sp>
+        <p:sp>
+          <p:nvSpPr>
+            <p:cNvPr id="1132" name="Google Shape;1132;p42"/>
+            <p:cNvSpPr/>
+            <p:nvPr/>
+          </p:nvSpPr>
+          <p:spPr>
+            <a:xfrm>
+              <a:off x="3102075" y="2801875"/>
+              <a:ext cx="200350" cy="438725"/>
+            </a:xfrm>
+            <a:custGeom>
+              <a:avLst/>
+              <a:gdLst/>
+              <a:ahLst/>
+              <a:cxnLst/>
+              <a:rect l="l" t="t" r="r" b="b"/>
+              <a:pathLst>
+                <a:path w="8014" h="17549" extrusionOk="0">
+                  <a:moveTo>
+                    <a:pt x="0" y="17549"/>
+                  </a:moveTo>
+                  <a:lnTo>
+                    <a:pt x="1541" y="2408"/>
+                  </a:lnTo>
+                  <a:lnTo>
+                    <a:pt x="3834" y="0"/>
+                  </a:lnTo>
+                  <a:lnTo>
+                    <a:pt x="8014" y="7763"/>
+                  </a:lnTo>
+                  <a:close/>
+                </a:path>
+              </a:pathLst>
+            </a:custGeom>
+            <a:gradFill>
+              <a:gsLst>
+                <a:gs pos="0">
+                  <a:schemeClr val="dk2"/>
+                </a:gs>
+                <a:gs pos="100000">
+                  <a:schemeClr val="lt2"/>
+                </a:gs>
+              </a:gsLst>
+              <a:lin ang="0" scaled="0"/>
+            </a:gradFill>
+            <a:ln>
+              <a:noFill/>
+            </a:ln>
+          </p:spPr>
+          <p:txBody>
+            <a:bodyPr spcFirstLastPara="1" wrap="square" lIns="91425" tIns="91425" rIns="91425" bIns="91425" anchor="ctr" anchorCtr="0">
+              <a:noAutofit/>
+            </a:bodyPr>
+            <a:lstStyle/>
+            <a:p>
+              <a:pPr marL="0" lvl="0" indent="0" algn="l" rtl="0">
+                <a:spcBef>
+                  <a:spcPts val="0"/>
+                </a:spcBef>
+                <a:spcAft>
+                  <a:spcPts val="0"/>
+                </a:spcAft>
+                <a:buNone/>
+              </a:pPr>
+              <a:endParaRPr/>
+            </a:p>
+          </p:txBody>
+        </p:sp>
+        <p:sp>
+          <p:nvSpPr>
+            <p:cNvPr id="1133" name="Google Shape;1133;p42"/>
+            <p:cNvSpPr/>
+            <p:nvPr/>
+          </p:nvSpPr>
+          <p:spPr>
+            <a:xfrm>
+              <a:off x="3102075" y="2801875"/>
+              <a:ext cx="116075" cy="438725"/>
+            </a:xfrm>
+            <a:custGeom>
+              <a:avLst/>
+              <a:gdLst/>
+              <a:ahLst/>
+              <a:cxnLst/>
+              <a:rect l="l" t="t" r="r" b="b"/>
+              <a:pathLst>
+                <a:path w="4643" h="17549" extrusionOk="0">
+                  <a:moveTo>
+                    <a:pt x="2774" y="3448"/>
+                  </a:moveTo>
+                  <a:lnTo>
+                    <a:pt x="925" y="17356"/>
+                  </a:lnTo>
+                  <a:lnTo>
+                    <a:pt x="0" y="17549"/>
+                  </a:lnTo>
+                  <a:lnTo>
+                    <a:pt x="1541" y="2408"/>
+                  </a:lnTo>
+                  <a:lnTo>
+                    <a:pt x="3834" y="0"/>
+                  </a:lnTo>
+                  <a:lnTo>
+                    <a:pt x="4643" y="1483"/>
+                  </a:lnTo>
+                  <a:close/>
+                </a:path>
+              </a:pathLst>
+            </a:custGeom>
+            <a:gradFill>
+              <a:gsLst>
+                <a:gs pos="0">
+                  <a:schemeClr val="accent2"/>
+                </a:gs>
+                <a:gs pos="100000">
+                  <a:schemeClr val="accent6"/>
+                </a:gs>
+              </a:gsLst>
+              <a:lin ang="0" scaled="0"/>
+            </a:gradFill>
+            <a:ln>
+              <a:noFill/>
+            </a:ln>
+          </p:spPr>
+          <p:txBody>
+            <a:bodyPr spcFirstLastPara="1" wrap="square" lIns="91425" tIns="91425" rIns="91425" bIns="91425" anchor="ctr" anchorCtr="0">
+              <a:noAutofit/>
+            </a:bodyPr>
+            <a:lstStyle/>
+            <a:p>
+              <a:pPr marL="0" lvl="0" indent="0" algn="l" rtl="0">
+                <a:spcBef>
+                  <a:spcPts val="0"/>
+                </a:spcBef>
+                <a:spcAft>
+                  <a:spcPts val="0"/>
+                </a:spcAft>
+                <a:buNone/>
+              </a:pPr>
+              <a:endParaRPr/>
+            </a:p>
+          </p:txBody>
+        </p:sp>
+        <p:sp>
+          <p:nvSpPr>
+            <p:cNvPr id="1134" name="Google Shape;1134;p42"/>
+            <p:cNvSpPr/>
+            <p:nvPr/>
+          </p:nvSpPr>
+          <p:spPr>
+            <a:xfrm>
+              <a:off x="3350550" y="3291625"/>
+              <a:ext cx="436350" cy="206625"/>
+            </a:xfrm>
+            <a:custGeom>
+              <a:avLst/>
+              <a:gdLst/>
+              <a:ahLst/>
+              <a:cxnLst/>
+              <a:rect l="l" t="t" r="r" b="b"/>
+              <a:pathLst>
+                <a:path w="17454" h="8265" extrusionOk="0">
+                  <a:moveTo>
+                    <a:pt x="1" y="8265"/>
+                  </a:moveTo>
+                  <a:lnTo>
+                    <a:pt x="15084" y="6319"/>
+                  </a:lnTo>
+                  <a:lnTo>
+                    <a:pt x="17453" y="3988"/>
+                  </a:lnTo>
+                  <a:lnTo>
+                    <a:pt x="9594" y="1"/>
+                  </a:lnTo>
+                  <a:close/>
+                </a:path>
+              </a:pathLst>
+            </a:custGeom>
+            <a:gradFill>
+              <a:gsLst>
+                <a:gs pos="0">
+                  <a:schemeClr val="dk2"/>
+                </a:gs>
+                <a:gs pos="100000">
+                  <a:schemeClr val="lt2"/>
+                </a:gs>
+              </a:gsLst>
+              <a:lin ang="0" scaled="0"/>
+            </a:gradFill>
+            <a:ln>
+              <a:noFill/>
+            </a:ln>
+          </p:spPr>
+          <p:txBody>
+            <a:bodyPr spcFirstLastPara="1" wrap="square" lIns="91425" tIns="91425" rIns="91425" bIns="91425" anchor="ctr" anchorCtr="0">
+              <a:noAutofit/>
+            </a:bodyPr>
+            <a:lstStyle/>
+            <a:p>
+              <a:pPr marL="0" lvl="0" indent="0" algn="l" rtl="0">
+                <a:spcBef>
+                  <a:spcPts val="0"/>
+                </a:spcBef>
+                <a:spcAft>
+                  <a:spcPts val="0"/>
+                </a:spcAft>
+                <a:buNone/>
+              </a:pPr>
+              <a:endParaRPr/>
+            </a:p>
+          </p:txBody>
+        </p:sp>
+        <p:sp>
+          <p:nvSpPr>
+            <p:cNvPr id="1135" name="Google Shape;1135;p42"/>
+            <p:cNvSpPr/>
+            <p:nvPr/>
+          </p:nvSpPr>
+          <p:spPr>
+            <a:xfrm>
+              <a:off x="3350550" y="3372050"/>
+              <a:ext cx="436350" cy="126200"/>
+            </a:xfrm>
+            <a:custGeom>
+              <a:avLst/>
+              <a:gdLst/>
+              <a:ahLst/>
+              <a:cxnLst/>
+              <a:rect l="l" t="t" r="r" b="b"/>
+              <a:pathLst>
+                <a:path w="17454" h="5048" extrusionOk="0">
+                  <a:moveTo>
+                    <a:pt x="14025" y="1908"/>
+                  </a:moveTo>
+                  <a:lnTo>
+                    <a:pt x="174" y="4104"/>
+                  </a:lnTo>
+                  <a:lnTo>
+                    <a:pt x="1" y="5048"/>
+                  </a:lnTo>
+                  <a:lnTo>
+                    <a:pt x="15084" y="3102"/>
+                  </a:lnTo>
+                  <a:lnTo>
+                    <a:pt x="17453" y="771"/>
+                  </a:lnTo>
+                  <a:lnTo>
+                    <a:pt x="15932" y="1"/>
+                  </a:lnTo>
+                  <a:close/>
+                </a:path>
+              </a:pathLst>
+            </a:custGeom>
+            <a:gradFill>
+              <a:gsLst>
+                <a:gs pos="0">
+                  <a:schemeClr val="accent2"/>
+                </a:gs>
+                <a:gs pos="100000">
+                  <a:schemeClr val="accent6"/>
+                </a:gs>
+              </a:gsLst>
+              <a:lin ang="0" scaled="0"/>
+            </a:gradFill>
+            <a:ln>
+              <a:noFill/>
+            </a:ln>
+          </p:spPr>
+          <p:txBody>
+            <a:bodyPr spcFirstLastPara="1" wrap="square" lIns="91425" tIns="91425" rIns="91425" bIns="91425" anchor="ctr" anchorCtr="0">
+              <a:noAutofit/>
+            </a:bodyPr>
+            <a:lstStyle/>
+            <a:p>
+              <a:pPr marL="0" lvl="0" indent="0" algn="l" rtl="0">
+                <a:spcBef>
+                  <a:spcPts val="0"/>
+                </a:spcBef>
+                <a:spcAft>
+                  <a:spcPts val="0"/>
+                </a:spcAft>
+                <a:buNone/>
+              </a:pPr>
+              <a:endParaRPr/>
+            </a:p>
+          </p:txBody>
+        </p:sp>
+        <p:sp>
+          <p:nvSpPr>
+            <p:cNvPr id="1136" name="Google Shape;1136;p42"/>
+            <p:cNvSpPr/>
+            <p:nvPr/>
+          </p:nvSpPr>
+          <p:spPr>
+            <a:xfrm>
+              <a:off x="2972050" y="2950150"/>
+              <a:ext cx="716600" cy="645675"/>
+            </a:xfrm>
+            <a:custGeom>
+              <a:avLst/>
+              <a:gdLst/>
+              <a:ahLst/>
+              <a:cxnLst/>
+              <a:rect l="l" t="t" r="r" b="b"/>
+              <a:pathLst>
+                <a:path w="28664" h="25827" extrusionOk="0">
+                  <a:moveTo>
+                    <a:pt x="15061" y="0"/>
+                  </a:moveTo>
+                  <a:cubicBezTo>
+                    <a:pt x="12478" y="0"/>
+                    <a:pt x="10436" y="3076"/>
+                    <a:pt x="8842" y="5049"/>
+                  </a:cubicBezTo>
+                  <a:cubicBezTo>
+                    <a:pt x="5008" y="9769"/>
+                    <a:pt x="2158" y="15259"/>
+                    <a:pt x="578" y="21134"/>
+                  </a:cubicBezTo>
+                  <a:lnTo>
+                    <a:pt x="578" y="21115"/>
+                  </a:lnTo>
+                  <a:lnTo>
+                    <a:pt x="578" y="21115"/>
+                  </a:lnTo>
+                  <a:cubicBezTo>
+                    <a:pt x="231" y="22444"/>
+                    <a:pt x="0" y="24004"/>
+                    <a:pt x="905" y="25025"/>
+                  </a:cubicBezTo>
+                  <a:cubicBezTo>
+                    <a:pt x="1461" y="25622"/>
+                    <a:pt x="2238" y="25826"/>
+                    <a:pt x="3067" y="25826"/>
+                  </a:cubicBezTo>
+                  <a:cubicBezTo>
+                    <a:pt x="3762" y="25826"/>
+                    <a:pt x="4495" y="25682"/>
+                    <a:pt x="5163" y="25507"/>
+                  </a:cubicBezTo>
+                  <a:cubicBezTo>
+                    <a:pt x="10768" y="24023"/>
+                    <a:pt x="16123" y="21673"/>
+                    <a:pt x="21016" y="18553"/>
+                  </a:cubicBezTo>
+                  <a:cubicBezTo>
+                    <a:pt x="22923" y="17339"/>
+                    <a:pt x="24830" y="15933"/>
+                    <a:pt x="25774" y="13891"/>
+                  </a:cubicBezTo>
+                  <a:cubicBezTo>
+                    <a:pt x="28664" y="7688"/>
+                    <a:pt x="21267" y="214"/>
+                    <a:pt x="15179" y="2"/>
+                  </a:cubicBezTo>
+                  <a:cubicBezTo>
+                    <a:pt x="15140" y="1"/>
+                    <a:pt x="15100" y="0"/>
+                    <a:pt x="15061" y="0"/>
+                  </a:cubicBezTo>
+                  <a:close/>
+                </a:path>
+              </a:pathLst>
+            </a:custGeom>
+            <a:solidFill>
+              <a:schemeClr val="lt1"/>
+            </a:solidFill>
+            <a:ln>
+              <a:noFill/>
+            </a:ln>
+          </p:spPr>
+          <p:txBody>
+            <a:bodyPr spcFirstLastPara="1" wrap="square" lIns="91425" tIns="91425" rIns="91425" bIns="91425" anchor="ctr" anchorCtr="0">
+              <a:noAutofit/>
+            </a:bodyPr>
+            <a:lstStyle/>
+            <a:p>
+              <a:pPr marL="0" lvl="0" indent="0" algn="l" rtl="0">
+                <a:spcBef>
+                  <a:spcPts val="0"/>
+                </a:spcBef>
+                <a:spcAft>
+                  <a:spcPts val="0"/>
+                </a:spcAft>
+                <a:buNone/>
+              </a:pPr>
+              <a:endParaRPr/>
+            </a:p>
+          </p:txBody>
+        </p:sp>
+        <p:sp>
+          <p:nvSpPr>
+            <p:cNvPr id="1137" name="Google Shape;1137;p42"/>
+            <p:cNvSpPr/>
+            <p:nvPr/>
+          </p:nvSpPr>
+          <p:spPr>
+            <a:xfrm>
+              <a:off x="2972050" y="3394700"/>
+              <a:ext cx="206600" cy="208550"/>
+            </a:xfrm>
+            <a:custGeom>
+              <a:avLst/>
+              <a:gdLst/>
+              <a:ahLst/>
+              <a:cxnLst/>
+              <a:rect l="l" t="t" r="r" b="b"/>
+              <a:pathLst>
+                <a:path w="8264" h="8342" extrusionOk="0">
+                  <a:moveTo>
+                    <a:pt x="7879" y="6049"/>
+                  </a:moveTo>
+                  <a:cubicBezTo>
+                    <a:pt x="7185" y="4739"/>
+                    <a:pt x="6318" y="3506"/>
+                    <a:pt x="5259" y="2466"/>
+                  </a:cubicBezTo>
+                  <a:cubicBezTo>
+                    <a:pt x="4238" y="1406"/>
+                    <a:pt x="3005" y="559"/>
+                    <a:pt x="1637" y="0"/>
+                  </a:cubicBezTo>
+                  <a:lnTo>
+                    <a:pt x="1637" y="0"/>
+                  </a:lnTo>
+                  <a:cubicBezTo>
+                    <a:pt x="1252" y="1098"/>
+                    <a:pt x="886" y="2215"/>
+                    <a:pt x="597" y="3333"/>
+                  </a:cubicBezTo>
+                  <a:cubicBezTo>
+                    <a:pt x="231" y="4662"/>
+                    <a:pt x="0" y="6222"/>
+                    <a:pt x="925" y="7243"/>
+                  </a:cubicBezTo>
+                  <a:cubicBezTo>
+                    <a:pt x="1926" y="8341"/>
+                    <a:pt x="3699" y="8110"/>
+                    <a:pt x="5163" y="7725"/>
+                  </a:cubicBezTo>
+                  <a:cubicBezTo>
+                    <a:pt x="6203" y="7455"/>
+                    <a:pt x="7243" y="7147"/>
+                    <a:pt x="8264" y="6800"/>
+                  </a:cubicBezTo>
+                  <a:cubicBezTo>
+                    <a:pt x="8148" y="6550"/>
+                    <a:pt x="8014" y="6299"/>
+                    <a:pt x="7879" y="6049"/>
+                  </a:cubicBezTo>
+                  <a:close/>
+                </a:path>
+              </a:pathLst>
+            </a:custGeom>
+            <a:gradFill>
+              <a:gsLst>
+                <a:gs pos="0">
+                  <a:schemeClr val="dk2"/>
+                </a:gs>
+                <a:gs pos="100000">
+                  <a:schemeClr val="lt2"/>
+                </a:gs>
+              </a:gsLst>
+              <a:lin ang="0" scaled="0"/>
+            </a:gradFill>
+            <a:ln>
+              <a:noFill/>
+            </a:ln>
+          </p:spPr>
+          <p:txBody>
+            <a:bodyPr spcFirstLastPara="1" wrap="square" lIns="91425" tIns="91425" rIns="91425" bIns="91425" anchor="ctr" anchorCtr="0">
+              <a:noAutofit/>
+            </a:bodyPr>
+            <a:lstStyle/>
+            <a:p>
+              <a:pPr marL="0" lvl="0" indent="0" algn="l" rtl="0">
+                <a:spcBef>
+                  <a:spcPts val="0"/>
+                </a:spcBef>
+                <a:spcAft>
+                  <a:spcPts val="0"/>
+                </a:spcAft>
+                <a:buNone/>
+              </a:pPr>
+              <a:endParaRPr/>
+            </a:p>
+          </p:txBody>
+        </p:sp>
+        <p:sp>
+          <p:nvSpPr>
+            <p:cNvPr id="1138" name="Google Shape;1138;p42"/>
+            <p:cNvSpPr/>
+            <p:nvPr/>
+          </p:nvSpPr>
+          <p:spPr>
+            <a:xfrm>
+              <a:off x="3160825" y="3140425"/>
+              <a:ext cx="279325" cy="279825"/>
+            </a:xfrm>
+            <a:custGeom>
+              <a:avLst/>
+              <a:gdLst/>
+              <a:ahLst/>
+              <a:cxnLst/>
+              <a:rect l="l" t="t" r="r" b="b"/>
+              <a:pathLst>
+                <a:path w="11173" h="11193" extrusionOk="0">
+                  <a:moveTo>
+                    <a:pt x="7397" y="1002"/>
+                  </a:moveTo>
+                  <a:cubicBezTo>
+                    <a:pt x="9940" y="2003"/>
+                    <a:pt x="11173" y="4854"/>
+                    <a:pt x="10190" y="7397"/>
+                  </a:cubicBezTo>
+                  <a:cubicBezTo>
+                    <a:pt x="9189" y="9940"/>
+                    <a:pt x="6319" y="11192"/>
+                    <a:pt x="3776" y="10190"/>
+                  </a:cubicBezTo>
+                  <a:cubicBezTo>
+                    <a:pt x="1252" y="9189"/>
+                    <a:pt x="0" y="6318"/>
+                    <a:pt x="1002" y="3776"/>
+                  </a:cubicBezTo>
+                  <a:cubicBezTo>
+                    <a:pt x="1984" y="1252"/>
+                    <a:pt x="4855" y="0"/>
+                    <a:pt x="7397" y="1002"/>
+                  </a:cubicBezTo>
+                  <a:close/>
+                </a:path>
+              </a:pathLst>
+            </a:custGeom>
+            <a:gradFill>
+              <a:gsLst>
+                <a:gs pos="0">
+                  <a:schemeClr val="accent2"/>
+                </a:gs>
+                <a:gs pos="100000">
+                  <a:schemeClr val="accent6"/>
+                </a:gs>
+              </a:gsLst>
+              <a:lin ang="0" scaled="0"/>
+            </a:gradFill>
+            <a:ln>
+              <a:noFill/>
+            </a:ln>
+          </p:spPr>
+          <p:txBody>
+            <a:bodyPr spcFirstLastPara="1" wrap="square" lIns="91425" tIns="91425" rIns="91425" bIns="91425" anchor="ctr" anchorCtr="0">
+              <a:noAutofit/>
+            </a:bodyPr>
+            <a:lstStyle/>
+            <a:p>
+              <a:pPr marL="0" lvl="0" indent="0" algn="l" rtl="0">
+                <a:spcBef>
+                  <a:spcPts val="0"/>
+                </a:spcBef>
+                <a:spcAft>
+                  <a:spcPts val="0"/>
+                </a:spcAft>
+                <a:buNone/>
+              </a:pPr>
+              <a:endParaRPr/>
+            </a:p>
+          </p:txBody>
+        </p:sp>
+        <p:sp>
+          <p:nvSpPr>
+            <p:cNvPr id="1139" name="Google Shape;1139;p42"/>
+            <p:cNvSpPr/>
+            <p:nvPr/>
+          </p:nvSpPr>
+          <p:spPr>
+            <a:xfrm>
+              <a:off x="3220525" y="3200125"/>
+              <a:ext cx="159925" cy="159925"/>
+            </a:xfrm>
+            <a:custGeom>
+              <a:avLst/>
+              <a:gdLst/>
+              <a:ahLst/>
+              <a:cxnLst/>
+              <a:rect l="l" t="t" r="r" b="b"/>
+              <a:pathLst>
+                <a:path w="6397" h="6397" extrusionOk="0">
+                  <a:moveTo>
+                    <a:pt x="6396" y="3198"/>
+                  </a:moveTo>
+                  <a:cubicBezTo>
+                    <a:pt x="6396" y="4971"/>
+                    <a:pt x="4971" y="6396"/>
+                    <a:pt x="3199" y="6396"/>
+                  </a:cubicBezTo>
+                  <a:cubicBezTo>
+                    <a:pt x="1426" y="6396"/>
+                    <a:pt x="1" y="4971"/>
+                    <a:pt x="1" y="3198"/>
+                  </a:cubicBezTo>
+                  <a:cubicBezTo>
+                    <a:pt x="1" y="1426"/>
+                    <a:pt x="1426" y="1"/>
+                    <a:pt x="3199" y="1"/>
+                  </a:cubicBezTo>
+                  <a:cubicBezTo>
+                    <a:pt x="4971" y="1"/>
+                    <a:pt x="6396" y="1426"/>
+                    <a:pt x="6396" y="3198"/>
+                  </a:cubicBezTo>
+                  <a:close/>
+                </a:path>
+              </a:pathLst>
+            </a:custGeom>
+            <a:solidFill>
+              <a:schemeClr val="accent1"/>
+            </a:solidFill>
+            <a:ln>
+              <a:noFill/>
+            </a:ln>
+          </p:spPr>
+          <p:txBody>
+            <a:bodyPr spcFirstLastPara="1" wrap="square" lIns="91425" tIns="91425" rIns="91425" bIns="91425" anchor="ctr" anchorCtr="0">
+              <a:noAutofit/>
+            </a:bodyPr>
+            <a:lstStyle/>
+            <a:p>
+              <a:pPr marL="0" lvl="0" indent="0" algn="l" rtl="0">
+                <a:spcBef>
+                  <a:spcPts val="0"/>
+                </a:spcBef>
+                <a:spcAft>
+                  <a:spcPts val="0"/>
+                </a:spcAft>
+                <a:buNone/>
+              </a:pPr>
+              <a:endParaRPr/>
+            </a:p>
+          </p:txBody>
+        </p:sp>
+      </p:grpSp>
+      <p:pic>
+        <p:nvPicPr>
+          <p:cNvPr id="21" name="Picture 20">
+            <a:extLst>
+              <a:ext uri="{FF2B5EF4-FFF2-40B4-BE49-F238E27FC236}">
+                <a16:creationId xmlns:a16="http://schemas.microsoft.com/office/drawing/2014/main" id="{96546B07-F77B-36F0-16CF-BA6A22D23863}"/>
+              </a:ext>
+            </a:extLst>
+          </p:cNvPr>
+          <p:cNvPicPr>
+            <a:picLocks noChangeAspect="1"/>
+          </p:cNvPicPr>
+          <p:nvPr/>
+        </p:nvPicPr>
+        <p:blipFill>
+          <a:blip r:embed="rId3"/>
+          <a:stretch>
+            <a:fillRect/>
+          </a:stretch>
+        </p:blipFill>
+        <p:spPr>
+          <a:xfrm>
+            <a:off x="273626" y="1678509"/>
+            <a:ext cx="3805652" cy="2338820"/>
+          </a:xfrm>
+          <a:prstGeom prst="rect">
+            <a:avLst/>
+          </a:prstGeom>
+        </p:spPr>
+      </p:pic>
+      <p:pic>
+        <p:nvPicPr>
+          <p:cNvPr id="1028" name="Picture 4" descr="CG &amp; CP: I get it, but why?">
+            <a:extLst>
+              <a:ext uri="{FF2B5EF4-FFF2-40B4-BE49-F238E27FC236}">
+                <a16:creationId xmlns:a16="http://schemas.microsoft.com/office/drawing/2014/main" id="{0C449AA8-6F9A-9087-A20F-6610B0EB8309}"/>
+              </a:ext>
+            </a:extLst>
+          </p:cNvPr>
+          <p:cNvPicPr>
+            <a:picLocks noChangeAspect="1" noChangeArrowheads="1"/>
+          </p:cNvPicPr>
+          <p:nvPr/>
+        </p:nvPicPr>
+        <p:blipFill rotWithShape="1">
+          <a:blip r:embed="rId4">
+            <a:extLst>
+              <a:ext uri="{28A0092B-C50C-407E-A947-70E740481C1C}">
+                <a14:useLocalDpi xmlns:a14="http://schemas.microsoft.com/office/drawing/2010/main" val="0"/>
+              </a:ext>
+            </a:extLst>
+          </a:blip>
+          <a:srcRect l="1615" t="1156" r="1991" b="2176"/>
+          <a:stretch/>
+        </p:blipFill>
+        <p:spPr bwMode="auto">
+          <a:xfrm>
+            <a:off x="4426528" y="1499023"/>
+            <a:ext cx="4443846" cy="2697793"/>
+          </a:xfrm>
+          <a:prstGeom prst="rect">
+            <a:avLst/>
+          </a:prstGeom>
+          <a:noFill/>
+          <a:extLst>
+            <a:ext uri="{909E8E84-426E-40DD-AFC4-6F175D3DCCD1}">
+              <a14:hiddenFill xmlns:a14="http://schemas.microsoft.com/office/drawing/2010/main">
+                <a:solidFill>
+                  <a:srgbClr val="FFFFFF"/>
+                </a:solidFill>
+              </a14:hiddenFill>
+            </a:ext>
+          </a:extLst>
+        </p:spPr>
+      </p:pic>
+    </p:spTree>
+  </p:cSld>
+  <p:clrMapOvr>
+    <a:masterClrMapping/>
+  </p:clrMapOvr>
+</p:sld>
+</file>
+
 <file path=ppt/theme/theme1.xml><?xml version="1.0" encoding="utf-8"?>
 <a:theme xmlns:a="http://schemas.openxmlformats.org/drawingml/2006/main" name="Astronomical Observatory by Slidesgo">
   <a:themeElements>

--- a/Beginner/Day 1/Intro to Rocketry.pptx
+++ b/Beginner/Day 1/Intro to Rocketry.pptx
@@ -5,46 +5,47 @@
     <p:sldMasterId id="2147483685" r:id="rId1"/>
   </p:sldMasterIdLst>
   <p:notesMasterIdLst>
-    <p:notesMasterId r:id="rId11"/>
+    <p:notesMasterId r:id="rId12"/>
   </p:notesMasterIdLst>
   <p:sldIdLst>
     <p:sldId id="256" r:id="rId2"/>
     <p:sldId id="259" r:id="rId3"/>
-    <p:sldId id="260" r:id="rId4"/>
-    <p:sldId id="262" r:id="rId5"/>
-    <p:sldId id="265" r:id="rId6"/>
-    <p:sldId id="293" r:id="rId7"/>
-    <p:sldId id="263" r:id="rId8"/>
-    <p:sldId id="264" r:id="rId9"/>
+    <p:sldId id="264" r:id="rId4"/>
+    <p:sldId id="260" r:id="rId5"/>
+    <p:sldId id="262" r:id="rId6"/>
+    <p:sldId id="265" r:id="rId7"/>
+    <p:sldId id="293" r:id="rId8"/>
+    <p:sldId id="263" r:id="rId9"/>
     <p:sldId id="258" r:id="rId10"/>
+    <p:sldId id="294" r:id="rId11"/>
   </p:sldIdLst>
   <p:sldSz cx="9144000" cy="5143500" type="screen16x9"/>
   <p:notesSz cx="6858000" cy="9144000"/>
   <p:embeddedFontLst>
     <p:embeddedFont>
       <p:font typeface="Anek Devanagari ExtraBold" panose="020B0604020202020204" charset="0"/>
-      <p:bold r:id="rId12"/>
+      <p:bold r:id="rId13"/>
     </p:embeddedFont>
     <p:embeddedFont>
       <p:font typeface="Chivo" panose="020B0604020202020204" charset="0"/>
-      <p:regular r:id="rId13"/>
-      <p:bold r:id="rId14"/>
-      <p:italic r:id="rId15"/>
-      <p:boldItalic r:id="rId16"/>
+      <p:regular r:id="rId14"/>
+      <p:bold r:id="rId15"/>
+      <p:italic r:id="rId16"/>
+      <p:boldItalic r:id="rId17"/>
     </p:embeddedFont>
     <p:embeddedFont>
       <p:font typeface="Fredoka One" panose="02000000000000000000" pitchFamily="2" charset="0"/>
-      <p:regular r:id="rId17"/>
+      <p:regular r:id="rId18"/>
     </p:embeddedFont>
     <p:embeddedFont>
       <p:font typeface="Palanquin Dark" panose="020B0604020202020204" charset="0"/>
-      <p:regular r:id="rId18"/>
-      <p:bold r:id="rId19"/>
+      <p:regular r:id="rId19"/>
+      <p:bold r:id="rId20"/>
     </p:embeddedFont>
     <p:embeddedFont>
       <p:font typeface="Roboto Condensed Light" panose="02000000000000000000" pitchFamily="2" charset="0"/>
-      <p:regular r:id="rId20"/>
-      <p:italic r:id="rId21"/>
+      <p:regular r:id="rId21"/>
+      <p:italic r:id="rId22"/>
     </p:embeddedFont>
   </p:embeddedFontLst>
   <p:defaultTextStyle>
@@ -829,6 +830,104 @@
 </p:notes>
 </file>
 
+<file path=ppt/notesSlides/notesSlide10.xml><?xml version="1.0" encoding="utf-8"?>
+<p:notes xmlns:a="http://schemas.openxmlformats.org/drawingml/2006/main" xmlns:r="http://schemas.openxmlformats.org/officeDocument/2006/relationships" xmlns:p="http://schemas.openxmlformats.org/presentationml/2006/main">
+  <p:cSld>
+    <p:spTree>
+      <p:nvGrpSpPr>
+        <p:cNvPr id="1" name=""/>
+        <p:cNvGrpSpPr/>
+        <p:nvPr/>
+      </p:nvGrpSpPr>
+      <p:grpSpPr>
+        <a:xfrm>
+          <a:off x="0" y="0"/>
+          <a:ext cx="0" cy="0"/>
+          <a:chOff x="0" y="0"/>
+          <a:chExt cx="0" cy="0"/>
+        </a:xfrm>
+      </p:grpSpPr>
+      <p:sp>
+        <p:nvSpPr>
+          <p:cNvPr id="2" name="Slide Image Placeholder 1"/>
+          <p:cNvSpPr>
+            <a:spLocks noGrp="1" noRot="1" noChangeAspect="1"/>
+          </p:cNvSpPr>
+          <p:nvPr>
+            <p:ph type="sldImg"/>
+          </p:nvPr>
+        </p:nvSpPr>
+        <p:spPr>
+          <a:xfrm>
+            <a:off x="381000" y="685800"/>
+            <a:ext cx="6096000" cy="3429000"/>
+          </a:xfrm>
+        </p:spPr>
+      </p:sp>
+      <p:sp>
+        <p:nvSpPr>
+          <p:cNvPr id="3" name="Notes Placeholder 2"/>
+          <p:cNvSpPr>
+            <a:spLocks noGrp="1"/>
+          </p:cNvSpPr>
+          <p:nvPr>
+            <p:ph type="body" idx="1"/>
+          </p:nvPr>
+        </p:nvSpPr>
+        <p:spPr/>
+        <p:txBody>
+          <a:bodyPr/>
+          <a:lstStyle/>
+          <a:p>
+            <a:r>
+              <a:rPr lang="en-US" dirty="0"/>
+              <a:t>Elliptical – most aerodynamic, but difficult to construct</a:t>
+            </a:r>
+          </a:p>
+          <a:p>
+            <a:r>
+              <a:rPr lang="en-US" dirty="0"/>
+              <a:t>Trapezoidal – moves CP forward</a:t>
+            </a:r>
+          </a:p>
+          <a:p>
+            <a:r>
+              <a:rPr lang="en-US" dirty="0"/>
+              <a:t>Rectangular/square – easiest to make, but least aerodynamic</a:t>
+            </a:r>
+          </a:p>
+          <a:p>
+            <a:r>
+              <a:rPr lang="en-US" dirty="0"/>
+              <a:t>Clipped delta – aerodynamic, moderately easy to construct, very well balanced</a:t>
+            </a:r>
+          </a:p>
+          <a:p>
+            <a:r>
+              <a:rPr lang="en-US" dirty="0"/>
+              <a:t>Also swept type – more aerodynamic and moves </a:t>
+            </a:r>
+            <a:r>
+              <a:rPr lang="en-US"/>
+              <a:t>CP back</a:t>
+            </a:r>
+            <a:endParaRPr lang="en-US" dirty="0"/>
+          </a:p>
+        </p:txBody>
+      </p:sp>
+    </p:spTree>
+    <p:extLst>
+      <p:ext uri="{BB962C8B-B14F-4D97-AF65-F5344CB8AC3E}">
+        <p14:creationId xmlns:p14="http://schemas.microsoft.com/office/powerpoint/2010/main" val="1084679373"/>
+      </p:ext>
+    </p:extLst>
+  </p:cSld>
+  <p:clrMapOvr>
+    <a:masterClrMapping/>
+  </p:clrMapOvr>
+</p:notes>
+</file>
+
 <file path=ppt/notesSlides/notesSlide2.xml><?xml version="1.0" encoding="utf-8"?>
 <p:notes xmlns:a="http://schemas.openxmlformats.org/drawingml/2006/main" xmlns:r="http://schemas.openxmlformats.org/officeDocument/2006/relationships" xmlns:p="http://schemas.openxmlformats.org/presentationml/2006/main" showMasterSp="0" showMasterPhAnim="0">
   <p:cSld>
@@ -957,6 +1056,114 @@
   <p:cSld>
     <p:spTree>
       <p:nvGrpSpPr>
+        <p:cNvPr id="1" name="Shape 1237"/>
+        <p:cNvGrpSpPr/>
+        <p:nvPr/>
+      </p:nvGrpSpPr>
+      <p:grpSpPr>
+        <a:xfrm>
+          <a:off x="0" y="0"/>
+          <a:ext cx="0" cy="0"/>
+          <a:chOff x="0" y="0"/>
+          <a:chExt cx="0" cy="0"/>
+        </a:xfrm>
+      </p:grpSpPr>
+      <p:sp>
+        <p:nvSpPr>
+          <p:cNvPr id="1238" name="Google Shape;1238;g1ff189cb9ef_0_229:notes"/>
+          <p:cNvSpPr>
+            <a:spLocks noGrp="1" noRot="1" noChangeAspect="1"/>
+          </p:cNvSpPr>
+          <p:nvPr>
+            <p:ph type="sldImg" idx="2"/>
+          </p:nvPr>
+        </p:nvSpPr>
+        <p:spPr>
+          <a:xfrm>
+            <a:off x="381000" y="685800"/>
+            <a:ext cx="6096000" cy="3429000"/>
+          </a:xfrm>
+          <a:custGeom>
+            <a:avLst/>
+            <a:gdLst/>
+            <a:ahLst/>
+            <a:cxnLst/>
+            <a:rect l="l" t="t" r="r" b="b"/>
+            <a:pathLst>
+              <a:path w="120000" h="120000" extrusionOk="0">
+                <a:moveTo>
+                  <a:pt x="0" y="0"/>
+                </a:moveTo>
+                <a:lnTo>
+                  <a:pt x="120000" y="0"/>
+                </a:lnTo>
+                <a:lnTo>
+                  <a:pt x="120000" y="120000"/>
+                </a:lnTo>
+                <a:lnTo>
+                  <a:pt x="0" y="120000"/>
+                </a:lnTo>
+                <a:close/>
+              </a:path>
+            </a:pathLst>
+          </a:custGeom>
+        </p:spPr>
+      </p:sp>
+      <p:sp>
+        <p:nvSpPr>
+          <p:cNvPr id="1239" name="Google Shape;1239;g1ff189cb9ef_0_229:notes"/>
+          <p:cNvSpPr txBox="1">
+            <a:spLocks noGrp="1"/>
+          </p:cNvSpPr>
+          <p:nvPr>
+            <p:ph type="body" idx="1"/>
+          </p:nvPr>
+        </p:nvSpPr>
+        <p:spPr>
+          <a:xfrm>
+            <a:off x="685800" y="4343400"/>
+            <a:ext cx="5486400" cy="4114800"/>
+          </a:xfrm>
+          <a:prstGeom prst="rect">
+            <a:avLst/>
+          </a:prstGeom>
+        </p:spPr>
+        <p:txBody>
+          <a:bodyPr spcFirstLastPara="1" wrap="square" lIns="91425" tIns="91425" rIns="91425" bIns="91425" anchor="t" anchorCtr="0">
+            <a:noAutofit/>
+          </a:bodyPr>
+          <a:lstStyle/>
+          <a:p>
+            <a:pPr marL="0" lvl="0" indent="0" algn="l" rtl="0">
+              <a:spcBef>
+                <a:spcPts val="0"/>
+              </a:spcBef>
+              <a:spcAft>
+                <a:spcPts val="0"/>
+              </a:spcAft>
+              <a:buNone/>
+            </a:pPr>
+            <a:r>
+              <a:rPr lang="en-US" dirty="0"/>
+              <a:t>Sounding rockets – Rockets carrying scientific instruments into the upper atmosphere to take measurements of things like air quality and radiation in the air</a:t>
+            </a:r>
+            <a:endParaRPr dirty="0"/>
+          </a:p>
+        </p:txBody>
+      </p:sp>
+    </p:spTree>
+  </p:cSld>
+  <p:clrMapOvr>
+    <a:masterClrMapping/>
+  </p:clrMapOvr>
+</p:notes>
+</file>
+
+<file path=ppt/notesSlides/notesSlide4.xml><?xml version="1.0" encoding="utf-8"?>
+<p:notes xmlns:a="http://schemas.openxmlformats.org/drawingml/2006/main" xmlns:r="http://schemas.openxmlformats.org/officeDocument/2006/relationships" xmlns:p="http://schemas.openxmlformats.org/presentationml/2006/main" showMasterSp="0" showMasterPhAnim="0">
+  <p:cSld>
+    <p:spTree>
+      <p:nvGrpSpPr>
         <p:cNvPr id="1" name="Shape 1178"/>
         <p:cNvGrpSpPr/>
         <p:nvPr/>
@@ -1060,7 +1267,7 @@
 </p:notes>
 </file>
 
-<file path=ppt/notesSlides/notesSlide4.xml><?xml version="1.0" encoding="utf-8"?>
+<file path=ppt/notesSlides/notesSlide5.xml><?xml version="1.0" encoding="utf-8"?>
 <p:notes xmlns:a="http://schemas.openxmlformats.org/drawingml/2006/main" xmlns:r="http://schemas.openxmlformats.org/officeDocument/2006/relationships" xmlns:p="http://schemas.openxmlformats.org/presentationml/2006/main" showMasterSp="0" showMasterPhAnim="0">
   <p:cSld>
     <p:spTree>
@@ -1155,129 +1362,6 @@
             <a:r>
               <a:rPr lang="en-US" dirty="0"/>
               <a:t>Talk about velocity and acceleration at each point</a:t>
-            </a:r>
-            <a:endParaRPr dirty="0"/>
-          </a:p>
-        </p:txBody>
-      </p:sp>
-    </p:spTree>
-  </p:cSld>
-  <p:clrMapOvr>
-    <a:masterClrMapping/>
-  </p:clrMapOvr>
-</p:notes>
-</file>
-
-<file path=ppt/notesSlides/notesSlide5.xml><?xml version="1.0" encoding="utf-8"?>
-<p:notes xmlns:a="http://schemas.openxmlformats.org/drawingml/2006/main" xmlns:r="http://schemas.openxmlformats.org/officeDocument/2006/relationships" xmlns:p="http://schemas.openxmlformats.org/presentationml/2006/main" showMasterSp="0" showMasterPhAnim="0">
-  <p:cSld>
-    <p:spTree>
-      <p:nvGrpSpPr>
-        <p:cNvPr id="1" name="Shape 1250"/>
-        <p:cNvGrpSpPr/>
-        <p:nvPr/>
-      </p:nvGrpSpPr>
-      <p:grpSpPr>
-        <a:xfrm>
-          <a:off x="0" y="0"/>
-          <a:ext cx="0" cy="0"/>
-          <a:chOff x="0" y="0"/>
-          <a:chExt cx="0" cy="0"/>
-        </a:xfrm>
-      </p:grpSpPr>
-      <p:sp>
-        <p:nvSpPr>
-          <p:cNvPr id="1251" name="Google Shape;1251;g1ff189cb9ef_0_333:notes"/>
-          <p:cNvSpPr>
-            <a:spLocks noGrp="1" noRot="1" noChangeAspect="1"/>
-          </p:cNvSpPr>
-          <p:nvPr>
-            <p:ph type="sldImg" idx="2"/>
-          </p:nvPr>
-        </p:nvSpPr>
-        <p:spPr>
-          <a:xfrm>
-            <a:off x="381000" y="685800"/>
-            <a:ext cx="6096000" cy="3429000"/>
-          </a:xfrm>
-          <a:custGeom>
-            <a:avLst/>
-            <a:gdLst/>
-            <a:ahLst/>
-            <a:cxnLst/>
-            <a:rect l="l" t="t" r="r" b="b"/>
-            <a:pathLst>
-              <a:path w="120000" h="120000" extrusionOk="0">
-                <a:moveTo>
-                  <a:pt x="0" y="0"/>
-                </a:moveTo>
-                <a:lnTo>
-                  <a:pt x="120000" y="0"/>
-                </a:lnTo>
-                <a:lnTo>
-                  <a:pt x="120000" y="120000"/>
-                </a:lnTo>
-                <a:lnTo>
-                  <a:pt x="0" y="120000"/>
-                </a:lnTo>
-                <a:close/>
-              </a:path>
-            </a:pathLst>
-          </a:custGeom>
-        </p:spPr>
-      </p:sp>
-      <p:sp>
-        <p:nvSpPr>
-          <p:cNvPr id="1252" name="Google Shape;1252;g1ff189cb9ef_0_333:notes"/>
-          <p:cNvSpPr txBox="1">
-            <a:spLocks noGrp="1"/>
-          </p:cNvSpPr>
-          <p:nvPr>
-            <p:ph type="body" idx="1"/>
-          </p:nvPr>
-        </p:nvSpPr>
-        <p:spPr>
-          <a:xfrm>
-            <a:off x="685800" y="4343400"/>
-            <a:ext cx="5486400" cy="4114800"/>
-          </a:xfrm>
-          <a:prstGeom prst="rect">
-            <a:avLst/>
-          </a:prstGeom>
-        </p:spPr>
-        <p:txBody>
-          <a:bodyPr spcFirstLastPara="1" wrap="square" lIns="91425" tIns="91425" rIns="91425" bIns="91425" anchor="t" anchorCtr="0">
-            <a:noAutofit/>
-          </a:bodyPr>
-          <a:lstStyle/>
-          <a:p>
-            <a:pPr marL="0" lvl="0" indent="0" algn="l" rtl="0">
-              <a:spcBef>
-                <a:spcPts val="0"/>
-              </a:spcBef>
-              <a:spcAft>
-                <a:spcPts val="0"/>
-              </a:spcAft>
-              <a:buNone/>
-            </a:pPr>
-            <a:r>
-              <a:rPr lang="en-US" dirty="0"/>
-              <a:t>Drag – depends on surface area</a:t>
-            </a:r>
-          </a:p>
-          <a:p>
-            <a:pPr marL="0" lvl="0" indent="0" algn="l" rtl="0">
-              <a:spcBef>
-                <a:spcPts val="0"/>
-              </a:spcBef>
-              <a:spcAft>
-                <a:spcPts val="0"/>
-              </a:spcAft>
-              <a:buNone/>
-            </a:pPr>
-            <a:r>
-              <a:rPr lang="en-US" dirty="0"/>
-              <a:t>Lift – less relevant on rockets, but is due to fins – caused by angle of attack</a:t>
             </a:r>
             <a:endParaRPr dirty="0"/>
           </a:p>
@@ -1407,6 +1491,129 @@
         </p:txBody>
       </p:sp>
     </p:spTree>
+  </p:cSld>
+  <p:clrMapOvr>
+    <a:masterClrMapping/>
+  </p:clrMapOvr>
+</p:notes>
+</file>
+
+<file path=ppt/notesSlides/notesSlide7.xml><?xml version="1.0" encoding="utf-8"?>
+<p:notes xmlns:a="http://schemas.openxmlformats.org/drawingml/2006/main" xmlns:r="http://schemas.openxmlformats.org/officeDocument/2006/relationships" xmlns:p="http://schemas.openxmlformats.org/presentationml/2006/main" showMasterSp="0" showMasterPhAnim="0">
+  <p:cSld>
+    <p:spTree>
+      <p:nvGrpSpPr>
+        <p:cNvPr id="1" name="Shape 1250"/>
+        <p:cNvGrpSpPr/>
+        <p:nvPr/>
+      </p:nvGrpSpPr>
+      <p:grpSpPr>
+        <a:xfrm>
+          <a:off x="0" y="0"/>
+          <a:ext cx="0" cy="0"/>
+          <a:chOff x="0" y="0"/>
+          <a:chExt cx="0" cy="0"/>
+        </a:xfrm>
+      </p:grpSpPr>
+      <p:sp>
+        <p:nvSpPr>
+          <p:cNvPr id="1251" name="Google Shape;1251;g1ff189cb9ef_0_333:notes"/>
+          <p:cNvSpPr>
+            <a:spLocks noGrp="1" noRot="1" noChangeAspect="1"/>
+          </p:cNvSpPr>
+          <p:nvPr>
+            <p:ph type="sldImg" idx="2"/>
+          </p:nvPr>
+        </p:nvSpPr>
+        <p:spPr>
+          <a:xfrm>
+            <a:off x="381000" y="685800"/>
+            <a:ext cx="6096000" cy="3429000"/>
+          </a:xfrm>
+          <a:custGeom>
+            <a:avLst/>
+            <a:gdLst/>
+            <a:ahLst/>
+            <a:cxnLst/>
+            <a:rect l="l" t="t" r="r" b="b"/>
+            <a:pathLst>
+              <a:path w="120000" h="120000" extrusionOk="0">
+                <a:moveTo>
+                  <a:pt x="0" y="0"/>
+                </a:moveTo>
+                <a:lnTo>
+                  <a:pt x="120000" y="0"/>
+                </a:lnTo>
+                <a:lnTo>
+                  <a:pt x="120000" y="120000"/>
+                </a:lnTo>
+                <a:lnTo>
+                  <a:pt x="0" y="120000"/>
+                </a:lnTo>
+                <a:close/>
+              </a:path>
+            </a:pathLst>
+          </a:custGeom>
+        </p:spPr>
+      </p:sp>
+      <p:sp>
+        <p:nvSpPr>
+          <p:cNvPr id="1252" name="Google Shape;1252;g1ff189cb9ef_0_333:notes"/>
+          <p:cNvSpPr txBox="1">
+            <a:spLocks noGrp="1"/>
+          </p:cNvSpPr>
+          <p:nvPr>
+            <p:ph type="body" idx="1"/>
+          </p:nvPr>
+        </p:nvSpPr>
+        <p:spPr>
+          <a:xfrm>
+            <a:off x="685800" y="4343400"/>
+            <a:ext cx="5486400" cy="4114800"/>
+          </a:xfrm>
+          <a:prstGeom prst="rect">
+            <a:avLst/>
+          </a:prstGeom>
+        </p:spPr>
+        <p:txBody>
+          <a:bodyPr spcFirstLastPara="1" wrap="square" lIns="91425" tIns="91425" rIns="91425" bIns="91425" anchor="t" anchorCtr="0">
+            <a:noAutofit/>
+          </a:bodyPr>
+          <a:lstStyle/>
+          <a:p>
+            <a:pPr marL="0" lvl="0" indent="0" algn="l" rtl="0">
+              <a:spcBef>
+                <a:spcPts val="0"/>
+              </a:spcBef>
+              <a:spcAft>
+                <a:spcPts val="0"/>
+              </a:spcAft>
+              <a:buNone/>
+            </a:pPr>
+            <a:r>
+              <a:rPr lang="en-US" dirty="0"/>
+              <a:t>Drag – depends on surface area</a:t>
+            </a:r>
+          </a:p>
+          <a:p>
+            <a:pPr marL="0" lvl="0" indent="0" algn="l" rtl="0">
+              <a:spcBef>
+                <a:spcPts val="0"/>
+              </a:spcBef>
+              <a:spcAft>
+                <a:spcPts val="0"/>
+              </a:spcAft>
+              <a:buNone/>
+            </a:pPr>
+            <a:r>
+              <a:rPr lang="en-US" dirty="0"/>
+              <a:t>Lift – less relevant on rockets, but is due to fins – caused by angle of attack</a:t>
+            </a:r>
+            <a:endParaRPr dirty="0"/>
+          </a:p>
+        </p:txBody>
+      </p:sp>
+    </p:spTree>
     <p:extLst>
       <p:ext uri="{BB962C8B-B14F-4D97-AF65-F5344CB8AC3E}">
         <p14:creationId xmlns:p14="http://schemas.microsoft.com/office/powerpoint/2010/main" val="2542281110"/>
@@ -1419,7 +1626,7 @@
 </p:notes>
 </file>
 
-<file path=ppt/notesSlides/notesSlide7.xml><?xml version="1.0" encoding="utf-8"?>
+<file path=ppt/notesSlides/notesSlide8.xml><?xml version="1.0" encoding="utf-8"?>
 <p:notes xmlns:a="http://schemas.openxmlformats.org/drawingml/2006/main" xmlns:r="http://schemas.openxmlformats.org/officeDocument/2006/relationships" xmlns:p="http://schemas.openxmlformats.org/presentationml/2006/main" showMasterSp="0" showMasterPhAnim="0">
   <p:cSld>
     <p:spTree>
@@ -1511,100 +1718,11 @@
               </a:spcAft>
               <a:buNone/>
             </a:pPr>
-            <a:endParaRPr/>
+            <a:r>
+              <a:rPr lang="en-US" dirty="0"/>
+              <a:t>Things that affect viscosity: temperature and pressure</a:t>
+            </a:r>
           </a:p>
-        </p:txBody>
-      </p:sp>
-    </p:spTree>
-  </p:cSld>
-  <p:clrMapOvr>
-    <a:masterClrMapping/>
-  </p:clrMapOvr>
-</p:notes>
-</file>
-
-<file path=ppt/notesSlides/notesSlide8.xml><?xml version="1.0" encoding="utf-8"?>
-<p:notes xmlns:a="http://schemas.openxmlformats.org/drawingml/2006/main" xmlns:r="http://schemas.openxmlformats.org/officeDocument/2006/relationships" xmlns:p="http://schemas.openxmlformats.org/presentationml/2006/main" showMasterSp="0" showMasterPhAnim="0">
-  <p:cSld>
-    <p:spTree>
-      <p:nvGrpSpPr>
-        <p:cNvPr id="1" name="Shape 1237"/>
-        <p:cNvGrpSpPr/>
-        <p:nvPr/>
-      </p:nvGrpSpPr>
-      <p:grpSpPr>
-        <a:xfrm>
-          <a:off x="0" y="0"/>
-          <a:ext cx="0" cy="0"/>
-          <a:chOff x="0" y="0"/>
-          <a:chExt cx="0" cy="0"/>
-        </a:xfrm>
-      </p:grpSpPr>
-      <p:sp>
-        <p:nvSpPr>
-          <p:cNvPr id="1238" name="Google Shape;1238;g1ff189cb9ef_0_229:notes"/>
-          <p:cNvSpPr>
-            <a:spLocks noGrp="1" noRot="1" noChangeAspect="1"/>
-          </p:cNvSpPr>
-          <p:nvPr>
-            <p:ph type="sldImg" idx="2"/>
-          </p:nvPr>
-        </p:nvSpPr>
-        <p:spPr>
-          <a:xfrm>
-            <a:off x="381000" y="685800"/>
-            <a:ext cx="6096000" cy="3429000"/>
-          </a:xfrm>
-          <a:custGeom>
-            <a:avLst/>
-            <a:gdLst/>
-            <a:ahLst/>
-            <a:cxnLst/>
-            <a:rect l="l" t="t" r="r" b="b"/>
-            <a:pathLst>
-              <a:path w="120000" h="120000" extrusionOk="0">
-                <a:moveTo>
-                  <a:pt x="0" y="0"/>
-                </a:moveTo>
-                <a:lnTo>
-                  <a:pt x="120000" y="0"/>
-                </a:lnTo>
-                <a:lnTo>
-                  <a:pt x="120000" y="120000"/>
-                </a:lnTo>
-                <a:lnTo>
-                  <a:pt x="0" y="120000"/>
-                </a:lnTo>
-                <a:close/>
-              </a:path>
-            </a:pathLst>
-          </a:custGeom>
-        </p:spPr>
-      </p:sp>
-      <p:sp>
-        <p:nvSpPr>
-          <p:cNvPr id="1239" name="Google Shape;1239;g1ff189cb9ef_0_229:notes"/>
-          <p:cNvSpPr txBox="1">
-            <a:spLocks noGrp="1"/>
-          </p:cNvSpPr>
-          <p:nvPr>
-            <p:ph type="body" idx="1"/>
-          </p:nvPr>
-        </p:nvSpPr>
-        <p:spPr>
-          <a:xfrm>
-            <a:off x="685800" y="4343400"/>
-            <a:ext cx="5486400" cy="4114800"/>
-          </a:xfrm>
-          <a:prstGeom prst="rect">
-            <a:avLst/>
-          </a:prstGeom>
-        </p:spPr>
-        <p:txBody>
-          <a:bodyPr spcFirstLastPara="1" wrap="square" lIns="91425" tIns="91425" rIns="91425" bIns="91425" anchor="t" anchorCtr="0">
-            <a:noAutofit/>
-          </a:bodyPr>
-          <a:lstStyle/>
           <a:p>
             <a:pPr marL="0" lvl="0" indent="0" algn="l" rtl="0">
               <a:spcBef>
@@ -1617,7 +1735,7 @@
             </a:pPr>
             <a:r>
               <a:rPr lang="en-US" dirty="0"/>
-              <a:t>Sounding rockets – Rockets carrying scientific instruments into the upper atmosphere to take measurements of things like air quality and radiation in the air</a:t>
+              <a:t>Air is more compressible at low speeds and less compressible at high speeds because the particles don’t have time to get out of the way</a:t>
             </a:r>
             <a:endParaRPr dirty="0"/>
           </a:p>
@@ -1726,6 +1844,36 @@
             <a:r>
               <a:rPr lang="en-US" dirty="0"/>
               <a:t>Spin stabilization too</a:t>
+            </a:r>
+          </a:p>
+          <a:p>
+            <a:pPr marL="0" lvl="0" indent="0" algn="l" rtl="0">
+              <a:spcBef>
+                <a:spcPts val="0"/>
+              </a:spcBef>
+              <a:spcAft>
+                <a:spcPts val="0"/>
+              </a:spcAft>
+              <a:buNone/>
+            </a:pPr>
+            <a:r>
+              <a:rPr lang="en-US" dirty="0"/>
+              <a:t>CP = average surface area point</a:t>
+            </a:r>
+          </a:p>
+          <a:p>
+            <a:pPr marL="0" lvl="0" indent="0" algn="l" rtl="0">
+              <a:spcBef>
+                <a:spcPts val="0"/>
+              </a:spcBef>
+              <a:spcAft>
+                <a:spcPts val="0"/>
+              </a:spcAft>
+              <a:buNone/>
+            </a:pPr>
+            <a:r>
+              <a:rPr lang="en-US" dirty="0"/>
+              <a:t>The most important thing to consider when building a model rocket is CG vs CP ratio. Less important in actual rockets because of active control. Some missiles purposely have a low stability so that they can maneuver better, since there is less resistance to change. </a:t>
             </a:r>
             <a:endParaRPr dirty="0"/>
           </a:p>
@@ -32202,6 +32350,1529 @@
         </p:txBody>
       </p:sp>
     </p:spTree>
+  </p:cSld>
+  <p:clrMapOvr>
+    <a:masterClrMapping/>
+  </p:clrMapOvr>
+</p:sld>
+</file>
+
+<file path=ppt/slides/slide10.xml><?xml version="1.0" encoding="utf-8"?>
+<p:sld xmlns:a="http://schemas.openxmlformats.org/drawingml/2006/main" xmlns:r="http://schemas.openxmlformats.org/officeDocument/2006/relationships" xmlns:p="http://schemas.openxmlformats.org/presentationml/2006/main">
+  <p:cSld>
+    <p:spTree>
+      <p:nvGrpSpPr>
+        <p:cNvPr id="1" name=""/>
+        <p:cNvGrpSpPr/>
+        <p:nvPr/>
+      </p:nvGrpSpPr>
+      <p:grpSpPr>
+        <a:xfrm>
+          <a:off x="0" y="0"/>
+          <a:ext cx="0" cy="0"/>
+          <a:chOff x="0" y="0"/>
+          <a:chExt cx="0" cy="0"/>
+        </a:xfrm>
+      </p:grpSpPr>
+      <p:sp>
+        <p:nvSpPr>
+          <p:cNvPr id="11" name="Title 10">
+            <a:extLst>
+              <a:ext uri="{FF2B5EF4-FFF2-40B4-BE49-F238E27FC236}">
+                <a16:creationId xmlns:a16="http://schemas.microsoft.com/office/drawing/2014/main" id="{1889DA30-052C-B840-5EB0-09D34999C7FD}"/>
+              </a:ext>
+            </a:extLst>
+          </p:cNvPr>
+          <p:cNvSpPr>
+            <a:spLocks noGrp="1"/>
+          </p:cNvSpPr>
+          <p:nvPr>
+            <p:ph type="title" idx="9"/>
+          </p:nvPr>
+        </p:nvSpPr>
+        <p:spPr/>
+        <p:txBody>
+          <a:bodyPr/>
+          <a:lstStyle/>
+          <a:p>
+            <a:r>
+              <a:rPr lang="en-US" dirty="0"/>
+              <a:t>Fin Shapes</a:t>
+            </a:r>
+          </a:p>
+        </p:txBody>
+      </p:sp>
+      <p:pic>
+        <p:nvPicPr>
+          <p:cNvPr id="14" name="Picture 13">
+            <a:extLst>
+              <a:ext uri="{FF2B5EF4-FFF2-40B4-BE49-F238E27FC236}">
+                <a16:creationId xmlns:a16="http://schemas.microsoft.com/office/drawing/2014/main" id="{6D5995DB-BEF9-2C3F-6B63-5B323BCDD3B3}"/>
+              </a:ext>
+            </a:extLst>
+          </p:cNvPr>
+          <p:cNvPicPr>
+            <a:picLocks noChangeAspect="1"/>
+          </p:cNvPicPr>
+          <p:nvPr/>
+        </p:nvPicPr>
+        <p:blipFill>
+          <a:blip r:embed="rId3"/>
+          <a:stretch>
+            <a:fillRect/>
+          </a:stretch>
+        </p:blipFill>
+        <p:spPr>
+          <a:xfrm>
+            <a:off x="367770" y="1299263"/>
+            <a:ext cx="8648075" cy="2046609"/>
+          </a:xfrm>
+          <a:prstGeom prst="rect">
+            <a:avLst/>
+          </a:prstGeom>
+        </p:spPr>
+      </p:pic>
+      <p:sp>
+        <p:nvSpPr>
+          <p:cNvPr id="2" name="Google Shape;1225;p47">
+            <a:extLst>
+              <a:ext uri="{FF2B5EF4-FFF2-40B4-BE49-F238E27FC236}">
+                <a16:creationId xmlns:a16="http://schemas.microsoft.com/office/drawing/2014/main" id="{7BBB4CEF-1118-DD3E-407B-D579DCD1749E}"/>
+              </a:ext>
+            </a:extLst>
+          </p:cNvPr>
+          <p:cNvSpPr txBox="1">
+            <a:spLocks/>
+          </p:cNvSpPr>
+          <p:nvPr/>
+        </p:nvSpPr>
+        <p:spPr>
+          <a:xfrm>
+            <a:off x="671073" y="3472829"/>
+            <a:ext cx="1375500" cy="510352"/>
+          </a:xfrm>
+          <a:prstGeom prst="rect">
+            <a:avLst/>
+          </a:prstGeom>
+          <a:noFill/>
+          <a:ln>
+            <a:noFill/>
+          </a:ln>
+        </p:spPr>
+        <p:txBody>
+          <a:bodyPr spcFirstLastPara="1" wrap="square" lIns="91425" tIns="91425" rIns="91425" bIns="91425" anchor="t" anchorCtr="0">
+            <a:noAutofit/>
+          </a:bodyPr>
+          <a:lstStyle>
+            <a:defPPr marR="0" lvl="0" algn="l" rtl="0">
+              <a:lnSpc>
+                <a:spcPct val="100000"/>
+              </a:lnSpc>
+              <a:spcBef>
+                <a:spcPts val="0"/>
+              </a:spcBef>
+              <a:spcAft>
+                <a:spcPts val="0"/>
+              </a:spcAft>
+            </a:defPPr>
+            <a:lvl1pPr marL="457200" marR="0" lvl="0" indent="-323850" algn="ctr" rtl="0">
+              <a:lnSpc>
+                <a:spcPct val="100000"/>
+              </a:lnSpc>
+              <a:spcBef>
+                <a:spcPts val="0"/>
+              </a:spcBef>
+              <a:spcAft>
+                <a:spcPts val="0"/>
+              </a:spcAft>
+              <a:buClr>
+                <a:schemeClr val="lt1"/>
+              </a:buClr>
+              <a:buSzPts val="1500"/>
+              <a:buFont typeface="Chivo"/>
+              <a:buNone/>
+              <a:defRPr sz="2200" b="0" i="0" u="none" strike="noStrike" cap="none">
+                <a:solidFill>
+                  <a:schemeClr val="lt1"/>
+                </a:solidFill>
+                <a:latin typeface="Anek Devanagari ExtraBold"/>
+                <a:ea typeface="Anek Devanagari ExtraBold"/>
+                <a:cs typeface="Anek Devanagari ExtraBold"/>
+                <a:sym typeface="Anek Devanagari ExtraBold"/>
+              </a:defRPr>
+            </a:lvl1pPr>
+            <a:lvl2pPr marL="914400" marR="0" lvl="1" indent="-323850" algn="l" rtl="0">
+              <a:lnSpc>
+                <a:spcPct val="100000"/>
+              </a:lnSpc>
+              <a:spcBef>
+                <a:spcPts val="0"/>
+              </a:spcBef>
+              <a:spcAft>
+                <a:spcPts val="0"/>
+              </a:spcAft>
+              <a:buClr>
+                <a:schemeClr val="lt1"/>
+              </a:buClr>
+              <a:buSzPts val="1500"/>
+              <a:buFont typeface="Chivo"/>
+              <a:buNone/>
+              <a:defRPr sz="2200" b="0" i="0" u="none" strike="noStrike" cap="none">
+                <a:solidFill>
+                  <a:schemeClr val="lt1"/>
+                </a:solidFill>
+                <a:latin typeface="Anek Devanagari ExtraBold"/>
+                <a:ea typeface="Anek Devanagari ExtraBold"/>
+                <a:cs typeface="Anek Devanagari ExtraBold"/>
+                <a:sym typeface="Anek Devanagari ExtraBold"/>
+              </a:defRPr>
+            </a:lvl2pPr>
+            <a:lvl3pPr marL="1371600" marR="0" lvl="2" indent="-323850" algn="l" rtl="0">
+              <a:lnSpc>
+                <a:spcPct val="100000"/>
+              </a:lnSpc>
+              <a:spcBef>
+                <a:spcPts val="0"/>
+              </a:spcBef>
+              <a:spcAft>
+                <a:spcPts val="0"/>
+              </a:spcAft>
+              <a:buClr>
+                <a:schemeClr val="lt1"/>
+              </a:buClr>
+              <a:buSzPts val="1500"/>
+              <a:buFont typeface="Chivo"/>
+              <a:buNone/>
+              <a:defRPr sz="2200" b="0" i="0" u="none" strike="noStrike" cap="none">
+                <a:solidFill>
+                  <a:schemeClr val="lt1"/>
+                </a:solidFill>
+                <a:latin typeface="Anek Devanagari ExtraBold"/>
+                <a:ea typeface="Anek Devanagari ExtraBold"/>
+                <a:cs typeface="Anek Devanagari ExtraBold"/>
+                <a:sym typeface="Anek Devanagari ExtraBold"/>
+              </a:defRPr>
+            </a:lvl3pPr>
+            <a:lvl4pPr marL="1828800" marR="0" lvl="3" indent="-323850" algn="l" rtl="0">
+              <a:lnSpc>
+                <a:spcPct val="100000"/>
+              </a:lnSpc>
+              <a:spcBef>
+                <a:spcPts val="0"/>
+              </a:spcBef>
+              <a:spcAft>
+                <a:spcPts val="0"/>
+              </a:spcAft>
+              <a:buClr>
+                <a:schemeClr val="lt1"/>
+              </a:buClr>
+              <a:buSzPts val="1500"/>
+              <a:buFont typeface="Chivo"/>
+              <a:buNone/>
+              <a:defRPr sz="2200" b="0" i="0" u="none" strike="noStrike" cap="none">
+                <a:solidFill>
+                  <a:schemeClr val="lt1"/>
+                </a:solidFill>
+                <a:latin typeface="Anek Devanagari ExtraBold"/>
+                <a:ea typeface="Anek Devanagari ExtraBold"/>
+                <a:cs typeface="Anek Devanagari ExtraBold"/>
+                <a:sym typeface="Anek Devanagari ExtraBold"/>
+              </a:defRPr>
+            </a:lvl4pPr>
+            <a:lvl5pPr marL="2286000" marR="0" lvl="4" indent="-323850" algn="l" rtl="0">
+              <a:lnSpc>
+                <a:spcPct val="100000"/>
+              </a:lnSpc>
+              <a:spcBef>
+                <a:spcPts val="0"/>
+              </a:spcBef>
+              <a:spcAft>
+                <a:spcPts val="0"/>
+              </a:spcAft>
+              <a:buClr>
+                <a:schemeClr val="lt1"/>
+              </a:buClr>
+              <a:buSzPts val="1500"/>
+              <a:buFont typeface="Chivo"/>
+              <a:buNone/>
+              <a:defRPr sz="2200" b="0" i="0" u="none" strike="noStrike" cap="none">
+                <a:solidFill>
+                  <a:schemeClr val="lt1"/>
+                </a:solidFill>
+                <a:latin typeface="Anek Devanagari ExtraBold"/>
+                <a:ea typeface="Anek Devanagari ExtraBold"/>
+                <a:cs typeface="Anek Devanagari ExtraBold"/>
+                <a:sym typeface="Anek Devanagari ExtraBold"/>
+              </a:defRPr>
+            </a:lvl5pPr>
+            <a:lvl6pPr marL="2743200" marR="0" lvl="5" indent="-323850" algn="l" rtl="0">
+              <a:lnSpc>
+                <a:spcPct val="100000"/>
+              </a:lnSpc>
+              <a:spcBef>
+                <a:spcPts val="0"/>
+              </a:spcBef>
+              <a:spcAft>
+                <a:spcPts val="0"/>
+              </a:spcAft>
+              <a:buClr>
+                <a:schemeClr val="lt1"/>
+              </a:buClr>
+              <a:buSzPts val="1500"/>
+              <a:buFont typeface="Chivo"/>
+              <a:buNone/>
+              <a:defRPr sz="2200" b="0" i="0" u="none" strike="noStrike" cap="none">
+                <a:solidFill>
+                  <a:schemeClr val="lt1"/>
+                </a:solidFill>
+                <a:latin typeface="Anek Devanagari ExtraBold"/>
+                <a:ea typeface="Anek Devanagari ExtraBold"/>
+                <a:cs typeface="Anek Devanagari ExtraBold"/>
+                <a:sym typeface="Anek Devanagari ExtraBold"/>
+              </a:defRPr>
+            </a:lvl6pPr>
+            <a:lvl7pPr marL="3200400" marR="0" lvl="6" indent="-323850" algn="l" rtl="0">
+              <a:lnSpc>
+                <a:spcPct val="100000"/>
+              </a:lnSpc>
+              <a:spcBef>
+                <a:spcPts val="0"/>
+              </a:spcBef>
+              <a:spcAft>
+                <a:spcPts val="0"/>
+              </a:spcAft>
+              <a:buClr>
+                <a:schemeClr val="lt1"/>
+              </a:buClr>
+              <a:buSzPts val="1500"/>
+              <a:buFont typeface="Chivo"/>
+              <a:buNone/>
+              <a:defRPr sz="2200" b="0" i="0" u="none" strike="noStrike" cap="none">
+                <a:solidFill>
+                  <a:schemeClr val="lt1"/>
+                </a:solidFill>
+                <a:latin typeface="Anek Devanagari ExtraBold"/>
+                <a:ea typeface="Anek Devanagari ExtraBold"/>
+                <a:cs typeface="Anek Devanagari ExtraBold"/>
+                <a:sym typeface="Anek Devanagari ExtraBold"/>
+              </a:defRPr>
+            </a:lvl7pPr>
+            <a:lvl8pPr marL="3657600" marR="0" lvl="7" indent="-323850" algn="l" rtl="0">
+              <a:lnSpc>
+                <a:spcPct val="100000"/>
+              </a:lnSpc>
+              <a:spcBef>
+                <a:spcPts val="0"/>
+              </a:spcBef>
+              <a:spcAft>
+                <a:spcPts val="0"/>
+              </a:spcAft>
+              <a:buClr>
+                <a:schemeClr val="lt1"/>
+              </a:buClr>
+              <a:buSzPts val="1500"/>
+              <a:buFont typeface="Chivo"/>
+              <a:buNone/>
+              <a:defRPr sz="2200" b="0" i="0" u="none" strike="noStrike" cap="none">
+                <a:solidFill>
+                  <a:schemeClr val="lt1"/>
+                </a:solidFill>
+                <a:latin typeface="Anek Devanagari ExtraBold"/>
+                <a:ea typeface="Anek Devanagari ExtraBold"/>
+                <a:cs typeface="Anek Devanagari ExtraBold"/>
+                <a:sym typeface="Anek Devanagari ExtraBold"/>
+              </a:defRPr>
+            </a:lvl8pPr>
+            <a:lvl9pPr marL="4114800" marR="0" lvl="8" indent="-323850" algn="l" rtl="0">
+              <a:lnSpc>
+                <a:spcPct val="100000"/>
+              </a:lnSpc>
+              <a:spcBef>
+                <a:spcPts val="0"/>
+              </a:spcBef>
+              <a:spcAft>
+                <a:spcPts val="0"/>
+              </a:spcAft>
+              <a:buClr>
+                <a:schemeClr val="lt1"/>
+              </a:buClr>
+              <a:buSzPts val="1500"/>
+              <a:buFont typeface="Chivo"/>
+              <a:buNone/>
+              <a:defRPr sz="2200" b="0" i="0" u="none" strike="noStrike" cap="none">
+                <a:solidFill>
+                  <a:schemeClr val="lt1"/>
+                </a:solidFill>
+                <a:latin typeface="Anek Devanagari ExtraBold"/>
+                <a:ea typeface="Anek Devanagari ExtraBold"/>
+                <a:cs typeface="Anek Devanagari ExtraBold"/>
+                <a:sym typeface="Anek Devanagari ExtraBold"/>
+              </a:defRPr>
+            </a:lvl9pPr>
+          </a:lstStyle>
+          <a:p>
+            <a:pPr marL="0" indent="0" algn="l"/>
+            <a:r>
+              <a:rPr lang="en-US" dirty="0"/>
+              <a:t>Elliptical</a:t>
+            </a:r>
+          </a:p>
+        </p:txBody>
+      </p:sp>
+      <p:sp>
+        <p:nvSpPr>
+          <p:cNvPr id="3" name="Google Shape;1225;p47">
+            <a:extLst>
+              <a:ext uri="{FF2B5EF4-FFF2-40B4-BE49-F238E27FC236}">
+                <a16:creationId xmlns:a16="http://schemas.microsoft.com/office/drawing/2014/main" id="{E163674D-349D-EA11-B363-D09715260850}"/>
+              </a:ext>
+            </a:extLst>
+          </p:cNvPr>
+          <p:cNvSpPr txBox="1">
+            <a:spLocks/>
+          </p:cNvSpPr>
+          <p:nvPr/>
+        </p:nvSpPr>
+        <p:spPr>
+          <a:xfrm>
+            <a:off x="2304614" y="3472829"/>
+            <a:ext cx="1714936" cy="510352"/>
+          </a:xfrm>
+          <a:prstGeom prst="rect">
+            <a:avLst/>
+          </a:prstGeom>
+          <a:noFill/>
+          <a:ln>
+            <a:noFill/>
+          </a:ln>
+        </p:spPr>
+        <p:txBody>
+          <a:bodyPr spcFirstLastPara="1" wrap="square" lIns="91425" tIns="91425" rIns="91425" bIns="91425" anchor="t" anchorCtr="0">
+            <a:noAutofit/>
+          </a:bodyPr>
+          <a:lstStyle>
+            <a:defPPr marR="0" lvl="0" algn="l" rtl="0">
+              <a:lnSpc>
+                <a:spcPct val="100000"/>
+              </a:lnSpc>
+              <a:spcBef>
+                <a:spcPts val="0"/>
+              </a:spcBef>
+              <a:spcAft>
+                <a:spcPts val="0"/>
+              </a:spcAft>
+            </a:defPPr>
+            <a:lvl1pPr marL="457200" marR="0" lvl="0" indent="-323850" algn="ctr" rtl="0">
+              <a:lnSpc>
+                <a:spcPct val="100000"/>
+              </a:lnSpc>
+              <a:spcBef>
+                <a:spcPts val="0"/>
+              </a:spcBef>
+              <a:spcAft>
+                <a:spcPts val="0"/>
+              </a:spcAft>
+              <a:buClr>
+                <a:schemeClr val="lt1"/>
+              </a:buClr>
+              <a:buSzPts val="1500"/>
+              <a:buFont typeface="Chivo"/>
+              <a:buNone/>
+              <a:defRPr sz="2200" b="0" i="0" u="none" strike="noStrike" cap="none">
+                <a:solidFill>
+                  <a:schemeClr val="lt1"/>
+                </a:solidFill>
+                <a:latin typeface="Anek Devanagari ExtraBold"/>
+                <a:ea typeface="Anek Devanagari ExtraBold"/>
+                <a:cs typeface="Anek Devanagari ExtraBold"/>
+                <a:sym typeface="Anek Devanagari ExtraBold"/>
+              </a:defRPr>
+            </a:lvl1pPr>
+            <a:lvl2pPr marL="914400" marR="0" lvl="1" indent="-323850" algn="l" rtl="0">
+              <a:lnSpc>
+                <a:spcPct val="100000"/>
+              </a:lnSpc>
+              <a:spcBef>
+                <a:spcPts val="0"/>
+              </a:spcBef>
+              <a:spcAft>
+                <a:spcPts val="0"/>
+              </a:spcAft>
+              <a:buClr>
+                <a:schemeClr val="lt1"/>
+              </a:buClr>
+              <a:buSzPts val="1500"/>
+              <a:buFont typeface="Chivo"/>
+              <a:buNone/>
+              <a:defRPr sz="2200" b="0" i="0" u="none" strike="noStrike" cap="none">
+                <a:solidFill>
+                  <a:schemeClr val="lt1"/>
+                </a:solidFill>
+                <a:latin typeface="Anek Devanagari ExtraBold"/>
+                <a:ea typeface="Anek Devanagari ExtraBold"/>
+                <a:cs typeface="Anek Devanagari ExtraBold"/>
+                <a:sym typeface="Anek Devanagari ExtraBold"/>
+              </a:defRPr>
+            </a:lvl2pPr>
+            <a:lvl3pPr marL="1371600" marR="0" lvl="2" indent="-323850" algn="l" rtl="0">
+              <a:lnSpc>
+                <a:spcPct val="100000"/>
+              </a:lnSpc>
+              <a:spcBef>
+                <a:spcPts val="0"/>
+              </a:spcBef>
+              <a:spcAft>
+                <a:spcPts val="0"/>
+              </a:spcAft>
+              <a:buClr>
+                <a:schemeClr val="lt1"/>
+              </a:buClr>
+              <a:buSzPts val="1500"/>
+              <a:buFont typeface="Chivo"/>
+              <a:buNone/>
+              <a:defRPr sz="2200" b="0" i="0" u="none" strike="noStrike" cap="none">
+                <a:solidFill>
+                  <a:schemeClr val="lt1"/>
+                </a:solidFill>
+                <a:latin typeface="Anek Devanagari ExtraBold"/>
+                <a:ea typeface="Anek Devanagari ExtraBold"/>
+                <a:cs typeface="Anek Devanagari ExtraBold"/>
+                <a:sym typeface="Anek Devanagari ExtraBold"/>
+              </a:defRPr>
+            </a:lvl3pPr>
+            <a:lvl4pPr marL="1828800" marR="0" lvl="3" indent="-323850" algn="l" rtl="0">
+              <a:lnSpc>
+                <a:spcPct val="100000"/>
+              </a:lnSpc>
+              <a:spcBef>
+                <a:spcPts val="0"/>
+              </a:spcBef>
+              <a:spcAft>
+                <a:spcPts val="0"/>
+              </a:spcAft>
+              <a:buClr>
+                <a:schemeClr val="lt1"/>
+              </a:buClr>
+              <a:buSzPts val="1500"/>
+              <a:buFont typeface="Chivo"/>
+              <a:buNone/>
+              <a:defRPr sz="2200" b="0" i="0" u="none" strike="noStrike" cap="none">
+                <a:solidFill>
+                  <a:schemeClr val="lt1"/>
+                </a:solidFill>
+                <a:latin typeface="Anek Devanagari ExtraBold"/>
+                <a:ea typeface="Anek Devanagari ExtraBold"/>
+                <a:cs typeface="Anek Devanagari ExtraBold"/>
+                <a:sym typeface="Anek Devanagari ExtraBold"/>
+              </a:defRPr>
+            </a:lvl4pPr>
+            <a:lvl5pPr marL="2286000" marR="0" lvl="4" indent="-323850" algn="l" rtl="0">
+              <a:lnSpc>
+                <a:spcPct val="100000"/>
+              </a:lnSpc>
+              <a:spcBef>
+                <a:spcPts val="0"/>
+              </a:spcBef>
+              <a:spcAft>
+                <a:spcPts val="0"/>
+              </a:spcAft>
+              <a:buClr>
+                <a:schemeClr val="lt1"/>
+              </a:buClr>
+              <a:buSzPts val="1500"/>
+              <a:buFont typeface="Chivo"/>
+              <a:buNone/>
+              <a:defRPr sz="2200" b="0" i="0" u="none" strike="noStrike" cap="none">
+                <a:solidFill>
+                  <a:schemeClr val="lt1"/>
+                </a:solidFill>
+                <a:latin typeface="Anek Devanagari ExtraBold"/>
+                <a:ea typeface="Anek Devanagari ExtraBold"/>
+                <a:cs typeface="Anek Devanagari ExtraBold"/>
+                <a:sym typeface="Anek Devanagari ExtraBold"/>
+              </a:defRPr>
+            </a:lvl5pPr>
+            <a:lvl6pPr marL="2743200" marR="0" lvl="5" indent="-323850" algn="l" rtl="0">
+              <a:lnSpc>
+                <a:spcPct val="100000"/>
+              </a:lnSpc>
+              <a:spcBef>
+                <a:spcPts val="0"/>
+              </a:spcBef>
+              <a:spcAft>
+                <a:spcPts val="0"/>
+              </a:spcAft>
+              <a:buClr>
+                <a:schemeClr val="lt1"/>
+              </a:buClr>
+              <a:buSzPts val="1500"/>
+              <a:buFont typeface="Chivo"/>
+              <a:buNone/>
+              <a:defRPr sz="2200" b="0" i="0" u="none" strike="noStrike" cap="none">
+                <a:solidFill>
+                  <a:schemeClr val="lt1"/>
+                </a:solidFill>
+                <a:latin typeface="Anek Devanagari ExtraBold"/>
+                <a:ea typeface="Anek Devanagari ExtraBold"/>
+                <a:cs typeface="Anek Devanagari ExtraBold"/>
+                <a:sym typeface="Anek Devanagari ExtraBold"/>
+              </a:defRPr>
+            </a:lvl6pPr>
+            <a:lvl7pPr marL="3200400" marR="0" lvl="6" indent="-323850" algn="l" rtl="0">
+              <a:lnSpc>
+                <a:spcPct val="100000"/>
+              </a:lnSpc>
+              <a:spcBef>
+                <a:spcPts val="0"/>
+              </a:spcBef>
+              <a:spcAft>
+                <a:spcPts val="0"/>
+              </a:spcAft>
+              <a:buClr>
+                <a:schemeClr val="lt1"/>
+              </a:buClr>
+              <a:buSzPts val="1500"/>
+              <a:buFont typeface="Chivo"/>
+              <a:buNone/>
+              <a:defRPr sz="2200" b="0" i="0" u="none" strike="noStrike" cap="none">
+                <a:solidFill>
+                  <a:schemeClr val="lt1"/>
+                </a:solidFill>
+                <a:latin typeface="Anek Devanagari ExtraBold"/>
+                <a:ea typeface="Anek Devanagari ExtraBold"/>
+                <a:cs typeface="Anek Devanagari ExtraBold"/>
+                <a:sym typeface="Anek Devanagari ExtraBold"/>
+              </a:defRPr>
+            </a:lvl7pPr>
+            <a:lvl8pPr marL="3657600" marR="0" lvl="7" indent="-323850" algn="l" rtl="0">
+              <a:lnSpc>
+                <a:spcPct val="100000"/>
+              </a:lnSpc>
+              <a:spcBef>
+                <a:spcPts val="0"/>
+              </a:spcBef>
+              <a:spcAft>
+                <a:spcPts val="0"/>
+              </a:spcAft>
+              <a:buClr>
+                <a:schemeClr val="lt1"/>
+              </a:buClr>
+              <a:buSzPts val="1500"/>
+              <a:buFont typeface="Chivo"/>
+              <a:buNone/>
+              <a:defRPr sz="2200" b="0" i="0" u="none" strike="noStrike" cap="none">
+                <a:solidFill>
+                  <a:schemeClr val="lt1"/>
+                </a:solidFill>
+                <a:latin typeface="Anek Devanagari ExtraBold"/>
+                <a:ea typeface="Anek Devanagari ExtraBold"/>
+                <a:cs typeface="Anek Devanagari ExtraBold"/>
+                <a:sym typeface="Anek Devanagari ExtraBold"/>
+              </a:defRPr>
+            </a:lvl8pPr>
+            <a:lvl9pPr marL="4114800" marR="0" lvl="8" indent="-323850" algn="l" rtl="0">
+              <a:lnSpc>
+                <a:spcPct val="100000"/>
+              </a:lnSpc>
+              <a:spcBef>
+                <a:spcPts val="0"/>
+              </a:spcBef>
+              <a:spcAft>
+                <a:spcPts val="0"/>
+              </a:spcAft>
+              <a:buClr>
+                <a:schemeClr val="lt1"/>
+              </a:buClr>
+              <a:buSzPts val="1500"/>
+              <a:buFont typeface="Chivo"/>
+              <a:buNone/>
+              <a:defRPr sz="2200" b="0" i="0" u="none" strike="noStrike" cap="none">
+                <a:solidFill>
+                  <a:schemeClr val="lt1"/>
+                </a:solidFill>
+                <a:latin typeface="Anek Devanagari ExtraBold"/>
+                <a:ea typeface="Anek Devanagari ExtraBold"/>
+                <a:cs typeface="Anek Devanagari ExtraBold"/>
+                <a:sym typeface="Anek Devanagari ExtraBold"/>
+              </a:defRPr>
+            </a:lvl9pPr>
+          </a:lstStyle>
+          <a:p>
+            <a:pPr marL="0" indent="0" algn="l"/>
+            <a:r>
+              <a:rPr lang="en-US" dirty="0"/>
+              <a:t>Trapezoidal</a:t>
+            </a:r>
+          </a:p>
+        </p:txBody>
+      </p:sp>
+      <p:sp>
+        <p:nvSpPr>
+          <p:cNvPr id="4" name="Google Shape;1225;p47">
+            <a:extLst>
+              <a:ext uri="{FF2B5EF4-FFF2-40B4-BE49-F238E27FC236}">
+                <a16:creationId xmlns:a16="http://schemas.microsoft.com/office/drawing/2014/main" id="{BF40A601-DAB5-2450-656F-C2E13DBD0501}"/>
+              </a:ext>
+            </a:extLst>
+          </p:cNvPr>
+          <p:cNvSpPr txBox="1">
+            <a:spLocks/>
+          </p:cNvSpPr>
+          <p:nvPr/>
+        </p:nvSpPr>
+        <p:spPr>
+          <a:xfrm>
+            <a:off x="4166755" y="3472829"/>
+            <a:ext cx="1132609" cy="510352"/>
+          </a:xfrm>
+          <a:prstGeom prst="rect">
+            <a:avLst/>
+          </a:prstGeom>
+          <a:noFill/>
+          <a:ln>
+            <a:noFill/>
+          </a:ln>
+        </p:spPr>
+        <p:txBody>
+          <a:bodyPr spcFirstLastPara="1" wrap="square" lIns="91425" tIns="91425" rIns="91425" bIns="91425" anchor="t" anchorCtr="0">
+            <a:noAutofit/>
+          </a:bodyPr>
+          <a:lstStyle>
+            <a:defPPr marR="0" lvl="0" algn="l" rtl="0">
+              <a:lnSpc>
+                <a:spcPct val="100000"/>
+              </a:lnSpc>
+              <a:spcBef>
+                <a:spcPts val="0"/>
+              </a:spcBef>
+              <a:spcAft>
+                <a:spcPts val="0"/>
+              </a:spcAft>
+            </a:defPPr>
+            <a:lvl1pPr marL="457200" marR="0" lvl="0" indent="-323850" algn="ctr" rtl="0">
+              <a:lnSpc>
+                <a:spcPct val="100000"/>
+              </a:lnSpc>
+              <a:spcBef>
+                <a:spcPts val="0"/>
+              </a:spcBef>
+              <a:spcAft>
+                <a:spcPts val="0"/>
+              </a:spcAft>
+              <a:buClr>
+                <a:schemeClr val="lt1"/>
+              </a:buClr>
+              <a:buSzPts val="1500"/>
+              <a:buFont typeface="Chivo"/>
+              <a:buNone/>
+              <a:defRPr sz="2200" b="0" i="0" u="none" strike="noStrike" cap="none">
+                <a:solidFill>
+                  <a:schemeClr val="lt1"/>
+                </a:solidFill>
+                <a:latin typeface="Anek Devanagari ExtraBold"/>
+                <a:ea typeface="Anek Devanagari ExtraBold"/>
+                <a:cs typeface="Anek Devanagari ExtraBold"/>
+                <a:sym typeface="Anek Devanagari ExtraBold"/>
+              </a:defRPr>
+            </a:lvl1pPr>
+            <a:lvl2pPr marL="914400" marR="0" lvl="1" indent="-323850" algn="l" rtl="0">
+              <a:lnSpc>
+                <a:spcPct val="100000"/>
+              </a:lnSpc>
+              <a:spcBef>
+                <a:spcPts val="0"/>
+              </a:spcBef>
+              <a:spcAft>
+                <a:spcPts val="0"/>
+              </a:spcAft>
+              <a:buClr>
+                <a:schemeClr val="lt1"/>
+              </a:buClr>
+              <a:buSzPts val="1500"/>
+              <a:buFont typeface="Chivo"/>
+              <a:buNone/>
+              <a:defRPr sz="2200" b="0" i="0" u="none" strike="noStrike" cap="none">
+                <a:solidFill>
+                  <a:schemeClr val="lt1"/>
+                </a:solidFill>
+                <a:latin typeface="Anek Devanagari ExtraBold"/>
+                <a:ea typeface="Anek Devanagari ExtraBold"/>
+                <a:cs typeface="Anek Devanagari ExtraBold"/>
+                <a:sym typeface="Anek Devanagari ExtraBold"/>
+              </a:defRPr>
+            </a:lvl2pPr>
+            <a:lvl3pPr marL="1371600" marR="0" lvl="2" indent="-323850" algn="l" rtl="0">
+              <a:lnSpc>
+                <a:spcPct val="100000"/>
+              </a:lnSpc>
+              <a:spcBef>
+                <a:spcPts val="0"/>
+              </a:spcBef>
+              <a:spcAft>
+                <a:spcPts val="0"/>
+              </a:spcAft>
+              <a:buClr>
+                <a:schemeClr val="lt1"/>
+              </a:buClr>
+              <a:buSzPts val="1500"/>
+              <a:buFont typeface="Chivo"/>
+              <a:buNone/>
+              <a:defRPr sz="2200" b="0" i="0" u="none" strike="noStrike" cap="none">
+                <a:solidFill>
+                  <a:schemeClr val="lt1"/>
+                </a:solidFill>
+                <a:latin typeface="Anek Devanagari ExtraBold"/>
+                <a:ea typeface="Anek Devanagari ExtraBold"/>
+                <a:cs typeface="Anek Devanagari ExtraBold"/>
+                <a:sym typeface="Anek Devanagari ExtraBold"/>
+              </a:defRPr>
+            </a:lvl3pPr>
+            <a:lvl4pPr marL="1828800" marR="0" lvl="3" indent="-323850" algn="l" rtl="0">
+              <a:lnSpc>
+                <a:spcPct val="100000"/>
+              </a:lnSpc>
+              <a:spcBef>
+                <a:spcPts val="0"/>
+              </a:spcBef>
+              <a:spcAft>
+                <a:spcPts val="0"/>
+              </a:spcAft>
+              <a:buClr>
+                <a:schemeClr val="lt1"/>
+              </a:buClr>
+              <a:buSzPts val="1500"/>
+              <a:buFont typeface="Chivo"/>
+              <a:buNone/>
+              <a:defRPr sz="2200" b="0" i="0" u="none" strike="noStrike" cap="none">
+                <a:solidFill>
+                  <a:schemeClr val="lt1"/>
+                </a:solidFill>
+                <a:latin typeface="Anek Devanagari ExtraBold"/>
+                <a:ea typeface="Anek Devanagari ExtraBold"/>
+                <a:cs typeface="Anek Devanagari ExtraBold"/>
+                <a:sym typeface="Anek Devanagari ExtraBold"/>
+              </a:defRPr>
+            </a:lvl4pPr>
+            <a:lvl5pPr marL="2286000" marR="0" lvl="4" indent="-323850" algn="l" rtl="0">
+              <a:lnSpc>
+                <a:spcPct val="100000"/>
+              </a:lnSpc>
+              <a:spcBef>
+                <a:spcPts val="0"/>
+              </a:spcBef>
+              <a:spcAft>
+                <a:spcPts val="0"/>
+              </a:spcAft>
+              <a:buClr>
+                <a:schemeClr val="lt1"/>
+              </a:buClr>
+              <a:buSzPts val="1500"/>
+              <a:buFont typeface="Chivo"/>
+              <a:buNone/>
+              <a:defRPr sz="2200" b="0" i="0" u="none" strike="noStrike" cap="none">
+                <a:solidFill>
+                  <a:schemeClr val="lt1"/>
+                </a:solidFill>
+                <a:latin typeface="Anek Devanagari ExtraBold"/>
+                <a:ea typeface="Anek Devanagari ExtraBold"/>
+                <a:cs typeface="Anek Devanagari ExtraBold"/>
+                <a:sym typeface="Anek Devanagari ExtraBold"/>
+              </a:defRPr>
+            </a:lvl5pPr>
+            <a:lvl6pPr marL="2743200" marR="0" lvl="5" indent="-323850" algn="l" rtl="0">
+              <a:lnSpc>
+                <a:spcPct val="100000"/>
+              </a:lnSpc>
+              <a:spcBef>
+                <a:spcPts val="0"/>
+              </a:spcBef>
+              <a:spcAft>
+                <a:spcPts val="0"/>
+              </a:spcAft>
+              <a:buClr>
+                <a:schemeClr val="lt1"/>
+              </a:buClr>
+              <a:buSzPts val="1500"/>
+              <a:buFont typeface="Chivo"/>
+              <a:buNone/>
+              <a:defRPr sz="2200" b="0" i="0" u="none" strike="noStrike" cap="none">
+                <a:solidFill>
+                  <a:schemeClr val="lt1"/>
+                </a:solidFill>
+                <a:latin typeface="Anek Devanagari ExtraBold"/>
+                <a:ea typeface="Anek Devanagari ExtraBold"/>
+                <a:cs typeface="Anek Devanagari ExtraBold"/>
+                <a:sym typeface="Anek Devanagari ExtraBold"/>
+              </a:defRPr>
+            </a:lvl6pPr>
+            <a:lvl7pPr marL="3200400" marR="0" lvl="6" indent="-323850" algn="l" rtl="0">
+              <a:lnSpc>
+                <a:spcPct val="100000"/>
+              </a:lnSpc>
+              <a:spcBef>
+                <a:spcPts val="0"/>
+              </a:spcBef>
+              <a:spcAft>
+                <a:spcPts val="0"/>
+              </a:spcAft>
+              <a:buClr>
+                <a:schemeClr val="lt1"/>
+              </a:buClr>
+              <a:buSzPts val="1500"/>
+              <a:buFont typeface="Chivo"/>
+              <a:buNone/>
+              <a:defRPr sz="2200" b="0" i="0" u="none" strike="noStrike" cap="none">
+                <a:solidFill>
+                  <a:schemeClr val="lt1"/>
+                </a:solidFill>
+                <a:latin typeface="Anek Devanagari ExtraBold"/>
+                <a:ea typeface="Anek Devanagari ExtraBold"/>
+                <a:cs typeface="Anek Devanagari ExtraBold"/>
+                <a:sym typeface="Anek Devanagari ExtraBold"/>
+              </a:defRPr>
+            </a:lvl7pPr>
+            <a:lvl8pPr marL="3657600" marR="0" lvl="7" indent="-323850" algn="l" rtl="0">
+              <a:lnSpc>
+                <a:spcPct val="100000"/>
+              </a:lnSpc>
+              <a:spcBef>
+                <a:spcPts val="0"/>
+              </a:spcBef>
+              <a:spcAft>
+                <a:spcPts val="0"/>
+              </a:spcAft>
+              <a:buClr>
+                <a:schemeClr val="lt1"/>
+              </a:buClr>
+              <a:buSzPts val="1500"/>
+              <a:buFont typeface="Chivo"/>
+              <a:buNone/>
+              <a:defRPr sz="2200" b="0" i="0" u="none" strike="noStrike" cap="none">
+                <a:solidFill>
+                  <a:schemeClr val="lt1"/>
+                </a:solidFill>
+                <a:latin typeface="Anek Devanagari ExtraBold"/>
+                <a:ea typeface="Anek Devanagari ExtraBold"/>
+                <a:cs typeface="Anek Devanagari ExtraBold"/>
+                <a:sym typeface="Anek Devanagari ExtraBold"/>
+              </a:defRPr>
+            </a:lvl8pPr>
+            <a:lvl9pPr marL="4114800" marR="0" lvl="8" indent="-323850" algn="l" rtl="0">
+              <a:lnSpc>
+                <a:spcPct val="100000"/>
+              </a:lnSpc>
+              <a:spcBef>
+                <a:spcPts val="0"/>
+              </a:spcBef>
+              <a:spcAft>
+                <a:spcPts val="0"/>
+              </a:spcAft>
+              <a:buClr>
+                <a:schemeClr val="lt1"/>
+              </a:buClr>
+              <a:buSzPts val="1500"/>
+              <a:buFont typeface="Chivo"/>
+              <a:buNone/>
+              <a:defRPr sz="2200" b="0" i="0" u="none" strike="noStrike" cap="none">
+                <a:solidFill>
+                  <a:schemeClr val="lt1"/>
+                </a:solidFill>
+                <a:latin typeface="Anek Devanagari ExtraBold"/>
+                <a:ea typeface="Anek Devanagari ExtraBold"/>
+                <a:cs typeface="Anek Devanagari ExtraBold"/>
+                <a:sym typeface="Anek Devanagari ExtraBold"/>
+              </a:defRPr>
+            </a:lvl9pPr>
+          </a:lstStyle>
+          <a:p>
+            <a:pPr marL="0" indent="0" algn="l"/>
+            <a:r>
+              <a:rPr lang="en-US" dirty="0"/>
+              <a:t>Square</a:t>
+            </a:r>
+          </a:p>
+        </p:txBody>
+      </p:sp>
+      <p:sp>
+        <p:nvSpPr>
+          <p:cNvPr id="5" name="Google Shape;1225;p47">
+            <a:extLst>
+              <a:ext uri="{FF2B5EF4-FFF2-40B4-BE49-F238E27FC236}">
+                <a16:creationId xmlns:a16="http://schemas.microsoft.com/office/drawing/2014/main" id="{C97340A5-52E0-2BE3-27D4-FF65BD6D0E89}"/>
+              </a:ext>
+            </a:extLst>
+          </p:cNvPr>
+          <p:cNvSpPr txBox="1">
+            <a:spLocks/>
+          </p:cNvSpPr>
+          <p:nvPr/>
+        </p:nvSpPr>
+        <p:spPr>
+          <a:xfrm>
+            <a:off x="5517574" y="3472829"/>
+            <a:ext cx="1714936" cy="510352"/>
+          </a:xfrm>
+          <a:prstGeom prst="rect">
+            <a:avLst/>
+          </a:prstGeom>
+          <a:noFill/>
+          <a:ln>
+            <a:noFill/>
+          </a:ln>
+        </p:spPr>
+        <p:txBody>
+          <a:bodyPr spcFirstLastPara="1" wrap="square" lIns="91425" tIns="91425" rIns="91425" bIns="91425" anchor="t" anchorCtr="0">
+            <a:noAutofit/>
+          </a:bodyPr>
+          <a:lstStyle>
+            <a:defPPr marR="0" lvl="0" algn="l" rtl="0">
+              <a:lnSpc>
+                <a:spcPct val="100000"/>
+              </a:lnSpc>
+              <a:spcBef>
+                <a:spcPts val="0"/>
+              </a:spcBef>
+              <a:spcAft>
+                <a:spcPts val="0"/>
+              </a:spcAft>
+            </a:defPPr>
+            <a:lvl1pPr marL="457200" marR="0" lvl="0" indent="-323850" algn="ctr" rtl="0">
+              <a:lnSpc>
+                <a:spcPct val="100000"/>
+              </a:lnSpc>
+              <a:spcBef>
+                <a:spcPts val="0"/>
+              </a:spcBef>
+              <a:spcAft>
+                <a:spcPts val="0"/>
+              </a:spcAft>
+              <a:buClr>
+                <a:schemeClr val="lt1"/>
+              </a:buClr>
+              <a:buSzPts val="1500"/>
+              <a:buFont typeface="Chivo"/>
+              <a:buNone/>
+              <a:defRPr sz="2200" b="0" i="0" u="none" strike="noStrike" cap="none">
+                <a:solidFill>
+                  <a:schemeClr val="lt1"/>
+                </a:solidFill>
+                <a:latin typeface="Anek Devanagari ExtraBold"/>
+                <a:ea typeface="Anek Devanagari ExtraBold"/>
+                <a:cs typeface="Anek Devanagari ExtraBold"/>
+                <a:sym typeface="Anek Devanagari ExtraBold"/>
+              </a:defRPr>
+            </a:lvl1pPr>
+            <a:lvl2pPr marL="914400" marR="0" lvl="1" indent="-323850" algn="l" rtl="0">
+              <a:lnSpc>
+                <a:spcPct val="100000"/>
+              </a:lnSpc>
+              <a:spcBef>
+                <a:spcPts val="0"/>
+              </a:spcBef>
+              <a:spcAft>
+                <a:spcPts val="0"/>
+              </a:spcAft>
+              <a:buClr>
+                <a:schemeClr val="lt1"/>
+              </a:buClr>
+              <a:buSzPts val="1500"/>
+              <a:buFont typeface="Chivo"/>
+              <a:buNone/>
+              <a:defRPr sz="2200" b="0" i="0" u="none" strike="noStrike" cap="none">
+                <a:solidFill>
+                  <a:schemeClr val="lt1"/>
+                </a:solidFill>
+                <a:latin typeface="Anek Devanagari ExtraBold"/>
+                <a:ea typeface="Anek Devanagari ExtraBold"/>
+                <a:cs typeface="Anek Devanagari ExtraBold"/>
+                <a:sym typeface="Anek Devanagari ExtraBold"/>
+              </a:defRPr>
+            </a:lvl2pPr>
+            <a:lvl3pPr marL="1371600" marR="0" lvl="2" indent="-323850" algn="l" rtl="0">
+              <a:lnSpc>
+                <a:spcPct val="100000"/>
+              </a:lnSpc>
+              <a:spcBef>
+                <a:spcPts val="0"/>
+              </a:spcBef>
+              <a:spcAft>
+                <a:spcPts val="0"/>
+              </a:spcAft>
+              <a:buClr>
+                <a:schemeClr val="lt1"/>
+              </a:buClr>
+              <a:buSzPts val="1500"/>
+              <a:buFont typeface="Chivo"/>
+              <a:buNone/>
+              <a:defRPr sz="2200" b="0" i="0" u="none" strike="noStrike" cap="none">
+                <a:solidFill>
+                  <a:schemeClr val="lt1"/>
+                </a:solidFill>
+                <a:latin typeface="Anek Devanagari ExtraBold"/>
+                <a:ea typeface="Anek Devanagari ExtraBold"/>
+                <a:cs typeface="Anek Devanagari ExtraBold"/>
+                <a:sym typeface="Anek Devanagari ExtraBold"/>
+              </a:defRPr>
+            </a:lvl3pPr>
+            <a:lvl4pPr marL="1828800" marR="0" lvl="3" indent="-323850" algn="l" rtl="0">
+              <a:lnSpc>
+                <a:spcPct val="100000"/>
+              </a:lnSpc>
+              <a:spcBef>
+                <a:spcPts val="0"/>
+              </a:spcBef>
+              <a:spcAft>
+                <a:spcPts val="0"/>
+              </a:spcAft>
+              <a:buClr>
+                <a:schemeClr val="lt1"/>
+              </a:buClr>
+              <a:buSzPts val="1500"/>
+              <a:buFont typeface="Chivo"/>
+              <a:buNone/>
+              <a:defRPr sz="2200" b="0" i="0" u="none" strike="noStrike" cap="none">
+                <a:solidFill>
+                  <a:schemeClr val="lt1"/>
+                </a:solidFill>
+                <a:latin typeface="Anek Devanagari ExtraBold"/>
+                <a:ea typeface="Anek Devanagari ExtraBold"/>
+                <a:cs typeface="Anek Devanagari ExtraBold"/>
+                <a:sym typeface="Anek Devanagari ExtraBold"/>
+              </a:defRPr>
+            </a:lvl4pPr>
+            <a:lvl5pPr marL="2286000" marR="0" lvl="4" indent="-323850" algn="l" rtl="0">
+              <a:lnSpc>
+                <a:spcPct val="100000"/>
+              </a:lnSpc>
+              <a:spcBef>
+                <a:spcPts val="0"/>
+              </a:spcBef>
+              <a:spcAft>
+                <a:spcPts val="0"/>
+              </a:spcAft>
+              <a:buClr>
+                <a:schemeClr val="lt1"/>
+              </a:buClr>
+              <a:buSzPts val="1500"/>
+              <a:buFont typeface="Chivo"/>
+              <a:buNone/>
+              <a:defRPr sz="2200" b="0" i="0" u="none" strike="noStrike" cap="none">
+                <a:solidFill>
+                  <a:schemeClr val="lt1"/>
+                </a:solidFill>
+                <a:latin typeface="Anek Devanagari ExtraBold"/>
+                <a:ea typeface="Anek Devanagari ExtraBold"/>
+                <a:cs typeface="Anek Devanagari ExtraBold"/>
+                <a:sym typeface="Anek Devanagari ExtraBold"/>
+              </a:defRPr>
+            </a:lvl5pPr>
+            <a:lvl6pPr marL="2743200" marR="0" lvl="5" indent="-323850" algn="l" rtl="0">
+              <a:lnSpc>
+                <a:spcPct val="100000"/>
+              </a:lnSpc>
+              <a:spcBef>
+                <a:spcPts val="0"/>
+              </a:spcBef>
+              <a:spcAft>
+                <a:spcPts val="0"/>
+              </a:spcAft>
+              <a:buClr>
+                <a:schemeClr val="lt1"/>
+              </a:buClr>
+              <a:buSzPts val="1500"/>
+              <a:buFont typeface="Chivo"/>
+              <a:buNone/>
+              <a:defRPr sz="2200" b="0" i="0" u="none" strike="noStrike" cap="none">
+                <a:solidFill>
+                  <a:schemeClr val="lt1"/>
+                </a:solidFill>
+                <a:latin typeface="Anek Devanagari ExtraBold"/>
+                <a:ea typeface="Anek Devanagari ExtraBold"/>
+                <a:cs typeface="Anek Devanagari ExtraBold"/>
+                <a:sym typeface="Anek Devanagari ExtraBold"/>
+              </a:defRPr>
+            </a:lvl6pPr>
+            <a:lvl7pPr marL="3200400" marR="0" lvl="6" indent="-323850" algn="l" rtl="0">
+              <a:lnSpc>
+                <a:spcPct val="100000"/>
+              </a:lnSpc>
+              <a:spcBef>
+                <a:spcPts val="0"/>
+              </a:spcBef>
+              <a:spcAft>
+                <a:spcPts val="0"/>
+              </a:spcAft>
+              <a:buClr>
+                <a:schemeClr val="lt1"/>
+              </a:buClr>
+              <a:buSzPts val="1500"/>
+              <a:buFont typeface="Chivo"/>
+              <a:buNone/>
+              <a:defRPr sz="2200" b="0" i="0" u="none" strike="noStrike" cap="none">
+                <a:solidFill>
+                  <a:schemeClr val="lt1"/>
+                </a:solidFill>
+                <a:latin typeface="Anek Devanagari ExtraBold"/>
+                <a:ea typeface="Anek Devanagari ExtraBold"/>
+                <a:cs typeface="Anek Devanagari ExtraBold"/>
+                <a:sym typeface="Anek Devanagari ExtraBold"/>
+              </a:defRPr>
+            </a:lvl7pPr>
+            <a:lvl8pPr marL="3657600" marR="0" lvl="7" indent="-323850" algn="l" rtl="0">
+              <a:lnSpc>
+                <a:spcPct val="100000"/>
+              </a:lnSpc>
+              <a:spcBef>
+                <a:spcPts val="0"/>
+              </a:spcBef>
+              <a:spcAft>
+                <a:spcPts val="0"/>
+              </a:spcAft>
+              <a:buClr>
+                <a:schemeClr val="lt1"/>
+              </a:buClr>
+              <a:buSzPts val="1500"/>
+              <a:buFont typeface="Chivo"/>
+              <a:buNone/>
+              <a:defRPr sz="2200" b="0" i="0" u="none" strike="noStrike" cap="none">
+                <a:solidFill>
+                  <a:schemeClr val="lt1"/>
+                </a:solidFill>
+                <a:latin typeface="Anek Devanagari ExtraBold"/>
+                <a:ea typeface="Anek Devanagari ExtraBold"/>
+                <a:cs typeface="Anek Devanagari ExtraBold"/>
+                <a:sym typeface="Anek Devanagari ExtraBold"/>
+              </a:defRPr>
+            </a:lvl8pPr>
+            <a:lvl9pPr marL="4114800" marR="0" lvl="8" indent="-323850" algn="l" rtl="0">
+              <a:lnSpc>
+                <a:spcPct val="100000"/>
+              </a:lnSpc>
+              <a:spcBef>
+                <a:spcPts val="0"/>
+              </a:spcBef>
+              <a:spcAft>
+                <a:spcPts val="0"/>
+              </a:spcAft>
+              <a:buClr>
+                <a:schemeClr val="lt1"/>
+              </a:buClr>
+              <a:buSzPts val="1500"/>
+              <a:buFont typeface="Chivo"/>
+              <a:buNone/>
+              <a:defRPr sz="2200" b="0" i="0" u="none" strike="noStrike" cap="none">
+                <a:solidFill>
+                  <a:schemeClr val="lt1"/>
+                </a:solidFill>
+                <a:latin typeface="Anek Devanagari ExtraBold"/>
+                <a:ea typeface="Anek Devanagari ExtraBold"/>
+                <a:cs typeface="Anek Devanagari ExtraBold"/>
+                <a:sym typeface="Anek Devanagari ExtraBold"/>
+              </a:defRPr>
+            </a:lvl9pPr>
+          </a:lstStyle>
+          <a:p>
+            <a:pPr marL="0" indent="0" algn="l"/>
+            <a:r>
+              <a:rPr lang="en-US" dirty="0"/>
+              <a:t>Rectangular</a:t>
+            </a:r>
+          </a:p>
+        </p:txBody>
+      </p:sp>
+      <p:sp>
+        <p:nvSpPr>
+          <p:cNvPr id="6" name="Google Shape;1225;p47">
+            <a:extLst>
+              <a:ext uri="{FF2B5EF4-FFF2-40B4-BE49-F238E27FC236}">
+                <a16:creationId xmlns:a16="http://schemas.microsoft.com/office/drawing/2014/main" id="{51BF1FDD-A131-EEA2-2AFC-893C592872D4}"/>
+              </a:ext>
+            </a:extLst>
+          </p:cNvPr>
+          <p:cNvSpPr txBox="1">
+            <a:spLocks/>
+          </p:cNvSpPr>
+          <p:nvPr/>
+        </p:nvSpPr>
+        <p:spPr>
+          <a:xfrm>
+            <a:off x="7187482" y="3441656"/>
+            <a:ext cx="1866900" cy="510352"/>
+          </a:xfrm>
+          <a:prstGeom prst="rect">
+            <a:avLst/>
+          </a:prstGeom>
+          <a:noFill/>
+          <a:ln>
+            <a:noFill/>
+          </a:ln>
+        </p:spPr>
+        <p:txBody>
+          <a:bodyPr spcFirstLastPara="1" wrap="square" lIns="91425" tIns="91425" rIns="91425" bIns="91425" anchor="t" anchorCtr="0">
+            <a:noAutofit/>
+          </a:bodyPr>
+          <a:lstStyle>
+            <a:defPPr marR="0" lvl="0" algn="l" rtl="0">
+              <a:lnSpc>
+                <a:spcPct val="100000"/>
+              </a:lnSpc>
+              <a:spcBef>
+                <a:spcPts val="0"/>
+              </a:spcBef>
+              <a:spcAft>
+                <a:spcPts val="0"/>
+              </a:spcAft>
+            </a:defPPr>
+            <a:lvl1pPr marL="457200" marR="0" lvl="0" indent="-323850" algn="ctr" rtl="0">
+              <a:lnSpc>
+                <a:spcPct val="100000"/>
+              </a:lnSpc>
+              <a:spcBef>
+                <a:spcPts val="0"/>
+              </a:spcBef>
+              <a:spcAft>
+                <a:spcPts val="0"/>
+              </a:spcAft>
+              <a:buClr>
+                <a:schemeClr val="lt1"/>
+              </a:buClr>
+              <a:buSzPts val="1500"/>
+              <a:buFont typeface="Chivo"/>
+              <a:buNone/>
+              <a:defRPr sz="2200" b="0" i="0" u="none" strike="noStrike" cap="none">
+                <a:solidFill>
+                  <a:schemeClr val="lt1"/>
+                </a:solidFill>
+                <a:latin typeface="Anek Devanagari ExtraBold"/>
+                <a:ea typeface="Anek Devanagari ExtraBold"/>
+                <a:cs typeface="Anek Devanagari ExtraBold"/>
+                <a:sym typeface="Anek Devanagari ExtraBold"/>
+              </a:defRPr>
+            </a:lvl1pPr>
+            <a:lvl2pPr marL="914400" marR="0" lvl="1" indent="-323850" algn="l" rtl="0">
+              <a:lnSpc>
+                <a:spcPct val="100000"/>
+              </a:lnSpc>
+              <a:spcBef>
+                <a:spcPts val="0"/>
+              </a:spcBef>
+              <a:spcAft>
+                <a:spcPts val="0"/>
+              </a:spcAft>
+              <a:buClr>
+                <a:schemeClr val="lt1"/>
+              </a:buClr>
+              <a:buSzPts val="1500"/>
+              <a:buFont typeface="Chivo"/>
+              <a:buNone/>
+              <a:defRPr sz="2200" b="0" i="0" u="none" strike="noStrike" cap="none">
+                <a:solidFill>
+                  <a:schemeClr val="lt1"/>
+                </a:solidFill>
+                <a:latin typeface="Anek Devanagari ExtraBold"/>
+                <a:ea typeface="Anek Devanagari ExtraBold"/>
+                <a:cs typeface="Anek Devanagari ExtraBold"/>
+                <a:sym typeface="Anek Devanagari ExtraBold"/>
+              </a:defRPr>
+            </a:lvl2pPr>
+            <a:lvl3pPr marL="1371600" marR="0" lvl="2" indent="-323850" algn="l" rtl="0">
+              <a:lnSpc>
+                <a:spcPct val="100000"/>
+              </a:lnSpc>
+              <a:spcBef>
+                <a:spcPts val="0"/>
+              </a:spcBef>
+              <a:spcAft>
+                <a:spcPts val="0"/>
+              </a:spcAft>
+              <a:buClr>
+                <a:schemeClr val="lt1"/>
+              </a:buClr>
+              <a:buSzPts val="1500"/>
+              <a:buFont typeface="Chivo"/>
+              <a:buNone/>
+              <a:defRPr sz="2200" b="0" i="0" u="none" strike="noStrike" cap="none">
+                <a:solidFill>
+                  <a:schemeClr val="lt1"/>
+                </a:solidFill>
+                <a:latin typeface="Anek Devanagari ExtraBold"/>
+                <a:ea typeface="Anek Devanagari ExtraBold"/>
+                <a:cs typeface="Anek Devanagari ExtraBold"/>
+                <a:sym typeface="Anek Devanagari ExtraBold"/>
+              </a:defRPr>
+            </a:lvl3pPr>
+            <a:lvl4pPr marL="1828800" marR="0" lvl="3" indent="-323850" algn="l" rtl="0">
+              <a:lnSpc>
+                <a:spcPct val="100000"/>
+              </a:lnSpc>
+              <a:spcBef>
+                <a:spcPts val="0"/>
+              </a:spcBef>
+              <a:spcAft>
+                <a:spcPts val="0"/>
+              </a:spcAft>
+              <a:buClr>
+                <a:schemeClr val="lt1"/>
+              </a:buClr>
+              <a:buSzPts val="1500"/>
+              <a:buFont typeface="Chivo"/>
+              <a:buNone/>
+              <a:defRPr sz="2200" b="0" i="0" u="none" strike="noStrike" cap="none">
+                <a:solidFill>
+                  <a:schemeClr val="lt1"/>
+                </a:solidFill>
+                <a:latin typeface="Anek Devanagari ExtraBold"/>
+                <a:ea typeface="Anek Devanagari ExtraBold"/>
+                <a:cs typeface="Anek Devanagari ExtraBold"/>
+                <a:sym typeface="Anek Devanagari ExtraBold"/>
+              </a:defRPr>
+            </a:lvl4pPr>
+            <a:lvl5pPr marL="2286000" marR="0" lvl="4" indent="-323850" algn="l" rtl="0">
+              <a:lnSpc>
+                <a:spcPct val="100000"/>
+              </a:lnSpc>
+              <a:spcBef>
+                <a:spcPts val="0"/>
+              </a:spcBef>
+              <a:spcAft>
+                <a:spcPts val="0"/>
+              </a:spcAft>
+              <a:buClr>
+                <a:schemeClr val="lt1"/>
+              </a:buClr>
+              <a:buSzPts val="1500"/>
+              <a:buFont typeface="Chivo"/>
+              <a:buNone/>
+              <a:defRPr sz="2200" b="0" i="0" u="none" strike="noStrike" cap="none">
+                <a:solidFill>
+                  <a:schemeClr val="lt1"/>
+                </a:solidFill>
+                <a:latin typeface="Anek Devanagari ExtraBold"/>
+                <a:ea typeface="Anek Devanagari ExtraBold"/>
+                <a:cs typeface="Anek Devanagari ExtraBold"/>
+                <a:sym typeface="Anek Devanagari ExtraBold"/>
+              </a:defRPr>
+            </a:lvl5pPr>
+            <a:lvl6pPr marL="2743200" marR="0" lvl="5" indent="-323850" algn="l" rtl="0">
+              <a:lnSpc>
+                <a:spcPct val="100000"/>
+              </a:lnSpc>
+              <a:spcBef>
+                <a:spcPts val="0"/>
+              </a:spcBef>
+              <a:spcAft>
+                <a:spcPts val="0"/>
+              </a:spcAft>
+              <a:buClr>
+                <a:schemeClr val="lt1"/>
+              </a:buClr>
+              <a:buSzPts val="1500"/>
+              <a:buFont typeface="Chivo"/>
+              <a:buNone/>
+              <a:defRPr sz="2200" b="0" i="0" u="none" strike="noStrike" cap="none">
+                <a:solidFill>
+                  <a:schemeClr val="lt1"/>
+                </a:solidFill>
+                <a:latin typeface="Anek Devanagari ExtraBold"/>
+                <a:ea typeface="Anek Devanagari ExtraBold"/>
+                <a:cs typeface="Anek Devanagari ExtraBold"/>
+                <a:sym typeface="Anek Devanagari ExtraBold"/>
+              </a:defRPr>
+            </a:lvl6pPr>
+            <a:lvl7pPr marL="3200400" marR="0" lvl="6" indent="-323850" algn="l" rtl="0">
+              <a:lnSpc>
+                <a:spcPct val="100000"/>
+              </a:lnSpc>
+              <a:spcBef>
+                <a:spcPts val="0"/>
+              </a:spcBef>
+              <a:spcAft>
+                <a:spcPts val="0"/>
+              </a:spcAft>
+              <a:buClr>
+                <a:schemeClr val="lt1"/>
+              </a:buClr>
+              <a:buSzPts val="1500"/>
+              <a:buFont typeface="Chivo"/>
+              <a:buNone/>
+              <a:defRPr sz="2200" b="0" i="0" u="none" strike="noStrike" cap="none">
+                <a:solidFill>
+                  <a:schemeClr val="lt1"/>
+                </a:solidFill>
+                <a:latin typeface="Anek Devanagari ExtraBold"/>
+                <a:ea typeface="Anek Devanagari ExtraBold"/>
+                <a:cs typeface="Anek Devanagari ExtraBold"/>
+                <a:sym typeface="Anek Devanagari ExtraBold"/>
+              </a:defRPr>
+            </a:lvl7pPr>
+            <a:lvl8pPr marL="3657600" marR="0" lvl="7" indent="-323850" algn="l" rtl="0">
+              <a:lnSpc>
+                <a:spcPct val="100000"/>
+              </a:lnSpc>
+              <a:spcBef>
+                <a:spcPts val="0"/>
+              </a:spcBef>
+              <a:spcAft>
+                <a:spcPts val="0"/>
+              </a:spcAft>
+              <a:buClr>
+                <a:schemeClr val="lt1"/>
+              </a:buClr>
+              <a:buSzPts val="1500"/>
+              <a:buFont typeface="Chivo"/>
+              <a:buNone/>
+              <a:defRPr sz="2200" b="0" i="0" u="none" strike="noStrike" cap="none">
+                <a:solidFill>
+                  <a:schemeClr val="lt1"/>
+                </a:solidFill>
+                <a:latin typeface="Anek Devanagari ExtraBold"/>
+                <a:ea typeface="Anek Devanagari ExtraBold"/>
+                <a:cs typeface="Anek Devanagari ExtraBold"/>
+                <a:sym typeface="Anek Devanagari ExtraBold"/>
+              </a:defRPr>
+            </a:lvl8pPr>
+            <a:lvl9pPr marL="4114800" marR="0" lvl="8" indent="-323850" algn="l" rtl="0">
+              <a:lnSpc>
+                <a:spcPct val="100000"/>
+              </a:lnSpc>
+              <a:spcBef>
+                <a:spcPts val="0"/>
+              </a:spcBef>
+              <a:spcAft>
+                <a:spcPts val="0"/>
+              </a:spcAft>
+              <a:buClr>
+                <a:schemeClr val="lt1"/>
+              </a:buClr>
+              <a:buSzPts val="1500"/>
+              <a:buFont typeface="Chivo"/>
+              <a:buNone/>
+              <a:defRPr sz="2200" b="0" i="0" u="none" strike="noStrike" cap="none">
+                <a:solidFill>
+                  <a:schemeClr val="lt1"/>
+                </a:solidFill>
+                <a:latin typeface="Anek Devanagari ExtraBold"/>
+                <a:ea typeface="Anek Devanagari ExtraBold"/>
+                <a:cs typeface="Anek Devanagari ExtraBold"/>
+                <a:sym typeface="Anek Devanagari ExtraBold"/>
+              </a:defRPr>
+            </a:lvl9pPr>
+          </a:lstStyle>
+          <a:p>
+            <a:pPr marL="0" indent="0" algn="l"/>
+            <a:r>
+              <a:rPr lang="en-US" dirty="0"/>
+              <a:t>Clipped Delta</a:t>
+            </a:r>
+          </a:p>
+        </p:txBody>
+      </p:sp>
+    </p:spTree>
+    <p:extLst>
+      <p:ext uri="{BB962C8B-B14F-4D97-AF65-F5344CB8AC3E}">
+        <p14:creationId xmlns:p14="http://schemas.microsoft.com/office/powerpoint/2010/main" val="575704416"/>
+      </p:ext>
+    </p:extLst>
   </p:cSld>
   <p:clrMapOvr>
     <a:masterClrMapping/>
@@ -34721,6 +36392,1052 @@
   <p:cSld>
     <p:spTree>
       <p:nvGrpSpPr>
+        <p:cNvPr id="1" name="Shape 1240"/>
+        <p:cNvGrpSpPr/>
+        <p:nvPr/>
+      </p:nvGrpSpPr>
+      <p:grpSpPr>
+        <a:xfrm>
+          <a:off x="0" y="0"/>
+          <a:ext cx="0" cy="0"/>
+          <a:chOff x="0" y="0"/>
+          <a:chExt cx="0" cy="0"/>
+        </a:xfrm>
+      </p:grpSpPr>
+      <p:sp>
+        <p:nvSpPr>
+          <p:cNvPr id="1241" name="Google Shape;1241;p48"/>
+          <p:cNvSpPr txBox="1">
+            <a:spLocks noGrp="1"/>
+          </p:cNvSpPr>
+          <p:nvPr>
+            <p:ph type="subTitle" idx="1"/>
+          </p:nvPr>
+        </p:nvSpPr>
+        <p:spPr>
+          <a:xfrm>
+            <a:off x="2294700" y="3799871"/>
+            <a:ext cx="1478022" cy="530400"/>
+          </a:xfrm>
+          <a:prstGeom prst="rect">
+            <a:avLst/>
+          </a:prstGeom>
+        </p:spPr>
+        <p:txBody>
+          <a:bodyPr spcFirstLastPara="1" wrap="square" lIns="91425" tIns="91425" rIns="91425" bIns="91425" anchor="b" anchorCtr="0">
+            <a:noAutofit/>
+          </a:bodyPr>
+          <a:lstStyle/>
+          <a:p>
+            <a:pPr marL="0" lvl="0" indent="0" algn="ctr" rtl="0">
+              <a:spcBef>
+                <a:spcPts val="0"/>
+              </a:spcBef>
+              <a:spcAft>
+                <a:spcPts val="0"/>
+              </a:spcAft>
+              <a:buNone/>
+            </a:pPr>
+            <a:r>
+              <a:rPr lang="en" dirty="0"/>
+              <a:t>Missles</a:t>
+            </a:r>
+            <a:endParaRPr dirty="0"/>
+          </a:p>
+        </p:txBody>
+      </p:sp>
+      <p:sp>
+        <p:nvSpPr>
+          <p:cNvPr id="1243" name="Google Shape;1243;p48"/>
+          <p:cNvSpPr txBox="1">
+            <a:spLocks noGrp="1"/>
+          </p:cNvSpPr>
+          <p:nvPr>
+            <p:ph type="subTitle" idx="3"/>
+          </p:nvPr>
+        </p:nvSpPr>
+        <p:spPr>
+          <a:xfrm>
+            <a:off x="4115449" y="3809899"/>
+            <a:ext cx="2559542" cy="530400"/>
+          </a:xfrm>
+          <a:prstGeom prst="rect">
+            <a:avLst/>
+          </a:prstGeom>
+        </p:spPr>
+        <p:txBody>
+          <a:bodyPr spcFirstLastPara="1" wrap="square" lIns="91425" tIns="91425" rIns="91425" bIns="91425" anchor="b" anchorCtr="0">
+            <a:noAutofit/>
+          </a:bodyPr>
+          <a:lstStyle/>
+          <a:p>
+            <a:pPr marL="0" lvl="0" indent="0" algn="ctr" rtl="0">
+              <a:spcBef>
+                <a:spcPts val="0"/>
+              </a:spcBef>
+              <a:spcAft>
+                <a:spcPts val="0"/>
+              </a:spcAft>
+              <a:buNone/>
+            </a:pPr>
+            <a:r>
+              <a:rPr lang="en" dirty="0"/>
+              <a:t>Sounding Rockets</a:t>
+            </a:r>
+            <a:endParaRPr dirty="0"/>
+          </a:p>
+        </p:txBody>
+      </p:sp>
+      <p:sp>
+        <p:nvSpPr>
+          <p:cNvPr id="1245" name="Google Shape;1245;p48"/>
+          <p:cNvSpPr txBox="1">
+            <a:spLocks noGrp="1"/>
+          </p:cNvSpPr>
+          <p:nvPr>
+            <p:ph type="title"/>
+          </p:nvPr>
+        </p:nvSpPr>
+        <p:spPr>
+          <a:xfrm>
+            <a:off x="720000" y="387600"/>
+            <a:ext cx="7704000" cy="592200"/>
+          </a:xfrm>
+          <a:prstGeom prst="rect">
+            <a:avLst/>
+          </a:prstGeom>
+        </p:spPr>
+        <p:txBody>
+          <a:bodyPr spcFirstLastPara="1" wrap="square" lIns="91425" tIns="91425" rIns="91425" bIns="91425" anchor="t" anchorCtr="0">
+            <a:noAutofit/>
+          </a:bodyPr>
+          <a:lstStyle/>
+          <a:p>
+            <a:pPr marL="0" lvl="0" indent="0" algn="l" rtl="0">
+              <a:spcBef>
+                <a:spcPts val="0"/>
+              </a:spcBef>
+              <a:spcAft>
+                <a:spcPts val="0"/>
+              </a:spcAft>
+              <a:buClr>
+                <a:schemeClr val="dk1"/>
+              </a:buClr>
+              <a:buSzPts val="1100"/>
+              <a:buFont typeface="Arial"/>
+              <a:buNone/>
+            </a:pPr>
+            <a:r>
+              <a:rPr lang="en" dirty="0"/>
+              <a:t>Uses of Rocketry</a:t>
+            </a:r>
+            <a:endParaRPr dirty="0"/>
+          </a:p>
+        </p:txBody>
+      </p:sp>
+      <p:sp>
+        <p:nvSpPr>
+          <p:cNvPr id="1248" name="Google Shape;1248;p48"/>
+          <p:cNvSpPr/>
+          <p:nvPr/>
+        </p:nvSpPr>
+        <p:spPr>
+          <a:xfrm>
+            <a:off x="825075" y="1021550"/>
+            <a:ext cx="3180300" cy="78600"/>
+          </a:xfrm>
+          <a:prstGeom prst="roundRect">
+            <a:avLst>
+              <a:gd name="adj" fmla="val 50000"/>
+            </a:avLst>
+          </a:prstGeom>
+          <a:gradFill>
+            <a:gsLst>
+              <a:gs pos="0">
+                <a:srgbClr val="FFFFFF">
+                  <a:alpha val="0"/>
+                </a:srgbClr>
+              </a:gs>
+              <a:gs pos="100000">
+                <a:srgbClr val="FFFFFF">
+                  <a:alpha val="56078"/>
+                </a:srgbClr>
+              </a:gs>
+            </a:gsLst>
+            <a:lin ang="0" scaled="0"/>
+          </a:gradFill>
+          <a:ln>
+            <a:noFill/>
+          </a:ln>
+        </p:spPr>
+        <p:txBody>
+          <a:bodyPr spcFirstLastPara="1" wrap="square" lIns="91425" tIns="91425" rIns="91425" bIns="91425" anchor="ctr" anchorCtr="0">
+            <a:noAutofit/>
+          </a:bodyPr>
+          <a:lstStyle/>
+          <a:p>
+            <a:pPr marL="0" lvl="0" indent="0" algn="l" rtl="0">
+              <a:spcBef>
+                <a:spcPts val="0"/>
+              </a:spcBef>
+              <a:spcAft>
+                <a:spcPts val="0"/>
+              </a:spcAft>
+              <a:buNone/>
+            </a:pPr>
+            <a:endParaRPr/>
+          </a:p>
+        </p:txBody>
+      </p:sp>
+      <p:sp>
+        <p:nvSpPr>
+          <p:cNvPr id="1249" name="Google Shape;1249;p48"/>
+          <p:cNvSpPr/>
+          <p:nvPr/>
+        </p:nvSpPr>
+        <p:spPr>
+          <a:xfrm>
+            <a:off x="7498690" y="1230977"/>
+            <a:ext cx="76974" cy="76968"/>
+          </a:xfrm>
+          <a:custGeom>
+            <a:avLst/>
+            <a:gdLst/>
+            <a:ahLst/>
+            <a:cxnLst/>
+            <a:rect l="l" t="t" r="r" b="b"/>
+            <a:pathLst>
+              <a:path w="1180" h="1180" extrusionOk="0">
+                <a:moveTo>
+                  <a:pt x="590" y="1"/>
+                </a:moveTo>
+                <a:lnTo>
+                  <a:pt x="381" y="381"/>
+                </a:lnTo>
+                <a:lnTo>
+                  <a:pt x="0" y="590"/>
+                </a:lnTo>
+                <a:lnTo>
+                  <a:pt x="381" y="799"/>
+                </a:lnTo>
+                <a:lnTo>
+                  <a:pt x="590" y="1180"/>
+                </a:lnTo>
+                <a:lnTo>
+                  <a:pt x="799" y="799"/>
+                </a:lnTo>
+                <a:lnTo>
+                  <a:pt x="1180" y="590"/>
+                </a:lnTo>
+                <a:lnTo>
+                  <a:pt x="799" y="381"/>
+                </a:lnTo>
+                <a:lnTo>
+                  <a:pt x="590" y="1"/>
+                </a:lnTo>
+                <a:close/>
+              </a:path>
+            </a:pathLst>
+          </a:custGeom>
+          <a:solidFill>
+            <a:schemeClr val="lt1"/>
+          </a:solidFill>
+          <a:ln>
+            <a:noFill/>
+          </a:ln>
+        </p:spPr>
+        <p:txBody>
+          <a:bodyPr spcFirstLastPara="1" wrap="square" lIns="91425" tIns="91425" rIns="91425" bIns="91425" anchor="ctr" anchorCtr="0">
+            <a:noAutofit/>
+          </a:bodyPr>
+          <a:lstStyle/>
+          <a:p>
+            <a:pPr marL="0" lvl="0" indent="0" algn="l" rtl="0">
+              <a:spcBef>
+                <a:spcPts val="0"/>
+              </a:spcBef>
+              <a:spcAft>
+                <a:spcPts val="0"/>
+              </a:spcAft>
+              <a:buNone/>
+            </a:pPr>
+            <a:endParaRPr/>
+          </a:p>
+        </p:txBody>
+      </p:sp>
+      <p:sp>
+        <p:nvSpPr>
+          <p:cNvPr id="2" name="Google Shape;1243;p48">
+            <a:extLst>
+              <a:ext uri="{FF2B5EF4-FFF2-40B4-BE49-F238E27FC236}">
+                <a16:creationId xmlns:a16="http://schemas.microsoft.com/office/drawing/2014/main" id="{75CB235D-AA01-A7DE-0D7F-F3561CFD9297}"/>
+              </a:ext>
+            </a:extLst>
+          </p:cNvPr>
+          <p:cNvSpPr txBox="1">
+            <a:spLocks/>
+          </p:cNvSpPr>
+          <p:nvPr/>
+        </p:nvSpPr>
+        <p:spPr>
+          <a:xfrm>
+            <a:off x="6367200" y="3797133"/>
+            <a:ext cx="2776800" cy="530400"/>
+          </a:xfrm>
+          <a:prstGeom prst="rect">
+            <a:avLst/>
+          </a:prstGeom>
+          <a:noFill/>
+          <a:ln>
+            <a:noFill/>
+          </a:ln>
+        </p:spPr>
+        <p:txBody>
+          <a:bodyPr spcFirstLastPara="1" wrap="square" lIns="91425" tIns="91425" rIns="91425" bIns="91425" anchor="b" anchorCtr="0">
+            <a:noAutofit/>
+          </a:bodyPr>
+          <a:lstStyle>
+            <a:defPPr marR="0" lvl="0" algn="l" rtl="0">
+              <a:lnSpc>
+                <a:spcPct val="100000"/>
+              </a:lnSpc>
+              <a:spcBef>
+                <a:spcPts val="0"/>
+              </a:spcBef>
+              <a:spcAft>
+                <a:spcPts val="0"/>
+              </a:spcAft>
+            </a:defPPr>
+            <a:lvl1pPr marL="457200" marR="0" lvl="0" indent="-323850" algn="ctr" rtl="0">
+              <a:lnSpc>
+                <a:spcPct val="100000"/>
+              </a:lnSpc>
+              <a:spcBef>
+                <a:spcPts val="0"/>
+              </a:spcBef>
+              <a:spcAft>
+                <a:spcPts val="0"/>
+              </a:spcAft>
+              <a:buClr>
+                <a:schemeClr val="lt1"/>
+              </a:buClr>
+              <a:buSzPts val="1500"/>
+              <a:buFont typeface="Chivo"/>
+              <a:buNone/>
+              <a:defRPr sz="2200" b="0" i="0" u="none" strike="noStrike" cap="none">
+                <a:solidFill>
+                  <a:schemeClr val="lt1"/>
+                </a:solidFill>
+                <a:latin typeface="Anek Devanagari ExtraBold"/>
+                <a:ea typeface="Anek Devanagari ExtraBold"/>
+                <a:cs typeface="Anek Devanagari ExtraBold"/>
+                <a:sym typeface="Anek Devanagari ExtraBold"/>
+              </a:defRPr>
+            </a:lvl1pPr>
+            <a:lvl2pPr marL="914400" marR="0" lvl="1" indent="-323850" algn="l" rtl="0">
+              <a:lnSpc>
+                <a:spcPct val="100000"/>
+              </a:lnSpc>
+              <a:spcBef>
+                <a:spcPts val="0"/>
+              </a:spcBef>
+              <a:spcAft>
+                <a:spcPts val="0"/>
+              </a:spcAft>
+              <a:buClr>
+                <a:schemeClr val="lt1"/>
+              </a:buClr>
+              <a:buSzPts val="1500"/>
+              <a:buFont typeface="Chivo"/>
+              <a:buNone/>
+              <a:defRPr sz="2200" b="0" i="0" u="none" strike="noStrike" cap="none">
+                <a:solidFill>
+                  <a:schemeClr val="lt1"/>
+                </a:solidFill>
+                <a:latin typeface="Anek Devanagari ExtraBold"/>
+                <a:ea typeface="Anek Devanagari ExtraBold"/>
+                <a:cs typeface="Anek Devanagari ExtraBold"/>
+                <a:sym typeface="Anek Devanagari ExtraBold"/>
+              </a:defRPr>
+            </a:lvl2pPr>
+            <a:lvl3pPr marL="1371600" marR="0" lvl="2" indent="-323850" algn="l" rtl="0">
+              <a:lnSpc>
+                <a:spcPct val="100000"/>
+              </a:lnSpc>
+              <a:spcBef>
+                <a:spcPts val="0"/>
+              </a:spcBef>
+              <a:spcAft>
+                <a:spcPts val="0"/>
+              </a:spcAft>
+              <a:buClr>
+                <a:schemeClr val="lt1"/>
+              </a:buClr>
+              <a:buSzPts val="1500"/>
+              <a:buFont typeface="Chivo"/>
+              <a:buNone/>
+              <a:defRPr sz="2200" b="0" i="0" u="none" strike="noStrike" cap="none">
+                <a:solidFill>
+                  <a:schemeClr val="lt1"/>
+                </a:solidFill>
+                <a:latin typeface="Anek Devanagari ExtraBold"/>
+                <a:ea typeface="Anek Devanagari ExtraBold"/>
+                <a:cs typeface="Anek Devanagari ExtraBold"/>
+                <a:sym typeface="Anek Devanagari ExtraBold"/>
+              </a:defRPr>
+            </a:lvl3pPr>
+            <a:lvl4pPr marL="1828800" marR="0" lvl="3" indent="-323850" algn="l" rtl="0">
+              <a:lnSpc>
+                <a:spcPct val="100000"/>
+              </a:lnSpc>
+              <a:spcBef>
+                <a:spcPts val="0"/>
+              </a:spcBef>
+              <a:spcAft>
+                <a:spcPts val="0"/>
+              </a:spcAft>
+              <a:buClr>
+                <a:schemeClr val="lt1"/>
+              </a:buClr>
+              <a:buSzPts val="1500"/>
+              <a:buFont typeface="Chivo"/>
+              <a:buNone/>
+              <a:defRPr sz="2200" b="0" i="0" u="none" strike="noStrike" cap="none">
+                <a:solidFill>
+                  <a:schemeClr val="lt1"/>
+                </a:solidFill>
+                <a:latin typeface="Anek Devanagari ExtraBold"/>
+                <a:ea typeface="Anek Devanagari ExtraBold"/>
+                <a:cs typeface="Anek Devanagari ExtraBold"/>
+                <a:sym typeface="Anek Devanagari ExtraBold"/>
+              </a:defRPr>
+            </a:lvl4pPr>
+            <a:lvl5pPr marL="2286000" marR="0" lvl="4" indent="-323850" algn="l" rtl="0">
+              <a:lnSpc>
+                <a:spcPct val="100000"/>
+              </a:lnSpc>
+              <a:spcBef>
+                <a:spcPts val="0"/>
+              </a:spcBef>
+              <a:spcAft>
+                <a:spcPts val="0"/>
+              </a:spcAft>
+              <a:buClr>
+                <a:schemeClr val="lt1"/>
+              </a:buClr>
+              <a:buSzPts val="1500"/>
+              <a:buFont typeface="Chivo"/>
+              <a:buNone/>
+              <a:defRPr sz="2200" b="0" i="0" u="none" strike="noStrike" cap="none">
+                <a:solidFill>
+                  <a:schemeClr val="lt1"/>
+                </a:solidFill>
+                <a:latin typeface="Anek Devanagari ExtraBold"/>
+                <a:ea typeface="Anek Devanagari ExtraBold"/>
+                <a:cs typeface="Anek Devanagari ExtraBold"/>
+                <a:sym typeface="Anek Devanagari ExtraBold"/>
+              </a:defRPr>
+            </a:lvl5pPr>
+            <a:lvl6pPr marL="2743200" marR="0" lvl="5" indent="-323850" algn="l" rtl="0">
+              <a:lnSpc>
+                <a:spcPct val="100000"/>
+              </a:lnSpc>
+              <a:spcBef>
+                <a:spcPts val="0"/>
+              </a:spcBef>
+              <a:spcAft>
+                <a:spcPts val="0"/>
+              </a:spcAft>
+              <a:buClr>
+                <a:schemeClr val="lt1"/>
+              </a:buClr>
+              <a:buSzPts val="1500"/>
+              <a:buFont typeface="Chivo"/>
+              <a:buNone/>
+              <a:defRPr sz="2200" b="0" i="0" u="none" strike="noStrike" cap="none">
+                <a:solidFill>
+                  <a:schemeClr val="lt1"/>
+                </a:solidFill>
+                <a:latin typeface="Anek Devanagari ExtraBold"/>
+                <a:ea typeface="Anek Devanagari ExtraBold"/>
+                <a:cs typeface="Anek Devanagari ExtraBold"/>
+                <a:sym typeface="Anek Devanagari ExtraBold"/>
+              </a:defRPr>
+            </a:lvl6pPr>
+            <a:lvl7pPr marL="3200400" marR="0" lvl="6" indent="-323850" algn="l" rtl="0">
+              <a:lnSpc>
+                <a:spcPct val="100000"/>
+              </a:lnSpc>
+              <a:spcBef>
+                <a:spcPts val="0"/>
+              </a:spcBef>
+              <a:spcAft>
+                <a:spcPts val="0"/>
+              </a:spcAft>
+              <a:buClr>
+                <a:schemeClr val="lt1"/>
+              </a:buClr>
+              <a:buSzPts val="1500"/>
+              <a:buFont typeface="Chivo"/>
+              <a:buNone/>
+              <a:defRPr sz="2200" b="0" i="0" u="none" strike="noStrike" cap="none">
+                <a:solidFill>
+                  <a:schemeClr val="lt1"/>
+                </a:solidFill>
+                <a:latin typeface="Anek Devanagari ExtraBold"/>
+                <a:ea typeface="Anek Devanagari ExtraBold"/>
+                <a:cs typeface="Anek Devanagari ExtraBold"/>
+                <a:sym typeface="Anek Devanagari ExtraBold"/>
+              </a:defRPr>
+            </a:lvl7pPr>
+            <a:lvl8pPr marL="3657600" marR="0" lvl="7" indent="-323850" algn="l" rtl="0">
+              <a:lnSpc>
+                <a:spcPct val="100000"/>
+              </a:lnSpc>
+              <a:spcBef>
+                <a:spcPts val="0"/>
+              </a:spcBef>
+              <a:spcAft>
+                <a:spcPts val="0"/>
+              </a:spcAft>
+              <a:buClr>
+                <a:schemeClr val="lt1"/>
+              </a:buClr>
+              <a:buSzPts val="1500"/>
+              <a:buFont typeface="Chivo"/>
+              <a:buNone/>
+              <a:defRPr sz="2200" b="0" i="0" u="none" strike="noStrike" cap="none">
+                <a:solidFill>
+                  <a:schemeClr val="lt1"/>
+                </a:solidFill>
+                <a:latin typeface="Anek Devanagari ExtraBold"/>
+                <a:ea typeface="Anek Devanagari ExtraBold"/>
+                <a:cs typeface="Anek Devanagari ExtraBold"/>
+                <a:sym typeface="Anek Devanagari ExtraBold"/>
+              </a:defRPr>
+            </a:lvl8pPr>
+            <a:lvl9pPr marL="4114800" marR="0" lvl="8" indent="-323850" algn="l" rtl="0">
+              <a:lnSpc>
+                <a:spcPct val="100000"/>
+              </a:lnSpc>
+              <a:spcBef>
+                <a:spcPts val="0"/>
+              </a:spcBef>
+              <a:spcAft>
+                <a:spcPts val="0"/>
+              </a:spcAft>
+              <a:buClr>
+                <a:schemeClr val="lt1"/>
+              </a:buClr>
+              <a:buSzPts val="1500"/>
+              <a:buFont typeface="Chivo"/>
+              <a:buNone/>
+              <a:defRPr sz="2200" b="0" i="0" u="none" strike="noStrike" cap="none">
+                <a:solidFill>
+                  <a:schemeClr val="lt1"/>
+                </a:solidFill>
+                <a:latin typeface="Anek Devanagari ExtraBold"/>
+                <a:ea typeface="Anek Devanagari ExtraBold"/>
+                <a:cs typeface="Anek Devanagari ExtraBold"/>
+                <a:sym typeface="Anek Devanagari ExtraBold"/>
+              </a:defRPr>
+            </a:lvl9pPr>
+          </a:lstStyle>
+          <a:p>
+            <a:pPr marL="0" indent="0"/>
+            <a:r>
+              <a:rPr lang="en-US" dirty="0"/>
+              <a:t>Launch Vehicles</a:t>
+            </a:r>
+          </a:p>
+        </p:txBody>
+      </p:sp>
+      <p:sp>
+        <p:nvSpPr>
+          <p:cNvPr id="3" name="Google Shape;1241;p48">
+            <a:extLst>
+              <a:ext uri="{FF2B5EF4-FFF2-40B4-BE49-F238E27FC236}">
+                <a16:creationId xmlns:a16="http://schemas.microsoft.com/office/drawing/2014/main" id="{A871F945-E6DA-3B7B-A711-431F5078048E}"/>
+              </a:ext>
+            </a:extLst>
+          </p:cNvPr>
+          <p:cNvSpPr txBox="1">
+            <a:spLocks/>
+          </p:cNvSpPr>
+          <p:nvPr/>
+        </p:nvSpPr>
+        <p:spPr>
+          <a:xfrm>
+            <a:off x="215781" y="3749171"/>
+            <a:ext cx="1562100" cy="530400"/>
+          </a:xfrm>
+          <a:prstGeom prst="rect">
+            <a:avLst/>
+          </a:prstGeom>
+          <a:noFill/>
+          <a:ln>
+            <a:noFill/>
+          </a:ln>
+        </p:spPr>
+        <p:txBody>
+          <a:bodyPr spcFirstLastPara="1" wrap="square" lIns="91425" tIns="91425" rIns="91425" bIns="91425" anchor="b" anchorCtr="0">
+            <a:noAutofit/>
+          </a:bodyPr>
+          <a:lstStyle>
+            <a:defPPr marR="0" lvl="0" algn="l" rtl="0">
+              <a:lnSpc>
+                <a:spcPct val="100000"/>
+              </a:lnSpc>
+              <a:spcBef>
+                <a:spcPts val="0"/>
+              </a:spcBef>
+              <a:spcAft>
+                <a:spcPts val="0"/>
+              </a:spcAft>
+            </a:defPPr>
+            <a:lvl1pPr marL="457200" marR="0" lvl="0" indent="-323850" algn="ctr" rtl="0">
+              <a:lnSpc>
+                <a:spcPct val="100000"/>
+              </a:lnSpc>
+              <a:spcBef>
+                <a:spcPts val="0"/>
+              </a:spcBef>
+              <a:spcAft>
+                <a:spcPts val="0"/>
+              </a:spcAft>
+              <a:buClr>
+                <a:schemeClr val="lt1"/>
+              </a:buClr>
+              <a:buSzPts val="1500"/>
+              <a:buFont typeface="Chivo"/>
+              <a:buNone/>
+              <a:defRPr sz="2200" b="0" i="0" u="none" strike="noStrike" cap="none">
+                <a:solidFill>
+                  <a:schemeClr val="lt1"/>
+                </a:solidFill>
+                <a:latin typeface="Anek Devanagari ExtraBold"/>
+                <a:ea typeface="Anek Devanagari ExtraBold"/>
+                <a:cs typeface="Anek Devanagari ExtraBold"/>
+                <a:sym typeface="Anek Devanagari ExtraBold"/>
+              </a:defRPr>
+            </a:lvl1pPr>
+            <a:lvl2pPr marL="914400" marR="0" lvl="1" indent="-323850" algn="l" rtl="0">
+              <a:lnSpc>
+                <a:spcPct val="100000"/>
+              </a:lnSpc>
+              <a:spcBef>
+                <a:spcPts val="0"/>
+              </a:spcBef>
+              <a:spcAft>
+                <a:spcPts val="0"/>
+              </a:spcAft>
+              <a:buClr>
+                <a:schemeClr val="lt1"/>
+              </a:buClr>
+              <a:buSzPts val="1500"/>
+              <a:buFont typeface="Chivo"/>
+              <a:buNone/>
+              <a:defRPr sz="2200" b="0" i="0" u="none" strike="noStrike" cap="none">
+                <a:solidFill>
+                  <a:schemeClr val="lt1"/>
+                </a:solidFill>
+                <a:latin typeface="Anek Devanagari ExtraBold"/>
+                <a:ea typeface="Anek Devanagari ExtraBold"/>
+                <a:cs typeface="Anek Devanagari ExtraBold"/>
+                <a:sym typeface="Anek Devanagari ExtraBold"/>
+              </a:defRPr>
+            </a:lvl2pPr>
+            <a:lvl3pPr marL="1371600" marR="0" lvl="2" indent="-323850" algn="l" rtl="0">
+              <a:lnSpc>
+                <a:spcPct val="100000"/>
+              </a:lnSpc>
+              <a:spcBef>
+                <a:spcPts val="0"/>
+              </a:spcBef>
+              <a:spcAft>
+                <a:spcPts val="0"/>
+              </a:spcAft>
+              <a:buClr>
+                <a:schemeClr val="lt1"/>
+              </a:buClr>
+              <a:buSzPts val="1500"/>
+              <a:buFont typeface="Chivo"/>
+              <a:buNone/>
+              <a:defRPr sz="2200" b="0" i="0" u="none" strike="noStrike" cap="none">
+                <a:solidFill>
+                  <a:schemeClr val="lt1"/>
+                </a:solidFill>
+                <a:latin typeface="Anek Devanagari ExtraBold"/>
+                <a:ea typeface="Anek Devanagari ExtraBold"/>
+                <a:cs typeface="Anek Devanagari ExtraBold"/>
+                <a:sym typeface="Anek Devanagari ExtraBold"/>
+              </a:defRPr>
+            </a:lvl3pPr>
+            <a:lvl4pPr marL="1828800" marR="0" lvl="3" indent="-323850" algn="l" rtl="0">
+              <a:lnSpc>
+                <a:spcPct val="100000"/>
+              </a:lnSpc>
+              <a:spcBef>
+                <a:spcPts val="0"/>
+              </a:spcBef>
+              <a:spcAft>
+                <a:spcPts val="0"/>
+              </a:spcAft>
+              <a:buClr>
+                <a:schemeClr val="lt1"/>
+              </a:buClr>
+              <a:buSzPts val="1500"/>
+              <a:buFont typeface="Chivo"/>
+              <a:buNone/>
+              <a:defRPr sz="2200" b="0" i="0" u="none" strike="noStrike" cap="none">
+                <a:solidFill>
+                  <a:schemeClr val="lt1"/>
+                </a:solidFill>
+                <a:latin typeface="Anek Devanagari ExtraBold"/>
+                <a:ea typeface="Anek Devanagari ExtraBold"/>
+                <a:cs typeface="Anek Devanagari ExtraBold"/>
+                <a:sym typeface="Anek Devanagari ExtraBold"/>
+              </a:defRPr>
+            </a:lvl4pPr>
+            <a:lvl5pPr marL="2286000" marR="0" lvl="4" indent="-323850" algn="l" rtl="0">
+              <a:lnSpc>
+                <a:spcPct val="100000"/>
+              </a:lnSpc>
+              <a:spcBef>
+                <a:spcPts val="0"/>
+              </a:spcBef>
+              <a:spcAft>
+                <a:spcPts val="0"/>
+              </a:spcAft>
+              <a:buClr>
+                <a:schemeClr val="lt1"/>
+              </a:buClr>
+              <a:buSzPts val="1500"/>
+              <a:buFont typeface="Chivo"/>
+              <a:buNone/>
+              <a:defRPr sz="2200" b="0" i="0" u="none" strike="noStrike" cap="none">
+                <a:solidFill>
+                  <a:schemeClr val="lt1"/>
+                </a:solidFill>
+                <a:latin typeface="Anek Devanagari ExtraBold"/>
+                <a:ea typeface="Anek Devanagari ExtraBold"/>
+                <a:cs typeface="Anek Devanagari ExtraBold"/>
+                <a:sym typeface="Anek Devanagari ExtraBold"/>
+              </a:defRPr>
+            </a:lvl5pPr>
+            <a:lvl6pPr marL="2743200" marR="0" lvl="5" indent="-323850" algn="l" rtl="0">
+              <a:lnSpc>
+                <a:spcPct val="100000"/>
+              </a:lnSpc>
+              <a:spcBef>
+                <a:spcPts val="0"/>
+              </a:spcBef>
+              <a:spcAft>
+                <a:spcPts val="0"/>
+              </a:spcAft>
+              <a:buClr>
+                <a:schemeClr val="lt1"/>
+              </a:buClr>
+              <a:buSzPts val="1500"/>
+              <a:buFont typeface="Chivo"/>
+              <a:buNone/>
+              <a:defRPr sz="2200" b="0" i="0" u="none" strike="noStrike" cap="none">
+                <a:solidFill>
+                  <a:schemeClr val="lt1"/>
+                </a:solidFill>
+                <a:latin typeface="Anek Devanagari ExtraBold"/>
+                <a:ea typeface="Anek Devanagari ExtraBold"/>
+                <a:cs typeface="Anek Devanagari ExtraBold"/>
+                <a:sym typeface="Anek Devanagari ExtraBold"/>
+              </a:defRPr>
+            </a:lvl6pPr>
+            <a:lvl7pPr marL="3200400" marR="0" lvl="6" indent="-323850" algn="l" rtl="0">
+              <a:lnSpc>
+                <a:spcPct val="100000"/>
+              </a:lnSpc>
+              <a:spcBef>
+                <a:spcPts val="0"/>
+              </a:spcBef>
+              <a:spcAft>
+                <a:spcPts val="0"/>
+              </a:spcAft>
+              <a:buClr>
+                <a:schemeClr val="lt1"/>
+              </a:buClr>
+              <a:buSzPts val="1500"/>
+              <a:buFont typeface="Chivo"/>
+              <a:buNone/>
+              <a:defRPr sz="2200" b="0" i="0" u="none" strike="noStrike" cap="none">
+                <a:solidFill>
+                  <a:schemeClr val="lt1"/>
+                </a:solidFill>
+                <a:latin typeface="Anek Devanagari ExtraBold"/>
+                <a:ea typeface="Anek Devanagari ExtraBold"/>
+                <a:cs typeface="Anek Devanagari ExtraBold"/>
+                <a:sym typeface="Anek Devanagari ExtraBold"/>
+              </a:defRPr>
+            </a:lvl7pPr>
+            <a:lvl8pPr marL="3657600" marR="0" lvl="7" indent="-323850" algn="l" rtl="0">
+              <a:lnSpc>
+                <a:spcPct val="100000"/>
+              </a:lnSpc>
+              <a:spcBef>
+                <a:spcPts val="0"/>
+              </a:spcBef>
+              <a:spcAft>
+                <a:spcPts val="0"/>
+              </a:spcAft>
+              <a:buClr>
+                <a:schemeClr val="lt1"/>
+              </a:buClr>
+              <a:buSzPts val="1500"/>
+              <a:buFont typeface="Chivo"/>
+              <a:buNone/>
+              <a:defRPr sz="2200" b="0" i="0" u="none" strike="noStrike" cap="none">
+                <a:solidFill>
+                  <a:schemeClr val="lt1"/>
+                </a:solidFill>
+                <a:latin typeface="Anek Devanagari ExtraBold"/>
+                <a:ea typeface="Anek Devanagari ExtraBold"/>
+                <a:cs typeface="Anek Devanagari ExtraBold"/>
+                <a:sym typeface="Anek Devanagari ExtraBold"/>
+              </a:defRPr>
+            </a:lvl8pPr>
+            <a:lvl9pPr marL="4114800" marR="0" lvl="8" indent="-323850" algn="l" rtl="0">
+              <a:lnSpc>
+                <a:spcPct val="100000"/>
+              </a:lnSpc>
+              <a:spcBef>
+                <a:spcPts val="0"/>
+              </a:spcBef>
+              <a:spcAft>
+                <a:spcPts val="0"/>
+              </a:spcAft>
+              <a:buClr>
+                <a:schemeClr val="lt1"/>
+              </a:buClr>
+              <a:buSzPts val="1500"/>
+              <a:buFont typeface="Chivo"/>
+              <a:buNone/>
+              <a:defRPr sz="2200" b="0" i="0" u="none" strike="noStrike" cap="none">
+                <a:solidFill>
+                  <a:schemeClr val="lt1"/>
+                </a:solidFill>
+                <a:latin typeface="Anek Devanagari ExtraBold"/>
+                <a:ea typeface="Anek Devanagari ExtraBold"/>
+                <a:cs typeface="Anek Devanagari ExtraBold"/>
+                <a:sym typeface="Anek Devanagari ExtraBold"/>
+              </a:defRPr>
+            </a:lvl9pPr>
+          </a:lstStyle>
+          <a:p>
+            <a:pPr marL="0" indent="0"/>
+            <a:r>
+              <a:rPr lang="en-US" dirty="0"/>
+              <a:t>Hobby</a:t>
+            </a:r>
+          </a:p>
+        </p:txBody>
+      </p:sp>
+      <p:pic>
+        <p:nvPicPr>
+          <p:cNvPr id="2050" name="Picture 2" descr="Model rocket - Wikipedia">
+            <a:extLst>
+              <a:ext uri="{FF2B5EF4-FFF2-40B4-BE49-F238E27FC236}">
+                <a16:creationId xmlns:a16="http://schemas.microsoft.com/office/drawing/2014/main" id="{ED1C612E-04E1-F7CB-155C-C371EB371380}"/>
+              </a:ext>
+            </a:extLst>
+          </p:cNvPr>
+          <p:cNvPicPr>
+            <a:picLocks noChangeAspect="1" noChangeArrowheads="1"/>
+          </p:cNvPicPr>
+          <p:nvPr/>
+        </p:nvPicPr>
+        <p:blipFill>
+          <a:blip r:embed="rId3">
+            <a:extLst>
+              <a:ext uri="{28A0092B-C50C-407E-A947-70E740481C1C}">
+                <a14:useLocalDpi xmlns:a14="http://schemas.microsoft.com/office/drawing/2010/main" val="0"/>
+              </a:ext>
+            </a:extLst>
+          </a:blip>
+          <a:srcRect/>
+          <a:stretch>
+            <a:fillRect/>
+          </a:stretch>
+        </p:blipFill>
+        <p:spPr bwMode="auto">
+          <a:xfrm>
+            <a:off x="188954" y="1536159"/>
+            <a:ext cx="1538669" cy="1921853"/>
+          </a:xfrm>
+          <a:prstGeom prst="rect">
+            <a:avLst/>
+          </a:prstGeom>
+          <a:noFill/>
+          <a:extLst>
+            <a:ext uri="{909E8E84-426E-40DD-AFC4-6F175D3DCCD1}">
+              <a14:hiddenFill xmlns:a14="http://schemas.microsoft.com/office/drawing/2010/main">
+                <a:solidFill>
+                  <a:srgbClr val="FFFFFF"/>
+                </a:solidFill>
+              </a14:hiddenFill>
+            </a:ext>
+          </a:extLst>
+        </p:spPr>
+      </p:pic>
+      <p:pic>
+        <p:nvPicPr>
+          <p:cNvPr id="2054" name="Picture 6" descr="Space Force sounding rocket launches experiment to study Earth’s ionosphere - SpaceNews">
+            <a:extLst>
+              <a:ext uri="{FF2B5EF4-FFF2-40B4-BE49-F238E27FC236}">
+                <a16:creationId xmlns:a16="http://schemas.microsoft.com/office/drawing/2014/main" id="{8148C1CC-6D69-E2A6-1EE4-EA2F777A84D5}"/>
+              </a:ext>
+            </a:extLst>
+          </p:cNvPr>
+          <p:cNvPicPr>
+            <a:picLocks noChangeAspect="1" noChangeArrowheads="1"/>
+          </p:cNvPicPr>
+          <p:nvPr/>
+        </p:nvPicPr>
+        <p:blipFill rotWithShape="1">
+          <a:blip r:embed="rId4">
+            <a:extLst>
+              <a:ext uri="{28A0092B-C50C-407E-A947-70E740481C1C}">
+                <a14:useLocalDpi xmlns:a14="http://schemas.microsoft.com/office/drawing/2010/main" val="0"/>
+              </a:ext>
+            </a:extLst>
+          </a:blip>
+          <a:srcRect l="22999" t="-162" r="20435"/>
+          <a:stretch/>
+        </p:blipFill>
+        <p:spPr bwMode="auto">
+          <a:xfrm>
+            <a:off x="4420532" y="1536158"/>
+            <a:ext cx="1666527" cy="1967298"/>
+          </a:xfrm>
+          <a:prstGeom prst="rect">
+            <a:avLst/>
+          </a:prstGeom>
+          <a:noFill/>
+          <a:extLst>
+            <a:ext uri="{909E8E84-426E-40DD-AFC4-6F175D3DCCD1}">
+              <a14:hiddenFill xmlns:a14="http://schemas.microsoft.com/office/drawing/2010/main">
+                <a:solidFill>
+                  <a:srgbClr val="FFFFFF"/>
+                </a:solidFill>
+              </a14:hiddenFill>
+            </a:ext>
+          </a:extLst>
+        </p:spPr>
+      </p:pic>
+      <p:pic>
+        <p:nvPicPr>
+          <p:cNvPr id="2056" name="Picture 8">
+            <a:extLst>
+              <a:ext uri="{FF2B5EF4-FFF2-40B4-BE49-F238E27FC236}">
+                <a16:creationId xmlns:a16="http://schemas.microsoft.com/office/drawing/2014/main" id="{1438722C-042E-5AD3-51BB-1A6899B229AE}"/>
+              </a:ext>
+            </a:extLst>
+          </p:cNvPr>
+          <p:cNvPicPr>
+            <a:picLocks noChangeAspect="1" noChangeArrowheads="1"/>
+          </p:cNvPicPr>
+          <p:nvPr/>
+        </p:nvPicPr>
+        <p:blipFill>
+          <a:blip r:embed="rId5">
+            <a:extLst>
+              <a:ext uri="{28A0092B-C50C-407E-A947-70E740481C1C}">
+                <a14:useLocalDpi xmlns:a14="http://schemas.microsoft.com/office/drawing/2010/main" val="0"/>
+              </a:ext>
+            </a:extLst>
+          </a:blip>
+          <a:srcRect/>
+          <a:stretch>
+            <a:fillRect/>
+          </a:stretch>
+        </p:blipFill>
+        <p:spPr bwMode="auto">
+          <a:xfrm>
+            <a:off x="2259810" y="1536158"/>
+            <a:ext cx="1518501" cy="1921853"/>
+          </a:xfrm>
+          <a:prstGeom prst="rect">
+            <a:avLst/>
+          </a:prstGeom>
+          <a:noFill/>
+          <a:extLst>
+            <a:ext uri="{909E8E84-426E-40DD-AFC4-6F175D3DCCD1}">
+              <a14:hiddenFill xmlns:a14="http://schemas.microsoft.com/office/drawing/2010/main">
+                <a:solidFill>
+                  <a:srgbClr val="FFFFFF"/>
+                </a:solidFill>
+              </a14:hiddenFill>
+            </a:ext>
+          </a:extLst>
+        </p:spPr>
+      </p:pic>
+      <p:pic>
+        <p:nvPicPr>
+          <p:cNvPr id="2058" name="Picture 10" descr="Saturn V at 50: NASA moon rocket lifted off on maiden mission 50 years ago | collectSPACE">
+            <a:extLst>
+              <a:ext uri="{FF2B5EF4-FFF2-40B4-BE49-F238E27FC236}">
+                <a16:creationId xmlns:a16="http://schemas.microsoft.com/office/drawing/2014/main" id="{25C472F8-4389-C90F-1208-46688AC05396}"/>
+              </a:ext>
+            </a:extLst>
+          </p:cNvPr>
+          <p:cNvPicPr>
+            <a:picLocks noChangeAspect="1" noChangeArrowheads="1"/>
+          </p:cNvPicPr>
+          <p:nvPr/>
+        </p:nvPicPr>
+        <p:blipFill>
+          <a:blip r:embed="rId6">
+            <a:extLst>
+              <a:ext uri="{28A0092B-C50C-407E-A947-70E740481C1C}">
+                <a14:useLocalDpi xmlns:a14="http://schemas.microsoft.com/office/drawing/2010/main" val="0"/>
+              </a:ext>
+            </a:extLst>
+          </a:blip>
+          <a:srcRect/>
+          <a:stretch>
+            <a:fillRect/>
+          </a:stretch>
+        </p:blipFill>
+        <p:spPr bwMode="auto">
+          <a:xfrm>
+            <a:off x="6945978" y="1536158"/>
+            <a:ext cx="1478022" cy="1884609"/>
+          </a:xfrm>
+          <a:prstGeom prst="rect">
+            <a:avLst/>
+          </a:prstGeom>
+          <a:noFill/>
+          <a:extLst>
+            <a:ext uri="{909E8E84-426E-40DD-AFC4-6F175D3DCCD1}">
+              <a14:hiddenFill xmlns:a14="http://schemas.microsoft.com/office/drawing/2010/main">
+                <a:solidFill>
+                  <a:srgbClr val="FFFFFF"/>
+                </a:solidFill>
+              </a14:hiddenFill>
+            </a:ext>
+          </a:extLst>
+        </p:spPr>
+      </p:pic>
+    </p:spTree>
+  </p:cSld>
+  <p:clrMapOvr>
+    <a:masterClrMapping/>
+  </p:clrMapOvr>
+</p:sld>
+</file>
+
+<file path=ppt/slides/slide4.xml><?xml version="1.0" encoding="utf-8"?>
+<p:sld xmlns:a="http://schemas.openxmlformats.org/drawingml/2006/main" xmlns:r="http://schemas.openxmlformats.org/officeDocument/2006/relationships" xmlns:p="http://schemas.openxmlformats.org/presentationml/2006/main">
+  <p:cSld>
+    <p:spTree>
+      <p:nvGrpSpPr>
         <p:cNvPr id="1" name="Shape 1181"/>
         <p:cNvGrpSpPr/>
         <p:nvPr/>
@@ -35136,7 +37853,7 @@
 </p:sld>
 </file>
 
-<file path=ppt/slides/slide4.xml><?xml version="1.0" encoding="utf-8"?>
+<file path=ppt/slides/slide5.xml><?xml version="1.0" encoding="utf-8"?>
 <p:sld xmlns:a="http://schemas.openxmlformats.org/drawingml/2006/main" xmlns:r="http://schemas.openxmlformats.org/officeDocument/2006/relationships" xmlns:p="http://schemas.openxmlformats.org/presentationml/2006/main">
   <p:cSld>
     <p:spTree>
@@ -35363,7 +38080,7 @@
 </p:sld>
 </file>
 
-<file path=ppt/slides/slide5.xml><?xml version="1.0" encoding="utf-8"?>
+<file path=ppt/slides/slide6.xml><?xml version="1.0" encoding="utf-8"?>
 <p:sld xmlns:a="http://schemas.openxmlformats.org/drawingml/2006/main" xmlns:r="http://schemas.openxmlformats.org/officeDocument/2006/relationships" xmlns:p="http://schemas.openxmlformats.org/presentationml/2006/main">
   <p:cSld>
     <p:spTree>
@@ -35416,7 +38133,7 @@
             </a:pPr>
             <a:r>
               <a:rPr lang="en" dirty="0"/>
-              <a:t>Forces on a Rocket and Airplane</a:t>
+              <a:t>Forces on an Airplane vs Rocket</a:t>
             </a:r>
             <a:endParaRPr dirty="0"/>
           </a:p>
@@ -35505,7 +38222,7 @@
         </p:blipFill>
         <p:spPr bwMode="auto">
           <a:xfrm>
-            <a:off x="380564" y="1184914"/>
+            <a:off x="5267755" y="1416627"/>
             <a:ext cx="2701348" cy="2937036"/>
           </a:xfrm>
           <a:prstGeom prst="rect">
@@ -35553,7 +38270,7 @@
         </p:blipFill>
         <p:spPr bwMode="auto">
           <a:xfrm>
-            <a:off x="2633315" y="1274618"/>
+            <a:off x="215697" y="1330317"/>
             <a:ext cx="5510559" cy="3186545"/>
           </a:xfrm>
           <a:prstGeom prst="rect">
@@ -35576,10 +38293,85 @@
   <p:clrMapOvr>
     <a:masterClrMapping/>
   </p:clrMapOvr>
+  <p:timing>
+    <p:tnLst>
+      <p:par>
+        <p:cTn id="1" dur="indefinite" restart="never" nodeType="tmRoot">
+          <p:childTnLst>
+            <p:seq concurrent="1" nextAc="seek">
+              <p:cTn id="2" dur="indefinite" nodeType="mainSeq">
+                <p:childTnLst>
+                  <p:par>
+                    <p:cTn id="3" fill="hold">
+                      <p:stCondLst>
+                        <p:cond delay="indefinite"/>
+                      </p:stCondLst>
+                      <p:childTnLst>
+                        <p:par>
+                          <p:cTn id="4" fill="hold">
+                            <p:stCondLst>
+                              <p:cond delay="0"/>
+                            </p:stCondLst>
+                            <p:childTnLst>
+                              <p:par>
+                                <p:cTn id="5" presetID="1" presetClass="entr" presetSubtype="0" fill="hold" nodeType="clickEffect">
+                                  <p:stCondLst>
+                                    <p:cond delay="0"/>
+                                  </p:stCondLst>
+                                  <p:childTnLst>
+                                    <p:set>
+                                      <p:cBhvr>
+                                        <p:cTn id="6" dur="1" fill="hold">
+                                          <p:stCondLst>
+                                            <p:cond delay="0"/>
+                                          </p:stCondLst>
+                                        </p:cTn>
+                                        <p:tgtEl>
+                                          <p:spTgt spid="2052"/>
+                                        </p:tgtEl>
+                                        <p:attrNameLst>
+                                          <p:attrName>style.visibility</p:attrName>
+                                        </p:attrNameLst>
+                                      </p:cBhvr>
+                                      <p:to>
+                                        <p:strVal val="visible"/>
+                                      </p:to>
+                                    </p:set>
+                                  </p:childTnLst>
+                                </p:cTn>
+                              </p:par>
+                            </p:childTnLst>
+                          </p:cTn>
+                        </p:par>
+                      </p:childTnLst>
+                    </p:cTn>
+                  </p:par>
+                </p:childTnLst>
+              </p:cTn>
+              <p:prevCondLst>
+                <p:cond evt="onPrev" delay="0">
+                  <p:tgtEl>
+                    <p:sldTgt/>
+                  </p:tgtEl>
+                </p:cond>
+              </p:prevCondLst>
+              <p:nextCondLst>
+                <p:cond evt="onNext" delay="0">
+                  <p:tgtEl>
+                    <p:sldTgt/>
+                  </p:tgtEl>
+                </p:cond>
+              </p:nextCondLst>
+            </p:seq>
+          </p:childTnLst>
+        </p:cTn>
+      </p:par>
+    </p:tnLst>
+  </p:timing>
 </p:sld>
 </file>
 
-<file path=ppt/slides/slide6.xml><?xml version="1.0" encoding="utf-8"?>
+<file path=ppt/slides/slide7.xml><?xml version="1.0" encoding="utf-8"?>
 <p:sld xmlns:a="http://schemas.openxmlformats.org/drawingml/2006/main" xmlns:r="http://schemas.openxmlformats.org/officeDocument/2006/relationships" xmlns:p="http://schemas.openxmlformats.org/presentationml/2006/main">
   <p:cSld>
     <p:spTree>
@@ -35752,7 +38544,7 @@
 </p:sld>
 </file>
 
-<file path=ppt/slides/slide7.xml><?xml version="1.0" encoding="utf-8"?>
+<file path=ppt/slides/slide8.xml><?xml version="1.0" encoding="utf-8"?>
 <p:sld xmlns:a="http://schemas.openxmlformats.org/drawingml/2006/main" xmlns:r="http://schemas.openxmlformats.org/officeDocument/2006/relationships" xmlns:p="http://schemas.openxmlformats.org/presentationml/2006/main">
   <p:cSld>
     <p:spTree>
@@ -36777,1052 +39569,6 @@
           </a:p>
         </p:txBody>
       </p:sp>
-    </p:spTree>
-  </p:cSld>
-  <p:clrMapOvr>
-    <a:masterClrMapping/>
-  </p:clrMapOvr>
-</p:sld>
-</file>
-
-<file path=ppt/slides/slide8.xml><?xml version="1.0" encoding="utf-8"?>
-<p:sld xmlns:a="http://schemas.openxmlformats.org/drawingml/2006/main" xmlns:r="http://schemas.openxmlformats.org/officeDocument/2006/relationships" xmlns:p="http://schemas.openxmlformats.org/presentationml/2006/main">
-  <p:cSld>
-    <p:spTree>
-      <p:nvGrpSpPr>
-        <p:cNvPr id="1" name="Shape 1240"/>
-        <p:cNvGrpSpPr/>
-        <p:nvPr/>
-      </p:nvGrpSpPr>
-      <p:grpSpPr>
-        <a:xfrm>
-          <a:off x="0" y="0"/>
-          <a:ext cx="0" cy="0"/>
-          <a:chOff x="0" y="0"/>
-          <a:chExt cx="0" cy="0"/>
-        </a:xfrm>
-      </p:grpSpPr>
-      <p:sp>
-        <p:nvSpPr>
-          <p:cNvPr id="1241" name="Google Shape;1241;p48"/>
-          <p:cNvSpPr txBox="1">
-            <a:spLocks noGrp="1"/>
-          </p:cNvSpPr>
-          <p:nvPr>
-            <p:ph type="subTitle" idx="1"/>
-          </p:nvPr>
-        </p:nvSpPr>
-        <p:spPr>
-          <a:xfrm>
-            <a:off x="2294700" y="3799871"/>
-            <a:ext cx="1478022" cy="530400"/>
-          </a:xfrm>
-          <a:prstGeom prst="rect">
-            <a:avLst/>
-          </a:prstGeom>
-        </p:spPr>
-        <p:txBody>
-          <a:bodyPr spcFirstLastPara="1" wrap="square" lIns="91425" tIns="91425" rIns="91425" bIns="91425" anchor="b" anchorCtr="0">
-            <a:noAutofit/>
-          </a:bodyPr>
-          <a:lstStyle/>
-          <a:p>
-            <a:pPr marL="0" lvl="0" indent="0" algn="ctr" rtl="0">
-              <a:spcBef>
-                <a:spcPts val="0"/>
-              </a:spcBef>
-              <a:spcAft>
-                <a:spcPts val="0"/>
-              </a:spcAft>
-              <a:buNone/>
-            </a:pPr>
-            <a:r>
-              <a:rPr lang="en" dirty="0"/>
-              <a:t>Missles</a:t>
-            </a:r>
-            <a:endParaRPr dirty="0"/>
-          </a:p>
-        </p:txBody>
-      </p:sp>
-      <p:sp>
-        <p:nvSpPr>
-          <p:cNvPr id="1243" name="Google Shape;1243;p48"/>
-          <p:cNvSpPr txBox="1">
-            <a:spLocks noGrp="1"/>
-          </p:cNvSpPr>
-          <p:nvPr>
-            <p:ph type="subTitle" idx="3"/>
-          </p:nvPr>
-        </p:nvSpPr>
-        <p:spPr>
-          <a:xfrm>
-            <a:off x="4115449" y="3809899"/>
-            <a:ext cx="2559542" cy="530400"/>
-          </a:xfrm>
-          <a:prstGeom prst="rect">
-            <a:avLst/>
-          </a:prstGeom>
-        </p:spPr>
-        <p:txBody>
-          <a:bodyPr spcFirstLastPara="1" wrap="square" lIns="91425" tIns="91425" rIns="91425" bIns="91425" anchor="b" anchorCtr="0">
-            <a:noAutofit/>
-          </a:bodyPr>
-          <a:lstStyle/>
-          <a:p>
-            <a:pPr marL="0" lvl="0" indent="0" algn="ctr" rtl="0">
-              <a:spcBef>
-                <a:spcPts val="0"/>
-              </a:spcBef>
-              <a:spcAft>
-                <a:spcPts val="0"/>
-              </a:spcAft>
-              <a:buNone/>
-            </a:pPr>
-            <a:r>
-              <a:rPr lang="en" dirty="0"/>
-              <a:t>Sounding Rockets</a:t>
-            </a:r>
-            <a:endParaRPr dirty="0"/>
-          </a:p>
-        </p:txBody>
-      </p:sp>
-      <p:sp>
-        <p:nvSpPr>
-          <p:cNvPr id="1245" name="Google Shape;1245;p48"/>
-          <p:cNvSpPr txBox="1">
-            <a:spLocks noGrp="1"/>
-          </p:cNvSpPr>
-          <p:nvPr>
-            <p:ph type="title"/>
-          </p:nvPr>
-        </p:nvSpPr>
-        <p:spPr>
-          <a:xfrm>
-            <a:off x="720000" y="387600"/>
-            <a:ext cx="7704000" cy="592200"/>
-          </a:xfrm>
-          <a:prstGeom prst="rect">
-            <a:avLst/>
-          </a:prstGeom>
-        </p:spPr>
-        <p:txBody>
-          <a:bodyPr spcFirstLastPara="1" wrap="square" lIns="91425" tIns="91425" rIns="91425" bIns="91425" anchor="t" anchorCtr="0">
-            <a:noAutofit/>
-          </a:bodyPr>
-          <a:lstStyle/>
-          <a:p>
-            <a:pPr marL="0" lvl="0" indent="0" algn="l" rtl="0">
-              <a:spcBef>
-                <a:spcPts val="0"/>
-              </a:spcBef>
-              <a:spcAft>
-                <a:spcPts val="0"/>
-              </a:spcAft>
-              <a:buClr>
-                <a:schemeClr val="dk1"/>
-              </a:buClr>
-              <a:buSzPts val="1100"/>
-              <a:buFont typeface="Arial"/>
-              <a:buNone/>
-            </a:pPr>
-            <a:r>
-              <a:rPr lang="en" dirty="0"/>
-              <a:t>Uses of Rocketry</a:t>
-            </a:r>
-            <a:endParaRPr dirty="0"/>
-          </a:p>
-        </p:txBody>
-      </p:sp>
-      <p:sp>
-        <p:nvSpPr>
-          <p:cNvPr id="1248" name="Google Shape;1248;p48"/>
-          <p:cNvSpPr/>
-          <p:nvPr/>
-        </p:nvSpPr>
-        <p:spPr>
-          <a:xfrm>
-            <a:off x="825075" y="1021550"/>
-            <a:ext cx="3180300" cy="78600"/>
-          </a:xfrm>
-          <a:prstGeom prst="roundRect">
-            <a:avLst>
-              <a:gd name="adj" fmla="val 50000"/>
-            </a:avLst>
-          </a:prstGeom>
-          <a:gradFill>
-            <a:gsLst>
-              <a:gs pos="0">
-                <a:srgbClr val="FFFFFF">
-                  <a:alpha val="0"/>
-                </a:srgbClr>
-              </a:gs>
-              <a:gs pos="100000">
-                <a:srgbClr val="FFFFFF">
-                  <a:alpha val="56078"/>
-                </a:srgbClr>
-              </a:gs>
-            </a:gsLst>
-            <a:lin ang="0" scaled="0"/>
-          </a:gradFill>
-          <a:ln>
-            <a:noFill/>
-          </a:ln>
-        </p:spPr>
-        <p:txBody>
-          <a:bodyPr spcFirstLastPara="1" wrap="square" lIns="91425" tIns="91425" rIns="91425" bIns="91425" anchor="ctr" anchorCtr="0">
-            <a:noAutofit/>
-          </a:bodyPr>
-          <a:lstStyle/>
-          <a:p>
-            <a:pPr marL="0" lvl="0" indent="0" algn="l" rtl="0">
-              <a:spcBef>
-                <a:spcPts val="0"/>
-              </a:spcBef>
-              <a:spcAft>
-                <a:spcPts val="0"/>
-              </a:spcAft>
-              <a:buNone/>
-            </a:pPr>
-            <a:endParaRPr/>
-          </a:p>
-        </p:txBody>
-      </p:sp>
-      <p:sp>
-        <p:nvSpPr>
-          <p:cNvPr id="1249" name="Google Shape;1249;p48"/>
-          <p:cNvSpPr/>
-          <p:nvPr/>
-        </p:nvSpPr>
-        <p:spPr>
-          <a:xfrm>
-            <a:off x="7498690" y="1230977"/>
-            <a:ext cx="76974" cy="76968"/>
-          </a:xfrm>
-          <a:custGeom>
-            <a:avLst/>
-            <a:gdLst/>
-            <a:ahLst/>
-            <a:cxnLst/>
-            <a:rect l="l" t="t" r="r" b="b"/>
-            <a:pathLst>
-              <a:path w="1180" h="1180" extrusionOk="0">
-                <a:moveTo>
-                  <a:pt x="590" y="1"/>
-                </a:moveTo>
-                <a:lnTo>
-                  <a:pt x="381" y="381"/>
-                </a:lnTo>
-                <a:lnTo>
-                  <a:pt x="0" y="590"/>
-                </a:lnTo>
-                <a:lnTo>
-                  <a:pt x="381" y="799"/>
-                </a:lnTo>
-                <a:lnTo>
-                  <a:pt x="590" y="1180"/>
-                </a:lnTo>
-                <a:lnTo>
-                  <a:pt x="799" y="799"/>
-                </a:lnTo>
-                <a:lnTo>
-                  <a:pt x="1180" y="590"/>
-                </a:lnTo>
-                <a:lnTo>
-                  <a:pt x="799" y="381"/>
-                </a:lnTo>
-                <a:lnTo>
-                  <a:pt x="590" y="1"/>
-                </a:lnTo>
-                <a:close/>
-              </a:path>
-            </a:pathLst>
-          </a:custGeom>
-          <a:solidFill>
-            <a:schemeClr val="lt1"/>
-          </a:solidFill>
-          <a:ln>
-            <a:noFill/>
-          </a:ln>
-        </p:spPr>
-        <p:txBody>
-          <a:bodyPr spcFirstLastPara="1" wrap="square" lIns="91425" tIns="91425" rIns="91425" bIns="91425" anchor="ctr" anchorCtr="0">
-            <a:noAutofit/>
-          </a:bodyPr>
-          <a:lstStyle/>
-          <a:p>
-            <a:pPr marL="0" lvl="0" indent="0" algn="l" rtl="0">
-              <a:spcBef>
-                <a:spcPts val="0"/>
-              </a:spcBef>
-              <a:spcAft>
-                <a:spcPts val="0"/>
-              </a:spcAft>
-              <a:buNone/>
-            </a:pPr>
-            <a:endParaRPr/>
-          </a:p>
-        </p:txBody>
-      </p:sp>
-      <p:sp>
-        <p:nvSpPr>
-          <p:cNvPr id="2" name="Google Shape;1243;p48">
-            <a:extLst>
-              <a:ext uri="{FF2B5EF4-FFF2-40B4-BE49-F238E27FC236}">
-                <a16:creationId xmlns:a16="http://schemas.microsoft.com/office/drawing/2014/main" id="{75CB235D-AA01-A7DE-0D7F-F3561CFD9297}"/>
-              </a:ext>
-            </a:extLst>
-          </p:cNvPr>
-          <p:cNvSpPr txBox="1">
-            <a:spLocks/>
-          </p:cNvSpPr>
-          <p:nvPr/>
-        </p:nvSpPr>
-        <p:spPr>
-          <a:xfrm>
-            <a:off x="6367200" y="3797133"/>
-            <a:ext cx="2776800" cy="530400"/>
-          </a:xfrm>
-          <a:prstGeom prst="rect">
-            <a:avLst/>
-          </a:prstGeom>
-          <a:noFill/>
-          <a:ln>
-            <a:noFill/>
-          </a:ln>
-        </p:spPr>
-        <p:txBody>
-          <a:bodyPr spcFirstLastPara="1" wrap="square" lIns="91425" tIns="91425" rIns="91425" bIns="91425" anchor="b" anchorCtr="0">
-            <a:noAutofit/>
-          </a:bodyPr>
-          <a:lstStyle>
-            <a:defPPr marR="0" lvl="0" algn="l" rtl="0">
-              <a:lnSpc>
-                <a:spcPct val="100000"/>
-              </a:lnSpc>
-              <a:spcBef>
-                <a:spcPts val="0"/>
-              </a:spcBef>
-              <a:spcAft>
-                <a:spcPts val="0"/>
-              </a:spcAft>
-            </a:defPPr>
-            <a:lvl1pPr marL="457200" marR="0" lvl="0" indent="-323850" algn="ctr" rtl="0">
-              <a:lnSpc>
-                <a:spcPct val="100000"/>
-              </a:lnSpc>
-              <a:spcBef>
-                <a:spcPts val="0"/>
-              </a:spcBef>
-              <a:spcAft>
-                <a:spcPts val="0"/>
-              </a:spcAft>
-              <a:buClr>
-                <a:schemeClr val="lt1"/>
-              </a:buClr>
-              <a:buSzPts val="1500"/>
-              <a:buFont typeface="Chivo"/>
-              <a:buNone/>
-              <a:defRPr sz="2200" b="0" i="0" u="none" strike="noStrike" cap="none">
-                <a:solidFill>
-                  <a:schemeClr val="lt1"/>
-                </a:solidFill>
-                <a:latin typeface="Anek Devanagari ExtraBold"/>
-                <a:ea typeface="Anek Devanagari ExtraBold"/>
-                <a:cs typeface="Anek Devanagari ExtraBold"/>
-                <a:sym typeface="Anek Devanagari ExtraBold"/>
-              </a:defRPr>
-            </a:lvl1pPr>
-            <a:lvl2pPr marL="914400" marR="0" lvl="1" indent="-323850" algn="l" rtl="0">
-              <a:lnSpc>
-                <a:spcPct val="100000"/>
-              </a:lnSpc>
-              <a:spcBef>
-                <a:spcPts val="0"/>
-              </a:spcBef>
-              <a:spcAft>
-                <a:spcPts val="0"/>
-              </a:spcAft>
-              <a:buClr>
-                <a:schemeClr val="lt1"/>
-              </a:buClr>
-              <a:buSzPts val="1500"/>
-              <a:buFont typeface="Chivo"/>
-              <a:buNone/>
-              <a:defRPr sz="2200" b="0" i="0" u="none" strike="noStrike" cap="none">
-                <a:solidFill>
-                  <a:schemeClr val="lt1"/>
-                </a:solidFill>
-                <a:latin typeface="Anek Devanagari ExtraBold"/>
-                <a:ea typeface="Anek Devanagari ExtraBold"/>
-                <a:cs typeface="Anek Devanagari ExtraBold"/>
-                <a:sym typeface="Anek Devanagari ExtraBold"/>
-              </a:defRPr>
-            </a:lvl2pPr>
-            <a:lvl3pPr marL="1371600" marR="0" lvl="2" indent="-323850" algn="l" rtl="0">
-              <a:lnSpc>
-                <a:spcPct val="100000"/>
-              </a:lnSpc>
-              <a:spcBef>
-                <a:spcPts val="0"/>
-              </a:spcBef>
-              <a:spcAft>
-                <a:spcPts val="0"/>
-              </a:spcAft>
-              <a:buClr>
-                <a:schemeClr val="lt1"/>
-              </a:buClr>
-              <a:buSzPts val="1500"/>
-              <a:buFont typeface="Chivo"/>
-              <a:buNone/>
-              <a:defRPr sz="2200" b="0" i="0" u="none" strike="noStrike" cap="none">
-                <a:solidFill>
-                  <a:schemeClr val="lt1"/>
-                </a:solidFill>
-                <a:latin typeface="Anek Devanagari ExtraBold"/>
-                <a:ea typeface="Anek Devanagari ExtraBold"/>
-                <a:cs typeface="Anek Devanagari ExtraBold"/>
-                <a:sym typeface="Anek Devanagari ExtraBold"/>
-              </a:defRPr>
-            </a:lvl3pPr>
-            <a:lvl4pPr marL="1828800" marR="0" lvl="3" indent="-323850" algn="l" rtl="0">
-              <a:lnSpc>
-                <a:spcPct val="100000"/>
-              </a:lnSpc>
-              <a:spcBef>
-                <a:spcPts val="0"/>
-              </a:spcBef>
-              <a:spcAft>
-                <a:spcPts val="0"/>
-              </a:spcAft>
-              <a:buClr>
-                <a:schemeClr val="lt1"/>
-              </a:buClr>
-              <a:buSzPts val="1500"/>
-              <a:buFont typeface="Chivo"/>
-              <a:buNone/>
-              <a:defRPr sz="2200" b="0" i="0" u="none" strike="noStrike" cap="none">
-                <a:solidFill>
-                  <a:schemeClr val="lt1"/>
-                </a:solidFill>
-                <a:latin typeface="Anek Devanagari ExtraBold"/>
-                <a:ea typeface="Anek Devanagari ExtraBold"/>
-                <a:cs typeface="Anek Devanagari ExtraBold"/>
-                <a:sym typeface="Anek Devanagari ExtraBold"/>
-              </a:defRPr>
-            </a:lvl4pPr>
-            <a:lvl5pPr marL="2286000" marR="0" lvl="4" indent="-323850" algn="l" rtl="0">
-              <a:lnSpc>
-                <a:spcPct val="100000"/>
-              </a:lnSpc>
-              <a:spcBef>
-                <a:spcPts val="0"/>
-              </a:spcBef>
-              <a:spcAft>
-                <a:spcPts val="0"/>
-              </a:spcAft>
-              <a:buClr>
-                <a:schemeClr val="lt1"/>
-              </a:buClr>
-              <a:buSzPts val="1500"/>
-              <a:buFont typeface="Chivo"/>
-              <a:buNone/>
-              <a:defRPr sz="2200" b="0" i="0" u="none" strike="noStrike" cap="none">
-                <a:solidFill>
-                  <a:schemeClr val="lt1"/>
-                </a:solidFill>
-                <a:latin typeface="Anek Devanagari ExtraBold"/>
-                <a:ea typeface="Anek Devanagari ExtraBold"/>
-                <a:cs typeface="Anek Devanagari ExtraBold"/>
-                <a:sym typeface="Anek Devanagari ExtraBold"/>
-              </a:defRPr>
-            </a:lvl5pPr>
-            <a:lvl6pPr marL="2743200" marR="0" lvl="5" indent="-323850" algn="l" rtl="0">
-              <a:lnSpc>
-                <a:spcPct val="100000"/>
-              </a:lnSpc>
-              <a:spcBef>
-                <a:spcPts val="0"/>
-              </a:spcBef>
-              <a:spcAft>
-                <a:spcPts val="0"/>
-              </a:spcAft>
-              <a:buClr>
-                <a:schemeClr val="lt1"/>
-              </a:buClr>
-              <a:buSzPts val="1500"/>
-              <a:buFont typeface="Chivo"/>
-              <a:buNone/>
-              <a:defRPr sz="2200" b="0" i="0" u="none" strike="noStrike" cap="none">
-                <a:solidFill>
-                  <a:schemeClr val="lt1"/>
-                </a:solidFill>
-                <a:latin typeface="Anek Devanagari ExtraBold"/>
-                <a:ea typeface="Anek Devanagari ExtraBold"/>
-                <a:cs typeface="Anek Devanagari ExtraBold"/>
-                <a:sym typeface="Anek Devanagari ExtraBold"/>
-              </a:defRPr>
-            </a:lvl6pPr>
-            <a:lvl7pPr marL="3200400" marR="0" lvl="6" indent="-323850" algn="l" rtl="0">
-              <a:lnSpc>
-                <a:spcPct val="100000"/>
-              </a:lnSpc>
-              <a:spcBef>
-                <a:spcPts val="0"/>
-              </a:spcBef>
-              <a:spcAft>
-                <a:spcPts val="0"/>
-              </a:spcAft>
-              <a:buClr>
-                <a:schemeClr val="lt1"/>
-              </a:buClr>
-              <a:buSzPts val="1500"/>
-              <a:buFont typeface="Chivo"/>
-              <a:buNone/>
-              <a:defRPr sz="2200" b="0" i="0" u="none" strike="noStrike" cap="none">
-                <a:solidFill>
-                  <a:schemeClr val="lt1"/>
-                </a:solidFill>
-                <a:latin typeface="Anek Devanagari ExtraBold"/>
-                <a:ea typeface="Anek Devanagari ExtraBold"/>
-                <a:cs typeface="Anek Devanagari ExtraBold"/>
-                <a:sym typeface="Anek Devanagari ExtraBold"/>
-              </a:defRPr>
-            </a:lvl7pPr>
-            <a:lvl8pPr marL="3657600" marR="0" lvl="7" indent="-323850" algn="l" rtl="0">
-              <a:lnSpc>
-                <a:spcPct val="100000"/>
-              </a:lnSpc>
-              <a:spcBef>
-                <a:spcPts val="0"/>
-              </a:spcBef>
-              <a:spcAft>
-                <a:spcPts val="0"/>
-              </a:spcAft>
-              <a:buClr>
-                <a:schemeClr val="lt1"/>
-              </a:buClr>
-              <a:buSzPts val="1500"/>
-              <a:buFont typeface="Chivo"/>
-              <a:buNone/>
-              <a:defRPr sz="2200" b="0" i="0" u="none" strike="noStrike" cap="none">
-                <a:solidFill>
-                  <a:schemeClr val="lt1"/>
-                </a:solidFill>
-                <a:latin typeface="Anek Devanagari ExtraBold"/>
-                <a:ea typeface="Anek Devanagari ExtraBold"/>
-                <a:cs typeface="Anek Devanagari ExtraBold"/>
-                <a:sym typeface="Anek Devanagari ExtraBold"/>
-              </a:defRPr>
-            </a:lvl8pPr>
-            <a:lvl9pPr marL="4114800" marR="0" lvl="8" indent="-323850" algn="l" rtl="0">
-              <a:lnSpc>
-                <a:spcPct val="100000"/>
-              </a:lnSpc>
-              <a:spcBef>
-                <a:spcPts val="0"/>
-              </a:spcBef>
-              <a:spcAft>
-                <a:spcPts val="0"/>
-              </a:spcAft>
-              <a:buClr>
-                <a:schemeClr val="lt1"/>
-              </a:buClr>
-              <a:buSzPts val="1500"/>
-              <a:buFont typeface="Chivo"/>
-              <a:buNone/>
-              <a:defRPr sz="2200" b="0" i="0" u="none" strike="noStrike" cap="none">
-                <a:solidFill>
-                  <a:schemeClr val="lt1"/>
-                </a:solidFill>
-                <a:latin typeface="Anek Devanagari ExtraBold"/>
-                <a:ea typeface="Anek Devanagari ExtraBold"/>
-                <a:cs typeface="Anek Devanagari ExtraBold"/>
-                <a:sym typeface="Anek Devanagari ExtraBold"/>
-              </a:defRPr>
-            </a:lvl9pPr>
-          </a:lstStyle>
-          <a:p>
-            <a:pPr marL="0" indent="0"/>
-            <a:r>
-              <a:rPr lang="en-US" dirty="0"/>
-              <a:t>Launch Vehicles</a:t>
-            </a:r>
-          </a:p>
-        </p:txBody>
-      </p:sp>
-      <p:sp>
-        <p:nvSpPr>
-          <p:cNvPr id="3" name="Google Shape;1241;p48">
-            <a:extLst>
-              <a:ext uri="{FF2B5EF4-FFF2-40B4-BE49-F238E27FC236}">
-                <a16:creationId xmlns:a16="http://schemas.microsoft.com/office/drawing/2014/main" id="{A871F945-E6DA-3B7B-A711-431F5078048E}"/>
-              </a:ext>
-            </a:extLst>
-          </p:cNvPr>
-          <p:cNvSpPr txBox="1">
-            <a:spLocks/>
-          </p:cNvSpPr>
-          <p:nvPr/>
-        </p:nvSpPr>
-        <p:spPr>
-          <a:xfrm>
-            <a:off x="215781" y="3749171"/>
-            <a:ext cx="1562100" cy="530400"/>
-          </a:xfrm>
-          <a:prstGeom prst="rect">
-            <a:avLst/>
-          </a:prstGeom>
-          <a:noFill/>
-          <a:ln>
-            <a:noFill/>
-          </a:ln>
-        </p:spPr>
-        <p:txBody>
-          <a:bodyPr spcFirstLastPara="1" wrap="square" lIns="91425" tIns="91425" rIns="91425" bIns="91425" anchor="b" anchorCtr="0">
-            <a:noAutofit/>
-          </a:bodyPr>
-          <a:lstStyle>
-            <a:defPPr marR="0" lvl="0" algn="l" rtl="0">
-              <a:lnSpc>
-                <a:spcPct val="100000"/>
-              </a:lnSpc>
-              <a:spcBef>
-                <a:spcPts val="0"/>
-              </a:spcBef>
-              <a:spcAft>
-                <a:spcPts val="0"/>
-              </a:spcAft>
-            </a:defPPr>
-            <a:lvl1pPr marL="457200" marR="0" lvl="0" indent="-323850" algn="ctr" rtl="0">
-              <a:lnSpc>
-                <a:spcPct val="100000"/>
-              </a:lnSpc>
-              <a:spcBef>
-                <a:spcPts val="0"/>
-              </a:spcBef>
-              <a:spcAft>
-                <a:spcPts val="0"/>
-              </a:spcAft>
-              <a:buClr>
-                <a:schemeClr val="lt1"/>
-              </a:buClr>
-              <a:buSzPts val="1500"/>
-              <a:buFont typeface="Chivo"/>
-              <a:buNone/>
-              <a:defRPr sz="2200" b="0" i="0" u="none" strike="noStrike" cap="none">
-                <a:solidFill>
-                  <a:schemeClr val="lt1"/>
-                </a:solidFill>
-                <a:latin typeface="Anek Devanagari ExtraBold"/>
-                <a:ea typeface="Anek Devanagari ExtraBold"/>
-                <a:cs typeface="Anek Devanagari ExtraBold"/>
-                <a:sym typeface="Anek Devanagari ExtraBold"/>
-              </a:defRPr>
-            </a:lvl1pPr>
-            <a:lvl2pPr marL="914400" marR="0" lvl="1" indent="-323850" algn="l" rtl="0">
-              <a:lnSpc>
-                <a:spcPct val="100000"/>
-              </a:lnSpc>
-              <a:spcBef>
-                <a:spcPts val="0"/>
-              </a:spcBef>
-              <a:spcAft>
-                <a:spcPts val="0"/>
-              </a:spcAft>
-              <a:buClr>
-                <a:schemeClr val="lt1"/>
-              </a:buClr>
-              <a:buSzPts val="1500"/>
-              <a:buFont typeface="Chivo"/>
-              <a:buNone/>
-              <a:defRPr sz="2200" b="0" i="0" u="none" strike="noStrike" cap="none">
-                <a:solidFill>
-                  <a:schemeClr val="lt1"/>
-                </a:solidFill>
-                <a:latin typeface="Anek Devanagari ExtraBold"/>
-                <a:ea typeface="Anek Devanagari ExtraBold"/>
-                <a:cs typeface="Anek Devanagari ExtraBold"/>
-                <a:sym typeface="Anek Devanagari ExtraBold"/>
-              </a:defRPr>
-            </a:lvl2pPr>
-            <a:lvl3pPr marL="1371600" marR="0" lvl="2" indent="-323850" algn="l" rtl="0">
-              <a:lnSpc>
-                <a:spcPct val="100000"/>
-              </a:lnSpc>
-              <a:spcBef>
-                <a:spcPts val="0"/>
-              </a:spcBef>
-              <a:spcAft>
-                <a:spcPts val="0"/>
-              </a:spcAft>
-              <a:buClr>
-                <a:schemeClr val="lt1"/>
-              </a:buClr>
-              <a:buSzPts val="1500"/>
-              <a:buFont typeface="Chivo"/>
-              <a:buNone/>
-              <a:defRPr sz="2200" b="0" i="0" u="none" strike="noStrike" cap="none">
-                <a:solidFill>
-                  <a:schemeClr val="lt1"/>
-                </a:solidFill>
-                <a:latin typeface="Anek Devanagari ExtraBold"/>
-                <a:ea typeface="Anek Devanagari ExtraBold"/>
-                <a:cs typeface="Anek Devanagari ExtraBold"/>
-                <a:sym typeface="Anek Devanagari ExtraBold"/>
-              </a:defRPr>
-            </a:lvl3pPr>
-            <a:lvl4pPr marL="1828800" marR="0" lvl="3" indent="-323850" algn="l" rtl="0">
-              <a:lnSpc>
-                <a:spcPct val="100000"/>
-              </a:lnSpc>
-              <a:spcBef>
-                <a:spcPts val="0"/>
-              </a:spcBef>
-              <a:spcAft>
-                <a:spcPts val="0"/>
-              </a:spcAft>
-              <a:buClr>
-                <a:schemeClr val="lt1"/>
-              </a:buClr>
-              <a:buSzPts val="1500"/>
-              <a:buFont typeface="Chivo"/>
-              <a:buNone/>
-              <a:defRPr sz="2200" b="0" i="0" u="none" strike="noStrike" cap="none">
-                <a:solidFill>
-                  <a:schemeClr val="lt1"/>
-                </a:solidFill>
-                <a:latin typeface="Anek Devanagari ExtraBold"/>
-                <a:ea typeface="Anek Devanagari ExtraBold"/>
-                <a:cs typeface="Anek Devanagari ExtraBold"/>
-                <a:sym typeface="Anek Devanagari ExtraBold"/>
-              </a:defRPr>
-            </a:lvl4pPr>
-            <a:lvl5pPr marL="2286000" marR="0" lvl="4" indent="-323850" algn="l" rtl="0">
-              <a:lnSpc>
-                <a:spcPct val="100000"/>
-              </a:lnSpc>
-              <a:spcBef>
-                <a:spcPts val="0"/>
-              </a:spcBef>
-              <a:spcAft>
-                <a:spcPts val="0"/>
-              </a:spcAft>
-              <a:buClr>
-                <a:schemeClr val="lt1"/>
-              </a:buClr>
-              <a:buSzPts val="1500"/>
-              <a:buFont typeface="Chivo"/>
-              <a:buNone/>
-              <a:defRPr sz="2200" b="0" i="0" u="none" strike="noStrike" cap="none">
-                <a:solidFill>
-                  <a:schemeClr val="lt1"/>
-                </a:solidFill>
-                <a:latin typeface="Anek Devanagari ExtraBold"/>
-                <a:ea typeface="Anek Devanagari ExtraBold"/>
-                <a:cs typeface="Anek Devanagari ExtraBold"/>
-                <a:sym typeface="Anek Devanagari ExtraBold"/>
-              </a:defRPr>
-            </a:lvl5pPr>
-            <a:lvl6pPr marL="2743200" marR="0" lvl="5" indent="-323850" algn="l" rtl="0">
-              <a:lnSpc>
-                <a:spcPct val="100000"/>
-              </a:lnSpc>
-              <a:spcBef>
-                <a:spcPts val="0"/>
-              </a:spcBef>
-              <a:spcAft>
-                <a:spcPts val="0"/>
-              </a:spcAft>
-              <a:buClr>
-                <a:schemeClr val="lt1"/>
-              </a:buClr>
-              <a:buSzPts val="1500"/>
-              <a:buFont typeface="Chivo"/>
-              <a:buNone/>
-              <a:defRPr sz="2200" b="0" i="0" u="none" strike="noStrike" cap="none">
-                <a:solidFill>
-                  <a:schemeClr val="lt1"/>
-                </a:solidFill>
-                <a:latin typeface="Anek Devanagari ExtraBold"/>
-                <a:ea typeface="Anek Devanagari ExtraBold"/>
-                <a:cs typeface="Anek Devanagari ExtraBold"/>
-                <a:sym typeface="Anek Devanagari ExtraBold"/>
-              </a:defRPr>
-            </a:lvl6pPr>
-            <a:lvl7pPr marL="3200400" marR="0" lvl="6" indent="-323850" algn="l" rtl="0">
-              <a:lnSpc>
-                <a:spcPct val="100000"/>
-              </a:lnSpc>
-              <a:spcBef>
-                <a:spcPts val="0"/>
-              </a:spcBef>
-              <a:spcAft>
-                <a:spcPts val="0"/>
-              </a:spcAft>
-              <a:buClr>
-                <a:schemeClr val="lt1"/>
-              </a:buClr>
-              <a:buSzPts val="1500"/>
-              <a:buFont typeface="Chivo"/>
-              <a:buNone/>
-              <a:defRPr sz="2200" b="0" i="0" u="none" strike="noStrike" cap="none">
-                <a:solidFill>
-                  <a:schemeClr val="lt1"/>
-                </a:solidFill>
-                <a:latin typeface="Anek Devanagari ExtraBold"/>
-                <a:ea typeface="Anek Devanagari ExtraBold"/>
-                <a:cs typeface="Anek Devanagari ExtraBold"/>
-                <a:sym typeface="Anek Devanagari ExtraBold"/>
-              </a:defRPr>
-            </a:lvl7pPr>
-            <a:lvl8pPr marL="3657600" marR="0" lvl="7" indent="-323850" algn="l" rtl="0">
-              <a:lnSpc>
-                <a:spcPct val="100000"/>
-              </a:lnSpc>
-              <a:spcBef>
-                <a:spcPts val="0"/>
-              </a:spcBef>
-              <a:spcAft>
-                <a:spcPts val="0"/>
-              </a:spcAft>
-              <a:buClr>
-                <a:schemeClr val="lt1"/>
-              </a:buClr>
-              <a:buSzPts val="1500"/>
-              <a:buFont typeface="Chivo"/>
-              <a:buNone/>
-              <a:defRPr sz="2200" b="0" i="0" u="none" strike="noStrike" cap="none">
-                <a:solidFill>
-                  <a:schemeClr val="lt1"/>
-                </a:solidFill>
-                <a:latin typeface="Anek Devanagari ExtraBold"/>
-                <a:ea typeface="Anek Devanagari ExtraBold"/>
-                <a:cs typeface="Anek Devanagari ExtraBold"/>
-                <a:sym typeface="Anek Devanagari ExtraBold"/>
-              </a:defRPr>
-            </a:lvl8pPr>
-            <a:lvl9pPr marL="4114800" marR="0" lvl="8" indent="-323850" algn="l" rtl="0">
-              <a:lnSpc>
-                <a:spcPct val="100000"/>
-              </a:lnSpc>
-              <a:spcBef>
-                <a:spcPts val="0"/>
-              </a:spcBef>
-              <a:spcAft>
-                <a:spcPts val="0"/>
-              </a:spcAft>
-              <a:buClr>
-                <a:schemeClr val="lt1"/>
-              </a:buClr>
-              <a:buSzPts val="1500"/>
-              <a:buFont typeface="Chivo"/>
-              <a:buNone/>
-              <a:defRPr sz="2200" b="0" i="0" u="none" strike="noStrike" cap="none">
-                <a:solidFill>
-                  <a:schemeClr val="lt1"/>
-                </a:solidFill>
-                <a:latin typeface="Anek Devanagari ExtraBold"/>
-                <a:ea typeface="Anek Devanagari ExtraBold"/>
-                <a:cs typeface="Anek Devanagari ExtraBold"/>
-                <a:sym typeface="Anek Devanagari ExtraBold"/>
-              </a:defRPr>
-            </a:lvl9pPr>
-          </a:lstStyle>
-          <a:p>
-            <a:pPr marL="0" indent="0"/>
-            <a:r>
-              <a:rPr lang="en-US" dirty="0"/>
-              <a:t>Hobby</a:t>
-            </a:r>
-          </a:p>
-        </p:txBody>
-      </p:sp>
-      <p:pic>
-        <p:nvPicPr>
-          <p:cNvPr id="2050" name="Picture 2" descr="Model rocket - Wikipedia">
-            <a:extLst>
-              <a:ext uri="{FF2B5EF4-FFF2-40B4-BE49-F238E27FC236}">
-                <a16:creationId xmlns:a16="http://schemas.microsoft.com/office/drawing/2014/main" id="{ED1C612E-04E1-F7CB-155C-C371EB371380}"/>
-              </a:ext>
-            </a:extLst>
-          </p:cNvPr>
-          <p:cNvPicPr>
-            <a:picLocks noChangeAspect="1" noChangeArrowheads="1"/>
-          </p:cNvPicPr>
-          <p:nvPr/>
-        </p:nvPicPr>
-        <p:blipFill>
-          <a:blip r:embed="rId3">
-            <a:extLst>
-              <a:ext uri="{28A0092B-C50C-407E-A947-70E740481C1C}">
-                <a14:useLocalDpi xmlns:a14="http://schemas.microsoft.com/office/drawing/2010/main" val="0"/>
-              </a:ext>
-            </a:extLst>
-          </a:blip>
-          <a:srcRect/>
-          <a:stretch>
-            <a:fillRect/>
-          </a:stretch>
-        </p:blipFill>
-        <p:spPr bwMode="auto">
-          <a:xfrm>
-            <a:off x="188954" y="1536159"/>
-            <a:ext cx="1538669" cy="1921853"/>
-          </a:xfrm>
-          <a:prstGeom prst="rect">
-            <a:avLst/>
-          </a:prstGeom>
-          <a:noFill/>
-          <a:extLst>
-            <a:ext uri="{909E8E84-426E-40DD-AFC4-6F175D3DCCD1}">
-              <a14:hiddenFill xmlns:a14="http://schemas.microsoft.com/office/drawing/2010/main">
-                <a:solidFill>
-                  <a:srgbClr val="FFFFFF"/>
-                </a:solidFill>
-              </a14:hiddenFill>
-            </a:ext>
-          </a:extLst>
-        </p:spPr>
-      </p:pic>
-      <p:pic>
-        <p:nvPicPr>
-          <p:cNvPr id="2054" name="Picture 6" descr="Space Force sounding rocket launches experiment to study Earth’s ionosphere - SpaceNews">
-            <a:extLst>
-              <a:ext uri="{FF2B5EF4-FFF2-40B4-BE49-F238E27FC236}">
-                <a16:creationId xmlns:a16="http://schemas.microsoft.com/office/drawing/2014/main" id="{8148C1CC-6D69-E2A6-1EE4-EA2F777A84D5}"/>
-              </a:ext>
-            </a:extLst>
-          </p:cNvPr>
-          <p:cNvPicPr>
-            <a:picLocks noChangeAspect="1" noChangeArrowheads="1"/>
-          </p:cNvPicPr>
-          <p:nvPr/>
-        </p:nvPicPr>
-        <p:blipFill rotWithShape="1">
-          <a:blip r:embed="rId4">
-            <a:extLst>
-              <a:ext uri="{28A0092B-C50C-407E-A947-70E740481C1C}">
-                <a14:useLocalDpi xmlns:a14="http://schemas.microsoft.com/office/drawing/2010/main" val="0"/>
-              </a:ext>
-            </a:extLst>
-          </a:blip>
-          <a:srcRect l="22999" t="-162" r="20435"/>
-          <a:stretch/>
-        </p:blipFill>
-        <p:spPr bwMode="auto">
-          <a:xfrm>
-            <a:off x="4420532" y="1536158"/>
-            <a:ext cx="1666527" cy="1967298"/>
-          </a:xfrm>
-          <a:prstGeom prst="rect">
-            <a:avLst/>
-          </a:prstGeom>
-          <a:noFill/>
-          <a:extLst>
-            <a:ext uri="{909E8E84-426E-40DD-AFC4-6F175D3DCCD1}">
-              <a14:hiddenFill xmlns:a14="http://schemas.microsoft.com/office/drawing/2010/main">
-                <a:solidFill>
-                  <a:srgbClr val="FFFFFF"/>
-                </a:solidFill>
-              </a14:hiddenFill>
-            </a:ext>
-          </a:extLst>
-        </p:spPr>
-      </p:pic>
-      <p:pic>
-        <p:nvPicPr>
-          <p:cNvPr id="2056" name="Picture 8">
-            <a:extLst>
-              <a:ext uri="{FF2B5EF4-FFF2-40B4-BE49-F238E27FC236}">
-                <a16:creationId xmlns:a16="http://schemas.microsoft.com/office/drawing/2014/main" id="{1438722C-042E-5AD3-51BB-1A6899B229AE}"/>
-              </a:ext>
-            </a:extLst>
-          </p:cNvPr>
-          <p:cNvPicPr>
-            <a:picLocks noChangeAspect="1" noChangeArrowheads="1"/>
-          </p:cNvPicPr>
-          <p:nvPr/>
-        </p:nvPicPr>
-        <p:blipFill>
-          <a:blip r:embed="rId5">
-            <a:extLst>
-              <a:ext uri="{28A0092B-C50C-407E-A947-70E740481C1C}">
-                <a14:useLocalDpi xmlns:a14="http://schemas.microsoft.com/office/drawing/2010/main" val="0"/>
-              </a:ext>
-            </a:extLst>
-          </a:blip>
-          <a:srcRect/>
-          <a:stretch>
-            <a:fillRect/>
-          </a:stretch>
-        </p:blipFill>
-        <p:spPr bwMode="auto">
-          <a:xfrm>
-            <a:off x="2259810" y="1536158"/>
-            <a:ext cx="1518501" cy="1921853"/>
-          </a:xfrm>
-          <a:prstGeom prst="rect">
-            <a:avLst/>
-          </a:prstGeom>
-          <a:noFill/>
-          <a:extLst>
-            <a:ext uri="{909E8E84-426E-40DD-AFC4-6F175D3DCCD1}">
-              <a14:hiddenFill xmlns:a14="http://schemas.microsoft.com/office/drawing/2010/main">
-                <a:solidFill>
-                  <a:srgbClr val="FFFFFF"/>
-                </a:solidFill>
-              </a14:hiddenFill>
-            </a:ext>
-          </a:extLst>
-        </p:spPr>
-      </p:pic>
-      <p:pic>
-        <p:nvPicPr>
-          <p:cNvPr id="2058" name="Picture 10" descr="Saturn V at 50: NASA moon rocket lifted off on maiden mission 50 years ago | collectSPACE">
-            <a:extLst>
-              <a:ext uri="{FF2B5EF4-FFF2-40B4-BE49-F238E27FC236}">
-                <a16:creationId xmlns:a16="http://schemas.microsoft.com/office/drawing/2014/main" id="{25C472F8-4389-C90F-1208-46688AC05396}"/>
-              </a:ext>
-            </a:extLst>
-          </p:cNvPr>
-          <p:cNvPicPr>
-            <a:picLocks noChangeAspect="1" noChangeArrowheads="1"/>
-          </p:cNvPicPr>
-          <p:nvPr/>
-        </p:nvPicPr>
-        <p:blipFill>
-          <a:blip r:embed="rId6">
-            <a:extLst>
-              <a:ext uri="{28A0092B-C50C-407E-A947-70E740481C1C}">
-                <a14:useLocalDpi xmlns:a14="http://schemas.microsoft.com/office/drawing/2010/main" val="0"/>
-              </a:ext>
-            </a:extLst>
-          </a:blip>
-          <a:srcRect/>
-          <a:stretch>
-            <a:fillRect/>
-          </a:stretch>
-        </p:blipFill>
-        <p:spPr bwMode="auto">
-          <a:xfrm>
-            <a:off x="6945978" y="1536158"/>
-            <a:ext cx="1478022" cy="1884609"/>
-          </a:xfrm>
-          <a:prstGeom prst="rect">
-            <a:avLst/>
-          </a:prstGeom>
-          <a:noFill/>
-          <a:extLst>
-            <a:ext uri="{909E8E84-426E-40DD-AFC4-6F175D3DCCD1}">
-              <a14:hiddenFill xmlns:a14="http://schemas.microsoft.com/office/drawing/2010/main">
-                <a:solidFill>
-                  <a:srgbClr val="FFFFFF"/>
-                </a:solidFill>
-              </a14:hiddenFill>
-            </a:ext>
-          </a:extLst>
-        </p:spPr>
-      </p:pic>
     </p:spTree>
   </p:cSld>
   <p:clrMapOvr>

--- a/Beginner/Day 1/Intro to Rocketry.pptx
+++ b/Beginner/Day 1/Intro to Rocketry.pptx
@@ -32404,10 +32404,55 @@
       </p:sp>
       <p:pic>
         <p:nvPicPr>
-          <p:cNvPr id="14" name="Picture 13">
+          <p:cNvPr id="1026" name="Picture 2" descr="Best Fin Design For Bottle Rockets - Best Pictures and Decription Forwardset.Com">
             <a:extLst>
               <a:ext uri="{FF2B5EF4-FFF2-40B4-BE49-F238E27FC236}">
-                <a16:creationId xmlns:a16="http://schemas.microsoft.com/office/drawing/2014/main" id="{6D5995DB-BEF9-2C3F-6B63-5B323BCDD3B3}"/>
+                <a16:creationId xmlns:a16="http://schemas.microsoft.com/office/drawing/2014/main" id="{E7C89C25-1C82-752B-B0C3-6F1076F09110}"/>
+              </a:ext>
+            </a:extLst>
+          </p:cNvPr>
+          <p:cNvPicPr>
+            <a:picLocks noChangeAspect="1" noChangeArrowheads="1"/>
+          </p:cNvPicPr>
+          <p:nvPr/>
+        </p:nvPicPr>
+        <p:blipFill rotWithShape="1">
+          <a:blip r:embed="rId3">
+            <a:extLst>
+              <a:ext uri="{28A0092B-C50C-407E-A947-70E740481C1C}">
+                <a14:useLocalDpi xmlns:a14="http://schemas.microsoft.com/office/drawing/2010/main" val="0"/>
+              </a:ext>
+            </a:extLst>
+          </a:blip>
+          <a:srcRect l="27128" t="17353" r="28975" b="7536"/>
+          <a:stretch/>
+        </p:blipFill>
+        <p:spPr bwMode="auto">
+          <a:xfrm>
+            <a:off x="3003452" y="892554"/>
+            <a:ext cx="3010486" cy="3863345"/>
+          </a:xfrm>
+          <a:prstGeom prst="rect">
+            <a:avLst/>
+          </a:prstGeom>
+          <a:noFill/>
+          <a:extLst>
+            <a:ext uri="{909E8E84-426E-40DD-AFC4-6F175D3DCCD1}">
+              <a14:hiddenFill xmlns:a14="http://schemas.microsoft.com/office/drawing/2010/main">
+                <a:solidFill>
+                  <a:srgbClr val="FFFFFF"/>
+                </a:solidFill>
+              </a14:hiddenFill>
+            </a:ext>
+          </a:extLst>
+        </p:spPr>
+      </p:pic>
+      <p:pic>
+        <p:nvPicPr>
+          <p:cNvPr id="8" name="Picture 7">
+            <a:extLst>
+              <a:ext uri="{FF2B5EF4-FFF2-40B4-BE49-F238E27FC236}">
+                <a16:creationId xmlns:a16="http://schemas.microsoft.com/office/drawing/2014/main" id="{38B2D802-A61D-D5A4-F4DA-A4E2836457CE}"/>
               </a:ext>
             </a:extLst>
           </p:cNvPr>
@@ -32417,15 +32462,15 @@
           <p:nvPr/>
         </p:nvPicPr>
         <p:blipFill>
-          <a:blip r:embed="rId3"/>
+          <a:blip r:embed="rId4"/>
           <a:stretch>
             <a:fillRect/>
           </a:stretch>
         </p:blipFill>
         <p:spPr>
           <a:xfrm>
-            <a:off x="367770" y="1299263"/>
-            <a:ext cx="8648075" cy="2046609"/>
+            <a:off x="3854248" y="4531200"/>
+            <a:ext cx="1223326" cy="218911"/>
           </a:xfrm>
           <a:prstGeom prst="rect">
             <a:avLst/>
@@ -32434,10 +32479,57 @@
       </p:pic>
       <p:sp>
         <p:nvSpPr>
-          <p:cNvPr id="2" name="Google Shape;1225;p47">
+          <p:cNvPr id="9" name="Google Shape;1182;p44">
             <a:extLst>
               <a:ext uri="{FF2B5EF4-FFF2-40B4-BE49-F238E27FC236}">
-                <a16:creationId xmlns:a16="http://schemas.microsoft.com/office/drawing/2014/main" id="{7BBB4CEF-1118-DD3E-407B-D579DCD1749E}"/>
+                <a16:creationId xmlns:a16="http://schemas.microsoft.com/office/drawing/2014/main" id="{F1F5F19B-65E6-7AE8-D6FF-597915FC35A7}"/>
+              </a:ext>
+            </a:extLst>
+          </p:cNvPr>
+          <p:cNvSpPr txBox="1">
+            <a:spLocks noGrp="1"/>
+          </p:cNvSpPr>
+          <p:nvPr>
+            <p:ph type="subTitle" idx="1"/>
+          </p:nvPr>
+        </p:nvSpPr>
+        <p:spPr>
+          <a:xfrm>
+            <a:off x="953992" y="1139313"/>
+            <a:ext cx="1873614" cy="457370"/>
+          </a:xfrm>
+          <a:prstGeom prst="rect">
+            <a:avLst/>
+          </a:prstGeom>
+        </p:spPr>
+        <p:txBody>
+          <a:bodyPr spcFirstLastPara="1" wrap="square" lIns="91425" tIns="91425" rIns="91425" bIns="91425" anchor="t" anchorCtr="0">
+            <a:noAutofit/>
+          </a:bodyPr>
+          <a:lstStyle/>
+          <a:p>
+            <a:pPr marL="0" lvl="0" indent="0" algn="ctr" rtl="0">
+              <a:spcBef>
+                <a:spcPts val="0"/>
+              </a:spcBef>
+              <a:spcAft>
+                <a:spcPts val="800"/>
+              </a:spcAft>
+            </a:pPr>
+            <a:r>
+              <a:rPr lang="en" dirty="0"/>
+              <a:t>Rectangular</a:t>
+            </a:r>
+            <a:endParaRPr dirty="0"/>
+          </a:p>
+        </p:txBody>
+      </p:sp>
+      <p:sp>
+        <p:nvSpPr>
+          <p:cNvPr id="10" name="Google Shape;1182;p44">
+            <a:extLst>
+              <a:ext uri="{FF2B5EF4-FFF2-40B4-BE49-F238E27FC236}">
+                <a16:creationId xmlns:a16="http://schemas.microsoft.com/office/drawing/2014/main" id="{E0C29A2C-4C87-B51A-EDD2-D89CF880F603}"/>
               </a:ext>
             </a:extLst>
           </p:cNvPr>
@@ -32448,8 +32540,8 @@
         </p:nvSpPr>
         <p:spPr>
           <a:xfrm>
-            <a:off x="671073" y="3472829"/>
-            <a:ext cx="1375500" cy="510352"/>
+            <a:off x="720000" y="2410479"/>
+            <a:ext cx="1873614" cy="457370"/>
           </a:xfrm>
           <a:prstGeom prst="rect">
             <a:avLst/>
@@ -32711,20 +32803,24 @@
             </a:lvl9pPr>
           </a:lstStyle>
           <a:p>
-            <a:pPr marL="0" indent="0" algn="l"/>
+            <a:pPr marL="0" indent="0">
+              <a:spcAft>
+                <a:spcPts val="800"/>
+              </a:spcAft>
+            </a:pPr>
             <a:r>
               <a:rPr lang="en-US" dirty="0"/>
-              <a:t>Elliptical</a:t>
+              <a:t>Swept</a:t>
             </a:r>
           </a:p>
         </p:txBody>
       </p:sp>
       <p:sp>
         <p:nvSpPr>
-          <p:cNvPr id="3" name="Google Shape;1225;p47">
+          <p:cNvPr id="12" name="Google Shape;1182;p44">
             <a:extLst>
               <a:ext uri="{FF2B5EF4-FFF2-40B4-BE49-F238E27FC236}">
-                <a16:creationId xmlns:a16="http://schemas.microsoft.com/office/drawing/2014/main" id="{E163674D-349D-EA11-B363-D09715260850}"/>
+                <a16:creationId xmlns:a16="http://schemas.microsoft.com/office/drawing/2014/main" id="{A5F76412-3EA1-B104-7678-25D1D90FE925}"/>
               </a:ext>
             </a:extLst>
           </p:cNvPr>
@@ -32735,8 +32831,8 @@
         </p:nvSpPr>
         <p:spPr>
           <a:xfrm>
-            <a:off x="2304614" y="3472829"/>
-            <a:ext cx="1714936" cy="510352"/>
+            <a:off x="924919" y="3841158"/>
+            <a:ext cx="1873614" cy="457370"/>
           </a:xfrm>
           <a:prstGeom prst="rect">
             <a:avLst/>
@@ -32998,20 +33094,24 @@
             </a:lvl9pPr>
           </a:lstStyle>
           <a:p>
-            <a:pPr marL="0" indent="0" algn="l"/>
+            <a:pPr marL="0" indent="0">
+              <a:spcAft>
+                <a:spcPts val="800"/>
+              </a:spcAft>
+            </a:pPr>
             <a:r>
               <a:rPr lang="en-US" dirty="0"/>
-              <a:t>Trapezoidal</a:t>
+              <a:t>Tapered Swept</a:t>
             </a:r>
           </a:p>
         </p:txBody>
       </p:sp>
       <p:sp>
         <p:nvSpPr>
-          <p:cNvPr id="4" name="Google Shape;1225;p47">
+          <p:cNvPr id="13" name="Google Shape;1182;p44">
             <a:extLst>
               <a:ext uri="{FF2B5EF4-FFF2-40B4-BE49-F238E27FC236}">
-                <a16:creationId xmlns:a16="http://schemas.microsoft.com/office/drawing/2014/main" id="{BF40A601-DAB5-2450-656F-C2E13DBD0501}"/>
+                <a16:creationId xmlns:a16="http://schemas.microsoft.com/office/drawing/2014/main" id="{6561B418-E53B-48D1-64DB-1DD26B0A76FE}"/>
               </a:ext>
             </a:extLst>
           </p:cNvPr>
@@ -33022,8 +33122,8 @@
         </p:nvSpPr>
         <p:spPr>
           <a:xfrm>
-            <a:off x="4166755" y="3472829"/>
-            <a:ext cx="1132609" cy="510352"/>
+            <a:off x="6218857" y="1237769"/>
+            <a:ext cx="1873614" cy="457370"/>
           </a:xfrm>
           <a:prstGeom prst="rect">
             <a:avLst/>
@@ -33285,20 +33385,24 @@
             </a:lvl9pPr>
           </a:lstStyle>
           <a:p>
-            <a:pPr marL="0" indent="0" algn="l"/>
+            <a:pPr marL="0" indent="0">
+              <a:spcAft>
+                <a:spcPts val="800"/>
+              </a:spcAft>
+            </a:pPr>
             <a:r>
               <a:rPr lang="en-US" dirty="0"/>
-              <a:t>Square</a:t>
+              <a:t>Clipped Delta</a:t>
             </a:r>
           </a:p>
         </p:txBody>
       </p:sp>
       <p:sp>
         <p:nvSpPr>
-          <p:cNvPr id="5" name="Google Shape;1225;p47">
+          <p:cNvPr id="15" name="Google Shape;1182;p44">
             <a:extLst>
               <a:ext uri="{FF2B5EF4-FFF2-40B4-BE49-F238E27FC236}">
-                <a16:creationId xmlns:a16="http://schemas.microsoft.com/office/drawing/2014/main" id="{C97340A5-52E0-2BE3-27D4-FF65BD6D0E89}"/>
+                <a16:creationId xmlns:a16="http://schemas.microsoft.com/office/drawing/2014/main" id="{A225AE92-1B29-5BF4-DA1B-727E9E05E4A4}"/>
               </a:ext>
             </a:extLst>
           </p:cNvPr>
@@ -33309,8 +33413,8 @@
         </p:nvSpPr>
         <p:spPr>
           <a:xfrm>
-            <a:off x="5517574" y="3472829"/>
-            <a:ext cx="1714936" cy="510352"/>
+            <a:off x="6423776" y="2298130"/>
+            <a:ext cx="1873614" cy="457370"/>
           </a:xfrm>
           <a:prstGeom prst="rect">
             <a:avLst/>
@@ -33572,20 +33676,24 @@
             </a:lvl9pPr>
           </a:lstStyle>
           <a:p>
-            <a:pPr marL="0" indent="0" algn="l"/>
+            <a:pPr marL="0" indent="0">
+              <a:spcAft>
+                <a:spcPts val="800"/>
+              </a:spcAft>
+            </a:pPr>
             <a:r>
               <a:rPr lang="en-US" dirty="0"/>
-              <a:t>Rectangular</a:t>
+              <a:t>Trapezoidal</a:t>
             </a:r>
           </a:p>
         </p:txBody>
       </p:sp>
       <p:sp>
         <p:nvSpPr>
-          <p:cNvPr id="6" name="Google Shape;1225;p47">
+          <p:cNvPr id="16" name="Google Shape;1182;p44">
             <a:extLst>
               <a:ext uri="{FF2B5EF4-FFF2-40B4-BE49-F238E27FC236}">
-                <a16:creationId xmlns:a16="http://schemas.microsoft.com/office/drawing/2014/main" id="{51BF1FDD-A131-EEA2-2AFC-893C592872D4}"/>
+                <a16:creationId xmlns:a16="http://schemas.microsoft.com/office/drawing/2014/main" id="{1940558B-13F4-2CC4-F869-90E71CB40AD7}"/>
               </a:ext>
             </a:extLst>
           </p:cNvPr>
@@ -33596,8 +33704,8 @@
         </p:nvSpPr>
         <p:spPr>
           <a:xfrm>
-            <a:off x="7187482" y="3441656"/>
-            <a:ext cx="1866900" cy="510352"/>
+            <a:off x="6218857" y="3929815"/>
+            <a:ext cx="1873614" cy="457370"/>
           </a:xfrm>
           <a:prstGeom prst="rect">
             <a:avLst/>
@@ -33859,10 +33967,14 @@
             </a:lvl9pPr>
           </a:lstStyle>
           <a:p>
-            <a:pPr marL="0" indent="0" algn="l"/>
+            <a:pPr marL="0" indent="0">
+              <a:spcAft>
+                <a:spcPts val="800"/>
+              </a:spcAft>
+            </a:pPr>
             <a:r>
               <a:rPr lang="en-US" dirty="0"/>
-              <a:t>Clipped Delta</a:t>
+              <a:t>Elliptical</a:t>
             </a:r>
           </a:p>
         </p:txBody>
@@ -33877,6 +33989,330 @@
   <p:clrMapOvr>
     <a:masterClrMapping/>
   </p:clrMapOvr>
+  <p:timing>
+    <p:tnLst>
+      <p:par>
+        <p:cTn id="1" dur="indefinite" restart="never" nodeType="tmRoot">
+          <p:childTnLst>
+            <p:seq concurrent="1" nextAc="seek">
+              <p:cTn id="2" dur="indefinite" nodeType="mainSeq">
+                <p:childTnLst>
+                  <p:par>
+                    <p:cTn id="3" fill="hold">
+                      <p:stCondLst>
+                        <p:cond delay="indefinite"/>
+                      </p:stCondLst>
+                      <p:childTnLst>
+                        <p:par>
+                          <p:cTn id="4" fill="hold">
+                            <p:stCondLst>
+                              <p:cond delay="0"/>
+                            </p:stCondLst>
+                            <p:childTnLst>
+                              <p:par>
+                                <p:cTn id="5" presetID="1" presetClass="entr" presetSubtype="0" fill="hold" nodeType="clickEffect">
+                                  <p:stCondLst>
+                                    <p:cond delay="0"/>
+                                  </p:stCondLst>
+                                  <p:childTnLst>
+                                    <p:set>
+                                      <p:cBhvr>
+                                        <p:cTn id="6" dur="1" fill="hold">
+                                          <p:stCondLst>
+                                            <p:cond delay="0"/>
+                                          </p:stCondLst>
+                                        </p:cTn>
+                                        <p:tgtEl>
+                                          <p:spTgt spid="9">
+                                            <p:txEl>
+                                              <p:pRg st="0" end="0"/>
+                                            </p:txEl>
+                                          </p:spTgt>
+                                        </p:tgtEl>
+                                        <p:attrNameLst>
+                                          <p:attrName>style.visibility</p:attrName>
+                                        </p:attrNameLst>
+                                      </p:cBhvr>
+                                      <p:to>
+                                        <p:strVal val="visible"/>
+                                      </p:to>
+                                    </p:set>
+                                  </p:childTnLst>
+                                </p:cTn>
+                              </p:par>
+                            </p:childTnLst>
+                          </p:cTn>
+                        </p:par>
+                      </p:childTnLst>
+                    </p:cTn>
+                  </p:par>
+                  <p:par>
+                    <p:cTn id="7" fill="hold">
+                      <p:stCondLst>
+                        <p:cond delay="indefinite"/>
+                      </p:stCondLst>
+                      <p:childTnLst>
+                        <p:par>
+                          <p:cTn id="8" fill="hold">
+                            <p:stCondLst>
+                              <p:cond delay="0"/>
+                            </p:stCondLst>
+                            <p:childTnLst>
+                              <p:par>
+                                <p:cTn id="9" presetID="1" presetClass="entr" presetSubtype="0" fill="hold" nodeType="clickEffect">
+                                  <p:stCondLst>
+                                    <p:cond delay="0"/>
+                                  </p:stCondLst>
+                                  <p:childTnLst>
+                                    <p:set>
+                                      <p:cBhvr>
+                                        <p:cTn id="10" dur="1" fill="hold">
+                                          <p:stCondLst>
+                                            <p:cond delay="0"/>
+                                          </p:stCondLst>
+                                        </p:cTn>
+                                        <p:tgtEl>
+                                          <p:spTgt spid="10">
+                                            <p:txEl>
+                                              <p:pRg st="0" end="0"/>
+                                            </p:txEl>
+                                          </p:spTgt>
+                                        </p:tgtEl>
+                                        <p:attrNameLst>
+                                          <p:attrName>style.visibility</p:attrName>
+                                        </p:attrNameLst>
+                                      </p:cBhvr>
+                                      <p:to>
+                                        <p:strVal val="visible"/>
+                                      </p:to>
+                                    </p:set>
+                                  </p:childTnLst>
+                                </p:cTn>
+                              </p:par>
+                            </p:childTnLst>
+                          </p:cTn>
+                        </p:par>
+                      </p:childTnLst>
+                    </p:cTn>
+                  </p:par>
+                  <p:par>
+                    <p:cTn id="11" fill="hold">
+                      <p:stCondLst>
+                        <p:cond delay="indefinite"/>
+                      </p:stCondLst>
+                      <p:childTnLst>
+                        <p:par>
+                          <p:cTn id="12" fill="hold">
+                            <p:stCondLst>
+                              <p:cond delay="0"/>
+                            </p:stCondLst>
+                            <p:childTnLst>
+                              <p:par>
+                                <p:cTn id="13" presetID="1" presetClass="entr" presetSubtype="0" fill="hold" nodeType="clickEffect">
+                                  <p:stCondLst>
+                                    <p:cond delay="0"/>
+                                  </p:stCondLst>
+                                  <p:childTnLst>
+                                    <p:set>
+                                      <p:cBhvr>
+                                        <p:cTn id="14" dur="1" fill="hold">
+                                          <p:stCondLst>
+                                            <p:cond delay="0"/>
+                                          </p:stCondLst>
+                                        </p:cTn>
+                                        <p:tgtEl>
+                                          <p:spTgt spid="12">
+                                            <p:txEl>
+                                              <p:pRg st="0" end="0"/>
+                                            </p:txEl>
+                                          </p:spTgt>
+                                        </p:tgtEl>
+                                        <p:attrNameLst>
+                                          <p:attrName>style.visibility</p:attrName>
+                                        </p:attrNameLst>
+                                      </p:cBhvr>
+                                      <p:to>
+                                        <p:strVal val="visible"/>
+                                      </p:to>
+                                    </p:set>
+                                  </p:childTnLst>
+                                </p:cTn>
+                              </p:par>
+                            </p:childTnLst>
+                          </p:cTn>
+                        </p:par>
+                      </p:childTnLst>
+                    </p:cTn>
+                  </p:par>
+                  <p:par>
+                    <p:cTn id="15" fill="hold">
+                      <p:stCondLst>
+                        <p:cond delay="indefinite"/>
+                      </p:stCondLst>
+                      <p:childTnLst>
+                        <p:par>
+                          <p:cTn id="16" fill="hold">
+                            <p:stCondLst>
+                              <p:cond delay="0"/>
+                            </p:stCondLst>
+                            <p:childTnLst>
+                              <p:par>
+                                <p:cTn id="17" presetID="1" presetClass="entr" presetSubtype="0" fill="hold" nodeType="clickEffect">
+                                  <p:stCondLst>
+                                    <p:cond delay="0"/>
+                                  </p:stCondLst>
+                                  <p:childTnLst>
+                                    <p:set>
+                                      <p:cBhvr>
+                                        <p:cTn id="18" dur="1" fill="hold">
+                                          <p:stCondLst>
+                                            <p:cond delay="0"/>
+                                          </p:stCondLst>
+                                        </p:cTn>
+                                        <p:tgtEl>
+                                          <p:spTgt spid="13">
+                                            <p:txEl>
+                                              <p:pRg st="0" end="0"/>
+                                            </p:txEl>
+                                          </p:spTgt>
+                                        </p:tgtEl>
+                                        <p:attrNameLst>
+                                          <p:attrName>style.visibility</p:attrName>
+                                        </p:attrNameLst>
+                                      </p:cBhvr>
+                                      <p:to>
+                                        <p:strVal val="visible"/>
+                                      </p:to>
+                                    </p:set>
+                                  </p:childTnLst>
+                                </p:cTn>
+                              </p:par>
+                            </p:childTnLst>
+                          </p:cTn>
+                        </p:par>
+                      </p:childTnLst>
+                    </p:cTn>
+                  </p:par>
+                  <p:par>
+                    <p:cTn id="19" fill="hold">
+                      <p:stCondLst>
+                        <p:cond delay="indefinite"/>
+                      </p:stCondLst>
+                      <p:childTnLst>
+                        <p:par>
+                          <p:cTn id="20" fill="hold">
+                            <p:stCondLst>
+                              <p:cond delay="0"/>
+                            </p:stCondLst>
+                            <p:childTnLst>
+                              <p:par>
+                                <p:cTn id="21" presetID="1" presetClass="entr" presetSubtype="0" fill="hold" nodeType="clickEffect">
+                                  <p:stCondLst>
+                                    <p:cond delay="0"/>
+                                  </p:stCondLst>
+                                  <p:childTnLst>
+                                    <p:set>
+                                      <p:cBhvr>
+                                        <p:cTn id="22" dur="1" fill="hold">
+                                          <p:stCondLst>
+                                            <p:cond delay="0"/>
+                                          </p:stCondLst>
+                                        </p:cTn>
+                                        <p:tgtEl>
+                                          <p:spTgt spid="15">
+                                            <p:txEl>
+                                              <p:pRg st="0" end="0"/>
+                                            </p:txEl>
+                                          </p:spTgt>
+                                        </p:tgtEl>
+                                        <p:attrNameLst>
+                                          <p:attrName>style.visibility</p:attrName>
+                                        </p:attrNameLst>
+                                      </p:cBhvr>
+                                      <p:to>
+                                        <p:strVal val="visible"/>
+                                      </p:to>
+                                    </p:set>
+                                  </p:childTnLst>
+                                </p:cTn>
+                              </p:par>
+                            </p:childTnLst>
+                          </p:cTn>
+                        </p:par>
+                      </p:childTnLst>
+                    </p:cTn>
+                  </p:par>
+                  <p:par>
+                    <p:cTn id="23" fill="hold">
+                      <p:stCondLst>
+                        <p:cond delay="indefinite"/>
+                      </p:stCondLst>
+                      <p:childTnLst>
+                        <p:par>
+                          <p:cTn id="24" fill="hold">
+                            <p:stCondLst>
+                              <p:cond delay="0"/>
+                            </p:stCondLst>
+                            <p:childTnLst>
+                              <p:par>
+                                <p:cTn id="25" presetID="1" presetClass="entr" presetSubtype="0" fill="hold" nodeType="clickEffect">
+                                  <p:stCondLst>
+                                    <p:cond delay="0"/>
+                                  </p:stCondLst>
+                                  <p:childTnLst>
+                                    <p:set>
+                                      <p:cBhvr>
+                                        <p:cTn id="26" dur="1" fill="hold">
+                                          <p:stCondLst>
+                                            <p:cond delay="0"/>
+                                          </p:stCondLst>
+                                        </p:cTn>
+                                        <p:tgtEl>
+                                          <p:spTgt spid="16">
+                                            <p:txEl>
+                                              <p:pRg st="0" end="0"/>
+                                            </p:txEl>
+                                          </p:spTgt>
+                                        </p:tgtEl>
+                                        <p:attrNameLst>
+                                          <p:attrName>style.visibility</p:attrName>
+                                        </p:attrNameLst>
+                                      </p:cBhvr>
+                                      <p:to>
+                                        <p:strVal val="visible"/>
+                                      </p:to>
+                                    </p:set>
+                                  </p:childTnLst>
+                                </p:cTn>
+                              </p:par>
+                            </p:childTnLst>
+                          </p:cTn>
+                        </p:par>
+                      </p:childTnLst>
+                    </p:cTn>
+                  </p:par>
+                </p:childTnLst>
+              </p:cTn>
+              <p:prevCondLst>
+                <p:cond evt="onPrev" delay="0">
+                  <p:tgtEl>
+                    <p:sldTgt/>
+                  </p:tgtEl>
+                </p:cond>
+              </p:prevCondLst>
+              <p:nextCondLst>
+                <p:cond evt="onNext" delay="0">
+                  <p:tgtEl>
+                    <p:sldTgt/>
+                  </p:tgtEl>
+                </p:cond>
+              </p:nextCondLst>
+            </p:seq>
+          </p:childTnLst>
+        </p:cTn>
+      </p:par>
+    </p:tnLst>
+  </p:timing>
 </p:sld>
 </file>
 
@@ -37487,7 +37923,7 @@
             </a:pPr>
             <a:r>
               <a:rPr lang="en" dirty="0"/>
-              <a:t>An object at rest or at constant velocity will remains so until acted upon by an external force. (Law of inertia)</a:t>
+              <a:t>An object at rest or at constant velocity will remain so until acted upon by an external force. (Law of inertia)</a:t>
             </a:r>
           </a:p>
           <a:p>

--- a/Beginner/Day 1/Intro to Rocketry.pptx
+++ b/Beginner/Day 1/Intro to Rocketry.pptx
@@ -1607,7 +1607,7 @@
             </a:pPr>
             <a:r>
               <a:rPr lang="en-US" dirty="0"/>
-              <a:t>Lift – less relevant on rockets, but is due to fins – caused by angle of attack</a:t>
+              <a:t>Lift – Instead of wings, rockets have fins, and fins also generate lift – it’s what causes rockets to right themselves, since lift only occurs when there is an angle of attack</a:t>
             </a:r>
             <a:endParaRPr dirty="0"/>
           </a:p>
@@ -32374,6 +32374,36 @@
           <a:chExt cx="0" cy="0"/>
         </a:xfrm>
       </p:grpSpPr>
+      <p:pic>
+        <p:nvPicPr>
+          <p:cNvPr id="3" name="Picture 2" descr="A yellow and red shapes&#10;&#10;Description automatically generated with medium confidence">
+            <a:extLst>
+              <a:ext uri="{FF2B5EF4-FFF2-40B4-BE49-F238E27FC236}">
+                <a16:creationId xmlns:a16="http://schemas.microsoft.com/office/drawing/2014/main" id="{7F477D72-2451-CCE3-3BC5-2E06240A5F4E}"/>
+              </a:ext>
+            </a:extLst>
+          </p:cNvPr>
+          <p:cNvPicPr>
+            <a:picLocks noChangeAspect="1"/>
+          </p:cNvPicPr>
+          <p:nvPr/>
+        </p:nvPicPr>
+        <p:blipFill>
+          <a:blip r:embed="rId3"/>
+          <a:stretch>
+            <a:fillRect/>
+          </a:stretch>
+        </p:blipFill>
+        <p:spPr>
+          <a:xfrm>
+            <a:off x="3115116" y="851436"/>
+            <a:ext cx="2913768" cy="3734418"/>
+          </a:xfrm>
+          <a:prstGeom prst="rect">
+            <a:avLst/>
+          </a:prstGeom>
+        </p:spPr>
+      </p:pic>
       <p:sp>
         <p:nvSpPr>
           <p:cNvPr id="11" name="Title 10">
@@ -32404,51 +32434,6 @@
       </p:sp>
       <p:pic>
         <p:nvPicPr>
-          <p:cNvPr id="1026" name="Picture 2" descr="Best Fin Design For Bottle Rockets - Best Pictures and Decription Forwardset.Com">
-            <a:extLst>
-              <a:ext uri="{FF2B5EF4-FFF2-40B4-BE49-F238E27FC236}">
-                <a16:creationId xmlns:a16="http://schemas.microsoft.com/office/drawing/2014/main" id="{E7C89C25-1C82-752B-B0C3-6F1076F09110}"/>
-              </a:ext>
-            </a:extLst>
-          </p:cNvPr>
-          <p:cNvPicPr>
-            <a:picLocks noChangeAspect="1" noChangeArrowheads="1"/>
-          </p:cNvPicPr>
-          <p:nvPr/>
-        </p:nvPicPr>
-        <p:blipFill rotWithShape="1">
-          <a:blip r:embed="rId3">
-            <a:extLst>
-              <a:ext uri="{28A0092B-C50C-407E-A947-70E740481C1C}">
-                <a14:useLocalDpi xmlns:a14="http://schemas.microsoft.com/office/drawing/2010/main" val="0"/>
-              </a:ext>
-            </a:extLst>
-          </a:blip>
-          <a:srcRect l="27128" t="17353" r="28975" b="7536"/>
-          <a:stretch/>
-        </p:blipFill>
-        <p:spPr bwMode="auto">
-          <a:xfrm>
-            <a:off x="3003452" y="892554"/>
-            <a:ext cx="3010486" cy="3863345"/>
-          </a:xfrm>
-          <a:prstGeom prst="rect">
-            <a:avLst/>
-          </a:prstGeom>
-          <a:noFill/>
-          <a:extLst>
-            <a:ext uri="{909E8E84-426E-40DD-AFC4-6F175D3DCCD1}">
-              <a14:hiddenFill xmlns:a14="http://schemas.microsoft.com/office/drawing/2010/main">
-                <a:solidFill>
-                  <a:srgbClr val="FFFFFF"/>
-                </a:solidFill>
-              </a14:hiddenFill>
-            </a:ext>
-          </a:extLst>
-        </p:spPr>
-      </p:pic>
-      <p:pic>
-        <p:nvPicPr>
           <p:cNvPr id="8" name="Picture 7">
             <a:extLst>
               <a:ext uri="{FF2B5EF4-FFF2-40B4-BE49-F238E27FC236}">
@@ -32469,7 +32454,7 @@
         </p:blipFill>
         <p:spPr>
           <a:xfrm>
-            <a:off x="3854248" y="4531200"/>
+            <a:off x="4044748" y="4363479"/>
             <a:ext cx="1223326" cy="218911"/>
           </a:xfrm>
           <a:prstGeom prst="rect">
@@ -38480,10 +38465,10 @@
       </p:sp>
       <p:pic>
         <p:nvPicPr>
-          <p:cNvPr id="7" name="Picture 6">
+          <p:cNvPr id="11" name="Picture 10" descr="A diagram of a flight&#10;&#10;Description automatically generated">
             <a:extLst>
               <a:ext uri="{FF2B5EF4-FFF2-40B4-BE49-F238E27FC236}">
-                <a16:creationId xmlns:a16="http://schemas.microsoft.com/office/drawing/2014/main" id="{056DDBEE-D974-1E2B-777D-6E93C8E73FE8}"/>
+                <a16:creationId xmlns:a16="http://schemas.microsoft.com/office/drawing/2014/main" id="{A99B8848-E011-0085-FA6A-47D43DC7F0E2}"/>
               </a:ext>
             </a:extLst>
           </p:cNvPr>
@@ -38500,8 +38485,8 @@
         </p:blipFill>
         <p:spPr>
           <a:xfrm>
-            <a:off x="1578347" y="1258874"/>
-            <a:ext cx="5224236" cy="3465525"/>
+            <a:off x="762000" y="1229325"/>
+            <a:ext cx="5697682" cy="3784592"/>
           </a:xfrm>
           <a:prstGeom prst="rect">
             <a:avLst/>
@@ -38631,53 +38616,6 @@
       </p:sp>
       <p:pic>
         <p:nvPicPr>
-          <p:cNvPr id="2052" name="Picture 4">
-            <a:extLst>
-              <a:ext uri="{FF2B5EF4-FFF2-40B4-BE49-F238E27FC236}">
-                <a16:creationId xmlns:a16="http://schemas.microsoft.com/office/drawing/2014/main" id="{07FA1961-7E8F-2574-E920-39A0CD48B99A}"/>
-              </a:ext>
-            </a:extLst>
-          </p:cNvPr>
-          <p:cNvPicPr>
-            <a:picLocks noChangeAspect="1" noChangeArrowheads="1"/>
-          </p:cNvPicPr>
-          <p:nvPr/>
-        </p:nvPicPr>
-        <p:blipFill>
-          <a:blip r:embed="rId3">
-            <a:extLst>
-              <a:ext uri="{28A0092B-C50C-407E-A947-70E740481C1C}">
-                <a14:useLocalDpi xmlns:a14="http://schemas.microsoft.com/office/drawing/2010/main" val="0"/>
-              </a:ext>
-            </a:extLst>
-          </a:blip>
-          <a:srcRect/>
-          <a:stretch>
-            <a:fillRect/>
-          </a:stretch>
-        </p:blipFill>
-        <p:spPr bwMode="auto">
-          <a:xfrm>
-            <a:off x="5267755" y="1416627"/>
-            <a:ext cx="2701348" cy="2937036"/>
-          </a:xfrm>
-          <a:prstGeom prst="rect">
-            <a:avLst/>
-          </a:prstGeom>
-          <a:noFill/>
-          <a:extLst>
-            <a:ext uri="{909E8E84-426E-40DD-AFC4-6F175D3DCCD1}">
-              <a14:hiddenFill xmlns:a14="http://schemas.microsoft.com/office/drawing/2010/main">
-                <a:solidFill>
-                  <a:srgbClr val="FFFFFF"/>
-                </a:solidFill>
-              </a14:hiddenFill>
-            </a:ext>
-          </a:extLst>
-        </p:spPr>
-      </p:pic>
-      <p:pic>
-        <p:nvPicPr>
           <p:cNvPr id="2054" name="Picture 6">
             <a:extLst>
               <a:ext uri="{FF2B5EF4-FFF2-40B4-BE49-F238E27FC236}">
@@ -38691,7 +38629,7 @@
           <p:nvPr/>
         </p:nvPicPr>
         <p:blipFill>
-          <a:blip r:embed="rId4">
+          <a:blip r:embed="rId3">
             <a:lum bright="70000" contrast="-70000"/>
             <a:extLst>
               <a:ext uri="{28A0092B-C50C-407E-A947-70E740481C1C}">
@@ -38724,86 +38662,41 @@
           </a:extLst>
         </p:spPr>
       </p:pic>
+      <p:pic>
+        <p:nvPicPr>
+          <p:cNvPr id="3" name="Picture 2" descr="A rocket with text on it&#10;&#10;Description automatically generated">
+            <a:extLst>
+              <a:ext uri="{FF2B5EF4-FFF2-40B4-BE49-F238E27FC236}">
+                <a16:creationId xmlns:a16="http://schemas.microsoft.com/office/drawing/2014/main" id="{C7BA82CF-A8A3-825D-C027-37342A047C04}"/>
+              </a:ext>
+            </a:extLst>
+          </p:cNvPr>
+          <p:cNvPicPr>
+            <a:picLocks noChangeAspect="1"/>
+          </p:cNvPicPr>
+          <p:nvPr/>
+        </p:nvPicPr>
+        <p:blipFill>
+          <a:blip r:embed="rId4"/>
+          <a:stretch>
+            <a:fillRect/>
+          </a:stretch>
+        </p:blipFill>
+        <p:spPr>
+          <a:xfrm>
+            <a:off x="4794596" y="571501"/>
+            <a:ext cx="4049665" cy="4391890"/>
+          </a:xfrm>
+          <a:prstGeom prst="rect">
+            <a:avLst/>
+          </a:prstGeom>
+        </p:spPr>
+      </p:pic>
     </p:spTree>
   </p:cSld>
   <p:clrMapOvr>
     <a:masterClrMapping/>
   </p:clrMapOvr>
-  <p:timing>
-    <p:tnLst>
-      <p:par>
-        <p:cTn id="1" dur="indefinite" restart="never" nodeType="tmRoot">
-          <p:childTnLst>
-            <p:seq concurrent="1" nextAc="seek">
-              <p:cTn id="2" dur="indefinite" nodeType="mainSeq">
-                <p:childTnLst>
-                  <p:par>
-                    <p:cTn id="3" fill="hold">
-                      <p:stCondLst>
-                        <p:cond delay="indefinite"/>
-                      </p:stCondLst>
-                      <p:childTnLst>
-                        <p:par>
-                          <p:cTn id="4" fill="hold">
-                            <p:stCondLst>
-                              <p:cond delay="0"/>
-                            </p:stCondLst>
-                            <p:childTnLst>
-                              <p:par>
-                                <p:cTn id="5" presetID="1" presetClass="entr" presetSubtype="0" fill="hold" nodeType="clickEffect">
-                                  <p:stCondLst>
-                                    <p:cond delay="0"/>
-                                  </p:stCondLst>
-                                  <p:childTnLst>
-                                    <p:set>
-                                      <p:cBhvr>
-                                        <p:cTn id="6" dur="1" fill="hold">
-                                          <p:stCondLst>
-                                            <p:cond delay="0"/>
-                                          </p:stCondLst>
-                                        </p:cTn>
-                                        <p:tgtEl>
-                                          <p:spTgt spid="2052"/>
-                                        </p:tgtEl>
-                                        <p:attrNameLst>
-                                          <p:attrName>style.visibility</p:attrName>
-                                        </p:attrNameLst>
-                                      </p:cBhvr>
-                                      <p:to>
-                                        <p:strVal val="visible"/>
-                                      </p:to>
-                                    </p:set>
-                                  </p:childTnLst>
-                                </p:cTn>
-                              </p:par>
-                            </p:childTnLst>
-                          </p:cTn>
-                        </p:par>
-                      </p:childTnLst>
-                    </p:cTn>
-                  </p:par>
-                </p:childTnLst>
-              </p:cTn>
-              <p:prevCondLst>
-                <p:cond evt="onPrev" delay="0">
-                  <p:tgtEl>
-                    <p:sldTgt/>
-                  </p:tgtEl>
-                </p:cond>
-              </p:prevCondLst>
-              <p:nextCondLst>
-                <p:cond evt="onNext" delay="0">
-                  <p:tgtEl>
-                    <p:sldTgt/>
-                  </p:tgtEl>
-                </p:cond>
-              </p:nextCondLst>
-            </p:seq>
-          </p:childTnLst>
-        </p:cTn>
-      </p:par>
-    </p:tnLst>
-  </p:timing>
 </p:sld>
 </file>
 
@@ -41061,47 +40954,32 @@
       </p:pic>
       <p:pic>
         <p:nvPicPr>
-          <p:cNvPr id="1028" name="Picture 4" descr="CG &amp; CP: I get it, but why?">
+          <p:cNvPr id="3" name="Picture 2" descr="A diagram of a wind force application&#10;&#10;Description automatically generated">
             <a:extLst>
               <a:ext uri="{FF2B5EF4-FFF2-40B4-BE49-F238E27FC236}">
-                <a16:creationId xmlns:a16="http://schemas.microsoft.com/office/drawing/2014/main" id="{0C449AA8-6F9A-9087-A20F-6610B0EB8309}"/>
+                <a16:creationId xmlns:a16="http://schemas.microsoft.com/office/drawing/2014/main" id="{359406F7-1773-BF09-C391-FBE738457A55}"/>
               </a:ext>
             </a:extLst>
           </p:cNvPr>
           <p:cNvPicPr>
-            <a:picLocks noChangeAspect="1" noChangeArrowheads="1"/>
+            <a:picLocks noChangeAspect="1"/>
           </p:cNvPicPr>
           <p:nvPr/>
         </p:nvPicPr>
-        <p:blipFill rotWithShape="1">
-          <a:blip r:embed="rId4">
-            <a:extLst>
-              <a:ext uri="{28A0092B-C50C-407E-A947-70E740481C1C}">
-                <a14:useLocalDpi xmlns:a14="http://schemas.microsoft.com/office/drawing/2010/main" val="0"/>
-              </a:ext>
-            </a:extLst>
-          </a:blip>
-          <a:srcRect l="1615" t="1156" r="1991" b="2176"/>
-          <a:stretch/>
+        <p:blipFill>
+          <a:blip r:embed="rId4"/>
+          <a:stretch>
+            <a:fillRect/>
+          </a:stretch>
         </p:blipFill>
-        <p:spPr bwMode="auto">
+        <p:spPr>
           <a:xfrm>
-            <a:off x="4426528" y="1499023"/>
-            <a:ext cx="4443846" cy="2697793"/>
+            <a:off x="4386258" y="1392019"/>
+            <a:ext cx="4484116" cy="2732809"/>
           </a:xfrm>
           <a:prstGeom prst="rect">
             <a:avLst/>
           </a:prstGeom>
-          <a:noFill/>
-          <a:extLst>
-            <a:ext uri="{909E8E84-426E-40DD-AFC4-6F175D3DCCD1}">
-              <a14:hiddenFill xmlns:a14="http://schemas.microsoft.com/office/drawing/2010/main">
-                <a:solidFill>
-                  <a:srgbClr val="FFFFFF"/>
-                </a:solidFill>
-              </a14:hiddenFill>
-            </a:ext>
-          </a:extLst>
         </p:spPr>
       </p:pic>
     </p:spTree>

--- a/Beginner/Day 1/Intro to Rocketry.pptx
+++ b/Beginner/Day 1/Intro to Rocketry.pptx
@@ -40944,7 +40944,7 @@
         </p:blipFill>
         <p:spPr>
           <a:xfrm>
-            <a:off x="273626" y="1678509"/>
+            <a:off x="277090" y="1678509"/>
             <a:ext cx="3805652" cy="2338820"/>
           </a:xfrm>
           <a:prstGeom prst="rect">
@@ -40974,7 +40974,7 @@
         </p:blipFill>
         <p:spPr>
           <a:xfrm>
-            <a:off x="4386258" y="1392019"/>
+            <a:off x="4389722" y="1392019"/>
             <a:ext cx="4484116" cy="2732809"/>
           </a:xfrm>
           <a:prstGeom prst="rect">
